--- a/tex/figures/Gauss/Figures.pptx
+++ b/tex/figures/Gauss/Figures.pptx
@@ -203,7 +203,7 @@
           <a:p>
             <a:fld id="{FA15A6B2-55AC-CD4B-A1E6-BB01091FE9DC}" type="datetimeFigureOut">
               <a:rPr lang="en-US" smtClean="0"/>
-              <a:t>5/24/2019</a:t>
+              <a:t>5/27/2019</a:t>
             </a:fld>
             <a:endParaRPr lang="en-US"/>
           </a:p>
@@ -602,7 +602,7 @@
           <a:p>
             <a:fld id="{F7249F8D-641B-4CAF-BAE5-10524742F6F1}" type="datetimeFigureOut">
               <a:rPr lang="en-CA" smtClean="0"/>
-              <a:t>2019-05-24</a:t>
+              <a:t>2019-05-27</a:t>
             </a:fld>
             <a:endParaRPr lang="en-CA"/>
           </a:p>
@@ -772,7 +772,7 @@
           <a:p>
             <a:fld id="{F7249F8D-641B-4CAF-BAE5-10524742F6F1}" type="datetimeFigureOut">
               <a:rPr lang="en-CA" smtClean="0"/>
-              <a:t>2019-05-24</a:t>
+              <a:t>2019-05-27</a:t>
             </a:fld>
             <a:endParaRPr lang="en-CA"/>
           </a:p>
@@ -952,7 +952,7 @@
           <a:p>
             <a:fld id="{F7249F8D-641B-4CAF-BAE5-10524742F6F1}" type="datetimeFigureOut">
               <a:rPr lang="en-CA" smtClean="0"/>
-              <a:t>2019-05-24</a:t>
+              <a:t>2019-05-27</a:t>
             </a:fld>
             <a:endParaRPr lang="en-CA"/>
           </a:p>
@@ -1122,7 +1122,7 @@
           <a:p>
             <a:fld id="{F7249F8D-641B-4CAF-BAE5-10524742F6F1}" type="datetimeFigureOut">
               <a:rPr lang="en-CA" smtClean="0"/>
-              <a:t>2019-05-24</a:t>
+              <a:t>2019-05-27</a:t>
             </a:fld>
             <a:endParaRPr lang="en-CA"/>
           </a:p>
@@ -1368,7 +1368,7 @@
           <a:p>
             <a:fld id="{F7249F8D-641B-4CAF-BAE5-10524742F6F1}" type="datetimeFigureOut">
               <a:rPr lang="en-CA" smtClean="0"/>
-              <a:t>2019-05-24</a:t>
+              <a:t>2019-05-27</a:t>
             </a:fld>
             <a:endParaRPr lang="en-CA"/>
           </a:p>
@@ -1600,7 +1600,7 @@
           <a:p>
             <a:fld id="{F7249F8D-641B-4CAF-BAE5-10524742F6F1}" type="datetimeFigureOut">
               <a:rPr lang="en-CA" smtClean="0"/>
-              <a:t>2019-05-24</a:t>
+              <a:t>2019-05-27</a:t>
             </a:fld>
             <a:endParaRPr lang="en-CA"/>
           </a:p>
@@ -1967,7 +1967,7 @@
           <a:p>
             <a:fld id="{F7249F8D-641B-4CAF-BAE5-10524742F6F1}" type="datetimeFigureOut">
               <a:rPr lang="en-CA" smtClean="0"/>
-              <a:t>2019-05-24</a:t>
+              <a:t>2019-05-27</a:t>
             </a:fld>
             <a:endParaRPr lang="en-CA"/>
           </a:p>
@@ -2085,7 +2085,7 @@
           <a:p>
             <a:fld id="{F7249F8D-641B-4CAF-BAE5-10524742F6F1}" type="datetimeFigureOut">
               <a:rPr lang="en-CA" smtClean="0"/>
-              <a:t>2019-05-24</a:t>
+              <a:t>2019-05-27</a:t>
             </a:fld>
             <a:endParaRPr lang="en-CA"/>
           </a:p>
@@ -2180,7 +2180,7 @@
           <a:p>
             <a:fld id="{F7249F8D-641B-4CAF-BAE5-10524742F6F1}" type="datetimeFigureOut">
               <a:rPr lang="en-CA" smtClean="0"/>
-              <a:t>2019-05-24</a:t>
+              <a:t>2019-05-27</a:t>
             </a:fld>
             <a:endParaRPr lang="en-CA"/>
           </a:p>
@@ -2457,7 +2457,7 @@
           <a:p>
             <a:fld id="{F7249F8D-641B-4CAF-BAE5-10524742F6F1}" type="datetimeFigureOut">
               <a:rPr lang="en-CA" smtClean="0"/>
-              <a:t>2019-05-24</a:t>
+              <a:t>2019-05-27</a:t>
             </a:fld>
             <a:endParaRPr lang="en-CA"/>
           </a:p>
@@ -2710,7 +2710,7 @@
           <a:p>
             <a:fld id="{F7249F8D-641B-4CAF-BAE5-10524742F6F1}" type="datetimeFigureOut">
               <a:rPr lang="en-CA" smtClean="0"/>
-              <a:t>2019-05-24</a:t>
+              <a:t>2019-05-27</a:t>
             </a:fld>
             <a:endParaRPr lang="en-CA"/>
           </a:p>
@@ -2923,7 +2923,7 @@
           <a:p>
             <a:fld id="{F7249F8D-641B-4CAF-BAE5-10524742F6F1}" type="datetimeFigureOut">
               <a:rPr lang="en-CA" smtClean="0"/>
-              <a:t>2019-05-24</a:t>
+              <a:t>2019-05-27</a:t>
             </a:fld>
             <a:endParaRPr lang="en-CA"/>
           </a:p>
@@ -11587,7 +11587,7 @@
       </p:grpSp>
       <p:grpSp>
         <p:nvGrpSpPr>
-          <p:cNvPr id="473" name="Group 472"/>
+          <p:cNvPr id="3" name="Group 2"/>
           <p:cNvGrpSpPr/>
           <p:nvPr/>
         </p:nvGrpSpPr>
@@ -11601,1559 +11601,266 @@
         </p:grpSpPr>
         <p:grpSp>
           <p:nvGrpSpPr>
-            <p:cNvPr id="394" name="Group 393"/>
+            <p:cNvPr id="473" name="Group 472"/>
             <p:cNvGrpSpPr/>
             <p:nvPr/>
           </p:nvGrpSpPr>
           <p:grpSpPr>
             <a:xfrm>
               <a:off x="3297259" y="3458805"/>
-              <a:ext cx="3118996" cy="2419360"/>
-              <a:chOff x="4504549" y="3501996"/>
-              <a:chExt cx="3118996" cy="2419360"/>
+              <a:ext cx="6474739" cy="2419360"/>
+              <a:chOff x="3297259" y="3458805"/>
+              <a:chExt cx="6474739" cy="2419360"/>
             </a:xfrm>
           </p:grpSpPr>
-          <p:cxnSp>
-            <p:nvCxnSpPr>
-              <p:cNvPr id="369" name="Straight Arrow Connector 368"/>
-              <p:cNvCxnSpPr/>
-              <p:nvPr/>
-            </p:nvCxnSpPr>
-            <p:spPr>
-              <a:xfrm flipV="1">
-                <a:off x="5001086" y="4870083"/>
-                <a:ext cx="5357" cy="951744"/>
-              </a:xfrm>
-              <a:prstGeom prst="straightConnector1">
-                <a:avLst/>
-              </a:prstGeom>
-              <a:ln w="28575">
-                <a:solidFill>
-                  <a:schemeClr val="tx1"/>
-                </a:solidFill>
-                <a:headEnd type="none" w="med" len="med"/>
-                <a:tailEnd type="none" w="med" len="med"/>
-              </a:ln>
-            </p:spPr>
-            <p:style>
-              <a:lnRef idx="1">
-                <a:schemeClr val="accent1"/>
-              </a:lnRef>
-              <a:fillRef idx="0">
-                <a:schemeClr val="accent1"/>
-              </a:fillRef>
-              <a:effectRef idx="0">
-                <a:schemeClr val="accent1"/>
-              </a:effectRef>
-              <a:fontRef idx="minor">
-                <a:schemeClr val="tx1"/>
-              </a:fontRef>
-            </p:style>
-          </p:cxnSp>
-          <p:cxnSp>
-            <p:nvCxnSpPr>
-              <p:cNvPr id="371" name="Straight Arrow Connector 370"/>
-              <p:cNvCxnSpPr>
-                <a:endCxn id="348" idx="0"/>
-              </p:cNvCxnSpPr>
-              <p:nvPr/>
-            </p:nvCxnSpPr>
-            <p:spPr>
-              <a:xfrm flipV="1">
-                <a:off x="4919481" y="5075448"/>
-                <a:ext cx="13088" cy="767904"/>
-              </a:xfrm>
-              <a:prstGeom prst="straightConnector1">
-                <a:avLst/>
-              </a:prstGeom>
-              <a:ln w="28575">
-                <a:solidFill>
-                  <a:schemeClr val="tx1"/>
-                </a:solidFill>
-                <a:headEnd type="none" w="med" len="med"/>
-                <a:tailEnd type="none" w="med" len="med"/>
-              </a:ln>
-            </p:spPr>
-            <p:style>
-              <a:lnRef idx="1">
-                <a:schemeClr val="accent1"/>
-              </a:lnRef>
-              <a:fillRef idx="0">
-                <a:schemeClr val="accent1"/>
-              </a:fillRef>
-              <a:effectRef idx="0">
-                <a:schemeClr val="accent1"/>
-              </a:effectRef>
-              <a:fontRef idx="minor">
-                <a:schemeClr val="tx1"/>
-              </a:fontRef>
-            </p:style>
-          </p:cxnSp>
-          <p:cxnSp>
-            <p:nvCxnSpPr>
-              <p:cNvPr id="373" name="Straight Arrow Connector 372"/>
-              <p:cNvCxnSpPr/>
-              <p:nvPr/>
-            </p:nvCxnSpPr>
-            <p:spPr>
-              <a:xfrm flipV="1">
-                <a:off x="4838641" y="5224528"/>
-                <a:ext cx="0" cy="696828"/>
-              </a:xfrm>
-              <a:prstGeom prst="straightConnector1">
-                <a:avLst/>
-              </a:prstGeom>
-              <a:ln w="28575">
-                <a:solidFill>
-                  <a:schemeClr val="tx1"/>
-                </a:solidFill>
-                <a:headEnd type="none" w="med" len="med"/>
-                <a:tailEnd type="none" w="med" len="med"/>
-              </a:ln>
-            </p:spPr>
-            <p:style>
-              <a:lnRef idx="1">
-                <a:schemeClr val="accent1"/>
-              </a:lnRef>
-              <a:fillRef idx="0">
-                <a:schemeClr val="accent1"/>
-              </a:fillRef>
-              <a:effectRef idx="0">
-                <a:schemeClr val="accent1"/>
-              </a:effectRef>
-              <a:fontRef idx="minor">
-                <a:schemeClr val="tx1"/>
-              </a:fontRef>
-            </p:style>
-          </p:cxnSp>
-          <p:cxnSp>
-            <p:nvCxnSpPr>
-              <p:cNvPr id="364" name="Straight Arrow Connector 363"/>
-              <p:cNvCxnSpPr/>
-              <p:nvPr/>
-            </p:nvCxnSpPr>
-            <p:spPr>
-              <a:xfrm flipV="1">
-                <a:off x="5607249" y="4764386"/>
-                <a:ext cx="12339" cy="1057441"/>
-              </a:xfrm>
-              <a:prstGeom prst="straightConnector1">
-                <a:avLst/>
-              </a:prstGeom>
-              <a:ln w="28575">
-                <a:solidFill>
-                  <a:schemeClr val="tx1"/>
-                </a:solidFill>
-                <a:headEnd type="none" w="med" len="med"/>
-                <a:tailEnd type="none" w="med" len="med"/>
-              </a:ln>
-            </p:spPr>
-            <p:style>
-              <a:lnRef idx="1">
-                <a:schemeClr val="accent1"/>
-              </a:lnRef>
-              <a:fillRef idx="0">
-                <a:schemeClr val="accent1"/>
-              </a:fillRef>
-              <a:effectRef idx="0">
-                <a:schemeClr val="accent1"/>
-              </a:effectRef>
-              <a:fontRef idx="minor">
-                <a:schemeClr val="tx1"/>
-              </a:fontRef>
-            </p:style>
-          </p:cxnSp>
-          <p:cxnSp>
-            <p:nvCxnSpPr>
-              <p:cNvPr id="357" name="Straight Arrow Connector 356"/>
-              <p:cNvCxnSpPr/>
-              <p:nvPr/>
-            </p:nvCxnSpPr>
-            <p:spPr>
-              <a:xfrm flipV="1">
-                <a:off x="5951171" y="4681460"/>
-                <a:ext cx="1140" cy="983912"/>
-              </a:xfrm>
-              <a:prstGeom prst="straightConnector1">
-                <a:avLst/>
-              </a:prstGeom>
-              <a:ln w="28575">
-                <a:solidFill>
-                  <a:schemeClr val="tx1"/>
-                </a:solidFill>
-                <a:headEnd type="none" w="med" len="med"/>
-                <a:tailEnd type="none" w="med" len="med"/>
-              </a:ln>
-            </p:spPr>
-            <p:style>
-              <a:lnRef idx="1">
-                <a:schemeClr val="accent1"/>
-              </a:lnRef>
-              <a:fillRef idx="0">
-                <a:schemeClr val="accent1"/>
-              </a:fillRef>
-              <a:effectRef idx="0">
-                <a:schemeClr val="accent1"/>
-              </a:effectRef>
-              <a:fontRef idx="minor">
-                <a:schemeClr val="tx1"/>
-              </a:fontRef>
-            </p:style>
-          </p:cxnSp>
-          <p:cxnSp>
-            <p:nvCxnSpPr>
-              <p:cNvPr id="353" name="Straight Arrow Connector 352"/>
-              <p:cNvCxnSpPr/>
-              <p:nvPr/>
-            </p:nvCxnSpPr>
-            <p:spPr>
-              <a:xfrm flipV="1">
-                <a:off x="6609558" y="4438560"/>
-                <a:ext cx="0" cy="1098708"/>
-              </a:xfrm>
-              <a:prstGeom prst="straightConnector1">
-                <a:avLst/>
-              </a:prstGeom>
-              <a:ln w="28575">
-                <a:solidFill>
-                  <a:schemeClr val="tx1"/>
-                </a:solidFill>
-                <a:headEnd type="none" w="med" len="med"/>
-                <a:tailEnd type="none" w="med" len="med"/>
-              </a:ln>
-            </p:spPr>
-            <p:style>
-              <a:lnRef idx="1">
-                <a:schemeClr val="accent1"/>
-              </a:lnRef>
-              <a:fillRef idx="0">
-                <a:schemeClr val="accent1"/>
-              </a:fillRef>
-              <a:effectRef idx="0">
-                <a:schemeClr val="accent1"/>
-              </a:effectRef>
-              <a:fontRef idx="minor">
-                <a:schemeClr val="tx1"/>
-              </a:fontRef>
-            </p:style>
-          </p:cxnSp>
-          <p:sp>
-            <p:nvSpPr>
-              <p:cNvPr id="346" name="Parallelogram 345"/>
-              <p:cNvSpPr/>
-              <p:nvPr/>
-            </p:nvSpPr>
-            <p:spPr>
-              <a:xfrm>
-                <a:off x="4504549" y="4606673"/>
-                <a:ext cx="3118996" cy="696721"/>
-              </a:xfrm>
-              <a:prstGeom prst="parallelogram">
-                <a:avLst>
-                  <a:gd name="adj" fmla="val 150714"/>
-                </a:avLst>
-              </a:prstGeom>
-              <a:solidFill>
-                <a:srgbClr val="E7B8B7">
-                  <a:alpha val="58000"/>
-                </a:srgbClr>
-              </a:solidFill>
-              <a:ln w="38100">
-                <a:solidFill>
-                  <a:srgbClr val="FF0000"/>
-                </a:solidFill>
-              </a:ln>
-            </p:spPr>
-            <p:txBody>
-              <a:bodyPr rot="0" spcFirstLastPara="0" vertOverflow="overflow" horzOverflow="overflow" vert="horz" wrap="square" lIns="91440" tIns="45720" rIns="91440" bIns="45720" numCol="1" spcCol="0" rtlCol="0" fromWordArt="0" anchor="ctr" anchorCtr="0" forceAA="0" compatLnSpc="1">
-                <a:prstTxWarp prst="textNoShape">
-                  <a:avLst/>
-                </a:prstTxWarp>
-                <a:spAutoFit/>
-              </a:bodyPr>
-              <a:lstStyle/>
-              <a:p>
-                <a:pPr marL="234950" indent="-234950" algn="ctr" fontAlgn="t">
-                  <a:buFont typeface="Arial" panose="020B0604020202020204" pitchFamily="34" charset="0"/>
-                  <a:buChar char="•"/>
-                </a:pPr>
-                <a:endParaRPr lang="en-CA">
-                  <a:solidFill>
-                    <a:srgbClr val="353535"/>
-                  </a:solidFill>
-                  <a:latin typeface="arial" panose="020B0604020202020204" pitchFamily="34" charset="0"/>
-                </a:endParaRPr>
-              </a:p>
-            </p:txBody>
-          </p:sp>
-          <p:sp>
-            <p:nvSpPr>
-              <p:cNvPr id="347" name="Parallelogram 346"/>
-              <p:cNvSpPr/>
-              <p:nvPr/>
-            </p:nvSpPr>
-            <p:spPr>
-              <a:xfrm>
-                <a:off x="5352395" y="4847501"/>
-                <a:ext cx="812156" cy="227947"/>
-              </a:xfrm>
-              <a:prstGeom prst="parallelogram">
-                <a:avLst>
-                  <a:gd name="adj" fmla="val 150714"/>
-                </a:avLst>
-              </a:prstGeom>
-              <a:solidFill>
-                <a:srgbClr val="C42A2A">
-                  <a:alpha val="32157"/>
-                </a:srgbClr>
-              </a:solidFill>
-              <a:ln w="38100">
-                <a:solidFill>
-                  <a:srgbClr val="FF0000"/>
-                </a:solidFill>
-              </a:ln>
-            </p:spPr>
-            <p:txBody>
-              <a:bodyPr rot="0" spcFirstLastPara="0" vertOverflow="overflow" horzOverflow="overflow" vert="horz" wrap="square" lIns="91440" tIns="45720" rIns="91440" bIns="45720" numCol="1" spcCol="0" rtlCol="0" fromWordArt="0" anchor="ctr" anchorCtr="0" forceAA="0" compatLnSpc="1">
-                <a:prstTxWarp prst="textNoShape">
-                  <a:avLst/>
-                </a:prstTxWarp>
-                <a:spAutoFit/>
-              </a:bodyPr>
-              <a:lstStyle/>
-              <a:p>
-                <a:pPr marL="234950" indent="-234950" algn="ctr" fontAlgn="t">
-                  <a:buFont typeface="Arial" panose="020B0604020202020204" pitchFamily="34" charset="0"/>
-                  <a:buChar char="•"/>
-                </a:pPr>
-                <a:endParaRPr lang="en-CA">
-                  <a:solidFill>
-                    <a:srgbClr val="353535"/>
-                  </a:solidFill>
-                  <a:latin typeface="arial" panose="020B0604020202020204" pitchFamily="34" charset="0"/>
-                </a:endParaRPr>
-              </a:p>
-            </p:txBody>
-          </p:sp>
-          <p:sp>
-            <p:nvSpPr>
-              <p:cNvPr id="348" name="Parallelogram 347"/>
-              <p:cNvSpPr/>
-              <p:nvPr/>
-            </p:nvSpPr>
-            <p:spPr>
-              <a:xfrm>
-                <a:off x="4526491" y="5075448"/>
-                <a:ext cx="812156" cy="227947"/>
-              </a:xfrm>
-              <a:prstGeom prst="parallelogram">
-                <a:avLst>
-                  <a:gd name="adj" fmla="val 150714"/>
-                </a:avLst>
-              </a:prstGeom>
-              <a:solidFill>
-                <a:srgbClr val="C42A2A">
-                  <a:alpha val="32157"/>
-                </a:srgbClr>
-              </a:solidFill>
-              <a:ln w="38100">
-                <a:solidFill>
-                  <a:srgbClr val="FF0000"/>
-                </a:solidFill>
-              </a:ln>
-            </p:spPr>
-            <p:txBody>
-              <a:bodyPr rot="0" spcFirstLastPara="0" vertOverflow="overflow" horzOverflow="overflow" vert="horz" wrap="square" lIns="91440" tIns="45720" rIns="91440" bIns="45720" numCol="1" spcCol="0" rtlCol="0" fromWordArt="0" anchor="ctr" anchorCtr="0" forceAA="0" compatLnSpc="1">
-                <a:prstTxWarp prst="textNoShape">
-                  <a:avLst/>
-                </a:prstTxWarp>
-                <a:spAutoFit/>
-              </a:bodyPr>
-              <a:lstStyle/>
-              <a:p>
-                <a:pPr marL="234950" indent="-234950" algn="ctr" fontAlgn="t">
-                  <a:buFont typeface="Arial" panose="020B0604020202020204" pitchFamily="34" charset="0"/>
-                  <a:buChar char="•"/>
-                </a:pPr>
-                <a:endParaRPr lang="en-CA">
-                  <a:solidFill>
-                    <a:srgbClr val="353535"/>
-                  </a:solidFill>
-                  <a:latin typeface="arial" panose="020B0604020202020204" pitchFamily="34" charset="0"/>
-                </a:endParaRPr>
-              </a:p>
-            </p:txBody>
-          </p:sp>
-          <p:sp>
-            <p:nvSpPr>
-              <p:cNvPr id="349" name="Parallelogram 348"/>
-              <p:cNvSpPr/>
-              <p:nvPr/>
-            </p:nvSpPr>
-            <p:spPr>
-              <a:xfrm>
-                <a:off x="6181920" y="4606674"/>
-                <a:ext cx="812156" cy="227947"/>
-              </a:xfrm>
-              <a:prstGeom prst="parallelogram">
-                <a:avLst>
-                  <a:gd name="adj" fmla="val 150714"/>
-                </a:avLst>
-              </a:prstGeom>
-              <a:solidFill>
-                <a:srgbClr val="C42A2A">
-                  <a:alpha val="32157"/>
-                </a:srgbClr>
-              </a:solidFill>
-              <a:ln w="38100">
-                <a:solidFill>
-                  <a:srgbClr val="FF0000"/>
-                </a:solidFill>
-              </a:ln>
-            </p:spPr>
-            <p:txBody>
-              <a:bodyPr rot="0" spcFirstLastPara="0" vertOverflow="overflow" horzOverflow="overflow" vert="horz" wrap="square" lIns="91440" tIns="45720" rIns="91440" bIns="45720" numCol="1" spcCol="0" rtlCol="0" fromWordArt="0" anchor="ctr" anchorCtr="0" forceAA="0" compatLnSpc="1">
-                <a:prstTxWarp prst="textNoShape">
-                  <a:avLst/>
-                </a:prstTxWarp>
-                <a:spAutoFit/>
-              </a:bodyPr>
-              <a:lstStyle/>
-              <a:p>
-                <a:pPr marL="234950" indent="-234950" algn="ctr" fontAlgn="t">
-                  <a:buFont typeface="Arial" panose="020B0604020202020204" pitchFamily="34" charset="0"/>
-                  <a:buChar char="•"/>
-                </a:pPr>
-                <a:endParaRPr lang="en-CA">
-                  <a:solidFill>
-                    <a:srgbClr val="353535"/>
-                  </a:solidFill>
-                  <a:latin typeface="arial" panose="020B0604020202020204" pitchFamily="34" charset="0"/>
-                </a:endParaRPr>
-              </a:p>
-            </p:txBody>
-          </p:sp>
-          <p:cxnSp>
-            <p:nvCxnSpPr>
-              <p:cNvPr id="350" name="Straight Arrow Connector 349"/>
-              <p:cNvCxnSpPr/>
-              <p:nvPr/>
-            </p:nvCxnSpPr>
-            <p:spPr>
-              <a:xfrm flipV="1">
-                <a:off x="5619588" y="3765538"/>
-                <a:ext cx="11212" cy="1248338"/>
-              </a:xfrm>
-              <a:prstGeom prst="straightConnector1">
-                <a:avLst/>
-              </a:prstGeom>
-              <a:ln w="28575">
-                <a:solidFill>
-                  <a:schemeClr val="tx1"/>
-                </a:solidFill>
-                <a:tailEnd type="triangle"/>
-              </a:ln>
-            </p:spPr>
-            <p:style>
-              <a:lnRef idx="1">
-                <a:schemeClr val="accent1"/>
-              </a:lnRef>
-              <a:fillRef idx="0">
-                <a:schemeClr val="accent1"/>
-              </a:fillRef>
-              <a:effectRef idx="0">
-                <a:schemeClr val="accent1"/>
-              </a:effectRef>
-              <a:fontRef idx="minor">
-                <a:schemeClr val="tx1"/>
-              </a:fontRef>
-            </p:style>
-          </p:cxnSp>
-          <p:cxnSp>
-            <p:nvCxnSpPr>
-              <p:cNvPr id="352" name="Straight Arrow Connector 351"/>
-              <p:cNvCxnSpPr/>
-              <p:nvPr/>
-            </p:nvCxnSpPr>
-            <p:spPr>
-              <a:xfrm flipH="1" flipV="1">
-                <a:off x="6604242" y="3501996"/>
-                <a:ext cx="4339" cy="1228417"/>
-              </a:xfrm>
-              <a:prstGeom prst="straightConnector1">
-                <a:avLst/>
-              </a:prstGeom>
-              <a:ln w="28575">
-                <a:solidFill>
-                  <a:schemeClr val="tx1"/>
-                </a:solidFill>
-                <a:tailEnd type="triangle"/>
-              </a:ln>
-            </p:spPr>
-            <p:style>
-              <a:lnRef idx="1">
-                <a:schemeClr val="accent1"/>
-              </a:lnRef>
-              <a:fillRef idx="0">
-                <a:schemeClr val="accent1"/>
-              </a:fillRef>
-              <a:effectRef idx="0">
-                <a:schemeClr val="accent1"/>
-              </a:effectRef>
-              <a:fontRef idx="minor">
-                <a:schemeClr val="tx1"/>
-              </a:fontRef>
-            </p:style>
-          </p:cxnSp>
-          <p:cxnSp>
-            <p:nvCxnSpPr>
-              <p:cNvPr id="343" name="Straight Arrow Connector 342"/>
-              <p:cNvCxnSpPr/>
-              <p:nvPr/>
-            </p:nvCxnSpPr>
-            <p:spPr>
-              <a:xfrm flipV="1">
-                <a:off x="4838641" y="3941635"/>
-                <a:ext cx="13651" cy="1282892"/>
-              </a:xfrm>
-              <a:prstGeom prst="straightConnector1">
-                <a:avLst/>
-              </a:prstGeom>
-              <a:ln w="28575">
-                <a:solidFill>
-                  <a:schemeClr val="tx1"/>
-                </a:solidFill>
-                <a:tailEnd type="triangle"/>
-              </a:ln>
-            </p:spPr>
-            <p:style>
-              <a:lnRef idx="1">
-                <a:schemeClr val="accent1"/>
-              </a:lnRef>
-              <a:fillRef idx="0">
-                <a:schemeClr val="accent1"/>
-              </a:fillRef>
-              <a:effectRef idx="0">
-                <a:schemeClr val="accent1"/>
-              </a:effectRef>
-              <a:fontRef idx="minor">
-                <a:schemeClr val="tx1"/>
-              </a:fontRef>
-            </p:style>
-          </p:cxnSp>
-          <p:cxnSp>
-            <p:nvCxnSpPr>
-              <p:cNvPr id="344" name="Straight Arrow Connector 343"/>
-              <p:cNvCxnSpPr/>
-              <p:nvPr/>
-            </p:nvCxnSpPr>
-            <p:spPr>
-              <a:xfrm flipV="1">
-                <a:off x="4928493" y="3827911"/>
-                <a:ext cx="17667" cy="1350403"/>
-              </a:xfrm>
-              <a:prstGeom prst="straightConnector1">
-                <a:avLst/>
-              </a:prstGeom>
-              <a:ln w="28575">
-                <a:solidFill>
-                  <a:schemeClr val="tx1"/>
-                </a:solidFill>
-                <a:tailEnd type="triangle"/>
-              </a:ln>
-            </p:spPr>
-            <p:style>
-              <a:lnRef idx="1">
-                <a:schemeClr val="accent1"/>
-              </a:lnRef>
-              <a:fillRef idx="0">
-                <a:schemeClr val="accent1"/>
-              </a:fillRef>
-              <a:effectRef idx="0">
-                <a:schemeClr val="accent1"/>
-              </a:effectRef>
-              <a:fontRef idx="minor">
-                <a:schemeClr val="tx1"/>
-              </a:fontRef>
-            </p:style>
-          </p:cxnSp>
-          <p:cxnSp>
-            <p:nvCxnSpPr>
-              <p:cNvPr id="345" name="Straight Arrow Connector 344"/>
-              <p:cNvCxnSpPr/>
-              <p:nvPr/>
-            </p:nvCxnSpPr>
-            <p:spPr>
-              <a:xfrm flipV="1">
-                <a:off x="5007151" y="3697151"/>
-                <a:ext cx="18499" cy="1437303"/>
-              </a:xfrm>
-              <a:prstGeom prst="straightConnector1">
-                <a:avLst/>
-              </a:prstGeom>
-              <a:ln w="28575">
-                <a:solidFill>
-                  <a:schemeClr val="tx1"/>
-                </a:solidFill>
-                <a:tailEnd type="triangle"/>
-              </a:ln>
-            </p:spPr>
-            <p:style>
-              <a:lnRef idx="1">
-                <a:schemeClr val="accent1"/>
-              </a:lnRef>
-              <a:fillRef idx="0">
-                <a:schemeClr val="accent1"/>
-              </a:fillRef>
-              <a:effectRef idx="0">
-                <a:schemeClr val="accent1"/>
-              </a:effectRef>
-              <a:fontRef idx="minor">
-                <a:schemeClr val="tx1"/>
-              </a:fontRef>
-            </p:style>
-          </p:cxnSp>
-          <p:cxnSp>
-            <p:nvCxnSpPr>
-              <p:cNvPr id="362" name="Straight Arrow Connector 361"/>
-              <p:cNvCxnSpPr/>
-              <p:nvPr/>
-            </p:nvCxnSpPr>
-            <p:spPr>
-              <a:xfrm flipH="1" flipV="1">
-                <a:off x="5943764" y="3675951"/>
-                <a:ext cx="4339" cy="1228417"/>
-              </a:xfrm>
-              <a:prstGeom prst="straightConnector1">
-                <a:avLst/>
-              </a:prstGeom>
-              <a:ln w="28575">
-                <a:solidFill>
-                  <a:schemeClr val="tx1"/>
-                </a:solidFill>
-                <a:tailEnd type="triangle"/>
-              </a:ln>
-            </p:spPr>
-            <p:style>
-              <a:lnRef idx="1">
-                <a:schemeClr val="accent1"/>
-              </a:lnRef>
-              <a:fillRef idx="0">
-                <a:schemeClr val="accent1"/>
-              </a:fillRef>
-              <a:effectRef idx="0">
-                <a:schemeClr val="accent1"/>
-              </a:effectRef>
-              <a:fontRef idx="minor">
-                <a:schemeClr val="tx1"/>
-              </a:fontRef>
-            </p:style>
-          </p:cxnSp>
-          <mc:AlternateContent xmlns:mc="http://schemas.openxmlformats.org/markup-compatibility/2006" xmlns:a14="http://schemas.microsoft.com/office/drawing/2010/main">
-            <mc:Choice Requires="a14">
-              <p:sp>
-                <p:nvSpPr>
-                  <p:cNvPr id="385" name="TextBox 384"/>
-                  <p:cNvSpPr txBox="1"/>
-                  <p:nvPr/>
-                </p:nvSpPr>
-                <p:spPr>
-                  <a:xfrm>
-                    <a:off x="4584627" y="3676979"/>
-                    <a:ext cx="240835" cy="345159"/>
-                  </a:xfrm>
-                  <a:prstGeom prst="rect">
-                    <a:avLst/>
-                  </a:prstGeom>
-                  <a:noFill/>
-                </p:spPr>
-                <p:txBody>
-                  <a:bodyPr wrap="none" lIns="0" tIns="0" rIns="0" bIns="0" rtlCol="0">
-                    <a:spAutoFit/>
-                  </a:bodyPr>
-                  <a:lstStyle/>
-                  <a:p>
-                    <a:pPr/>
-                    <a14:m>
-                      <m:oMathPara xmlns:m="http://schemas.openxmlformats.org/officeDocument/2006/math">
-                        <m:oMathParaPr>
-                          <m:jc m:val="centerGroup"/>
-                        </m:oMathParaPr>
-                        <m:oMath xmlns:m="http://schemas.openxmlformats.org/officeDocument/2006/math">
-                          <m:acc>
-                            <m:accPr>
-                              <m:chr m:val="⃗"/>
-                              <m:ctrlPr>
-                                <a:rPr lang="en-US" sz="2000" b="0" i="1" smtClean="0">
-                                  <a:latin typeface="Cambria Math" panose="02040503050406030204" pitchFamily="18" charset="0"/>
-                                  <a:cs typeface="Arial" panose="020B0604020202020204" pitchFamily="34" charset="0"/>
-                                </a:rPr>
-                              </m:ctrlPr>
-                            </m:accPr>
-                            <m:e>
-                              <m:r>
-                                <a:rPr lang="en-US" sz="2000" b="0" i="1" smtClean="0">
-                                  <a:latin typeface="Cambria Math" panose="02040503050406030204" pitchFamily="18" charset="0"/>
-                                  <a:cs typeface="Arial" panose="020B0604020202020204" pitchFamily="34" charset="0"/>
-                                </a:rPr>
-                                <m:t>𝐸</m:t>
-                              </m:r>
-                            </m:e>
-                          </m:acc>
-                        </m:oMath>
-                      </m:oMathPara>
-                    </a14:m>
-                    <a:endParaRPr lang="en-US" sz="2000" dirty="0" smtClean="0">
-                      <a:latin typeface="Arial" panose="020B0604020202020204" pitchFamily="34" charset="0"/>
-                      <a:cs typeface="Arial" panose="020B0604020202020204" pitchFamily="34" charset="0"/>
-                    </a:endParaRPr>
-                  </a:p>
-                </p:txBody>
-              </p:sp>
-            </mc:Choice>
-            <mc:Fallback xmlns="">
-              <p:sp>
-                <p:nvSpPr>
-                  <p:cNvPr id="385" name="TextBox 384"/>
-                  <p:cNvSpPr txBox="1">
-                    <a:spLocks noRot="1" noChangeAspect="1" noMove="1" noResize="1" noEditPoints="1" noAdjustHandles="1" noChangeArrowheads="1" noChangeShapeType="1" noTextEdit="1"/>
-                  </p:cNvSpPr>
-                  <p:nvPr/>
-                </p:nvSpPr>
-                <p:spPr>
-                  <a:xfrm>
-                    <a:off x="4584627" y="3676979"/>
-                    <a:ext cx="240835" cy="345159"/>
-                  </a:xfrm>
-                  <a:prstGeom prst="rect">
-                    <a:avLst/>
-                  </a:prstGeom>
-                  <a:blipFill>
-                    <a:blip r:embed="rId15"/>
-                    <a:stretch>
-                      <a:fillRect l="-20000" r="-17500" b="-8772"/>
-                    </a:stretch>
-                  </a:blipFill>
-                </p:spPr>
-                <p:txBody>
-                  <a:bodyPr/>
-                  <a:lstStyle/>
-                  <a:p>
-                    <a:r>
-                      <a:rPr lang="en-US">
-                        <a:noFill/>
-                      </a:rPr>
-                      <a:t> </a:t>
-                    </a:r>
-                  </a:p>
-                </p:txBody>
-              </p:sp>
-            </mc:Fallback>
-          </mc:AlternateContent>
-          <p:cxnSp>
-            <p:nvCxnSpPr>
-              <p:cNvPr id="386" name="Straight Arrow Connector 385"/>
-              <p:cNvCxnSpPr/>
-              <p:nvPr/>
-            </p:nvCxnSpPr>
-            <p:spPr>
-              <a:xfrm flipV="1">
-                <a:off x="5119168" y="4666809"/>
-                <a:ext cx="8681" cy="485801"/>
-              </a:xfrm>
-              <a:prstGeom prst="straightConnector1">
-                <a:avLst/>
-              </a:prstGeom>
-              <a:ln w="38100">
-                <a:solidFill>
-                  <a:srgbClr val="FF0000"/>
-                </a:solidFill>
-                <a:tailEnd type="triangle"/>
-              </a:ln>
-            </p:spPr>
-            <p:style>
-              <a:lnRef idx="1">
-                <a:schemeClr val="accent1"/>
-              </a:lnRef>
-              <a:fillRef idx="0">
-                <a:schemeClr val="accent1"/>
-              </a:fillRef>
-              <a:effectRef idx="0">
-                <a:schemeClr val="accent1"/>
-              </a:effectRef>
-              <a:fontRef idx="minor">
-                <a:schemeClr val="tx1"/>
-              </a:fontRef>
-            </p:style>
-          </p:cxnSp>
-          <p:cxnSp>
-            <p:nvCxnSpPr>
-              <p:cNvPr id="389" name="Straight Arrow Connector 388"/>
-              <p:cNvCxnSpPr/>
-              <p:nvPr/>
-            </p:nvCxnSpPr>
-            <p:spPr>
-              <a:xfrm flipV="1">
-                <a:off x="5758473" y="4477746"/>
-                <a:ext cx="8681" cy="485801"/>
-              </a:xfrm>
-              <a:prstGeom prst="straightConnector1">
-                <a:avLst/>
-              </a:prstGeom>
-              <a:ln w="38100">
-                <a:solidFill>
-                  <a:srgbClr val="FF0000"/>
-                </a:solidFill>
-                <a:tailEnd type="triangle"/>
-              </a:ln>
-            </p:spPr>
-            <p:style>
-              <a:lnRef idx="1">
-                <a:schemeClr val="accent1"/>
-              </a:lnRef>
-              <a:fillRef idx="0">
-                <a:schemeClr val="accent1"/>
-              </a:fillRef>
-              <a:effectRef idx="0">
-                <a:schemeClr val="accent1"/>
-              </a:effectRef>
-              <a:fontRef idx="minor">
-                <a:schemeClr val="tx1"/>
-              </a:fontRef>
-            </p:style>
-          </p:cxnSp>
-          <p:cxnSp>
-            <p:nvCxnSpPr>
-              <p:cNvPr id="390" name="Straight Arrow Connector 389"/>
-              <p:cNvCxnSpPr/>
-              <p:nvPr/>
-            </p:nvCxnSpPr>
-            <p:spPr>
-              <a:xfrm flipV="1">
-                <a:off x="6534636" y="4245997"/>
-                <a:ext cx="8681" cy="485801"/>
-              </a:xfrm>
-              <a:prstGeom prst="straightConnector1">
-                <a:avLst/>
-              </a:prstGeom>
-              <a:ln w="38100">
-                <a:solidFill>
-                  <a:srgbClr val="FF0000"/>
-                </a:solidFill>
-                <a:tailEnd type="triangle"/>
-              </a:ln>
-            </p:spPr>
-            <p:style>
-              <a:lnRef idx="1">
-                <a:schemeClr val="accent1"/>
-              </a:lnRef>
-              <a:fillRef idx="0">
-                <a:schemeClr val="accent1"/>
-              </a:fillRef>
-              <a:effectRef idx="0">
-                <a:schemeClr val="accent1"/>
-              </a:effectRef>
-              <a:fontRef idx="minor">
-                <a:schemeClr val="tx1"/>
-              </a:fontRef>
-            </p:style>
-          </p:cxnSp>
-          <mc:AlternateContent xmlns:mc="http://schemas.openxmlformats.org/markup-compatibility/2006" xmlns:a14="http://schemas.microsoft.com/office/drawing/2010/main">
-            <mc:Choice Requires="a14">
-              <p:sp>
-                <p:nvSpPr>
-                  <p:cNvPr id="391" name="Rectangle 390"/>
-                  <p:cNvSpPr/>
-                  <p:nvPr/>
-                </p:nvSpPr>
-                <p:spPr>
-                  <a:xfrm>
-                    <a:off x="5024888" y="4351167"/>
-                    <a:ext cx="538929" cy="403765"/>
-                  </a:xfrm>
-                  <a:prstGeom prst="rect">
-                    <a:avLst/>
-                  </a:prstGeom>
-                </p:spPr>
-                <p:txBody>
-                  <a:bodyPr wrap="none">
-                    <a:spAutoFit/>
-                  </a:bodyPr>
-                  <a:lstStyle/>
-                  <a:p>
-                    <a:pPr/>
-                    <a14:m>
-                      <m:oMathPara xmlns:m="http://schemas.openxmlformats.org/officeDocument/2006/math">
-                        <m:oMathParaPr>
-                          <m:jc m:val="centerGroup"/>
-                        </m:oMathParaPr>
-                        <m:oMath xmlns:m="http://schemas.openxmlformats.org/officeDocument/2006/math">
-                          <m:r>
-                            <a:rPr lang="en-US" b="1" i="1" smtClean="0">
-                              <a:solidFill>
-                                <a:srgbClr val="FF0000"/>
-                              </a:solidFill>
-                              <a:latin typeface="Cambria Math" panose="02040503050406030204" pitchFamily="18" charset="0"/>
-                            </a:rPr>
-                            <m:t>𝒅</m:t>
-                          </m:r>
-                          <m:acc>
-                            <m:accPr>
-                              <m:chr m:val="⃗"/>
-                              <m:ctrlPr>
-                                <a:rPr lang="en-US" b="1" i="1" smtClean="0">
-                                  <a:solidFill>
-                                    <a:srgbClr val="FF0000"/>
-                                  </a:solidFill>
-                                  <a:latin typeface="Cambria Math" panose="02040503050406030204" pitchFamily="18" charset="0"/>
-                                </a:rPr>
-                              </m:ctrlPr>
-                            </m:accPr>
-                            <m:e>
-                              <m:r>
-                                <a:rPr lang="en-US" b="1" i="1">
-                                  <a:solidFill>
-                                    <a:srgbClr val="FF0000"/>
-                                  </a:solidFill>
-                                  <a:latin typeface="Cambria Math" panose="02040503050406030204" pitchFamily="18" charset="0"/>
-                                </a:rPr>
-                                <m:t>𝑨</m:t>
-                              </m:r>
-                            </m:e>
-                          </m:acc>
-                        </m:oMath>
-                      </m:oMathPara>
-                    </a14:m>
-                    <a:endParaRPr lang="en-CA" b="1" dirty="0">
-                      <a:solidFill>
-                        <a:srgbClr val="FF0000"/>
-                      </a:solidFill>
-                    </a:endParaRPr>
-                  </a:p>
-                </p:txBody>
-              </p:sp>
-            </mc:Choice>
-            <mc:Fallback xmlns="">
-              <p:sp>
-                <p:nvSpPr>
-                  <p:cNvPr id="391" name="Rectangle 390"/>
-                  <p:cNvSpPr>
-                    <a:spLocks noRot="1" noChangeAspect="1" noMove="1" noResize="1" noEditPoints="1" noAdjustHandles="1" noChangeArrowheads="1" noChangeShapeType="1" noTextEdit="1"/>
-                  </p:cNvSpPr>
-                  <p:nvPr/>
-                </p:nvSpPr>
-                <p:spPr>
-                  <a:xfrm>
-                    <a:off x="5024888" y="4351167"/>
-                    <a:ext cx="538929" cy="403765"/>
-                  </a:xfrm>
-                  <a:prstGeom prst="rect">
-                    <a:avLst/>
-                  </a:prstGeom>
-                  <a:blipFill>
-                    <a:blip r:embed="rId16"/>
-                    <a:stretch>
-                      <a:fillRect/>
-                    </a:stretch>
-                  </a:blipFill>
-                </p:spPr>
-                <p:txBody>
-                  <a:bodyPr/>
-                  <a:lstStyle/>
-                  <a:p>
-                    <a:r>
-                      <a:rPr lang="en-US">
-                        <a:noFill/>
-                      </a:rPr>
-                      <a:t> </a:t>
-                    </a:r>
-                  </a:p>
-                </p:txBody>
-              </p:sp>
-            </mc:Fallback>
-          </mc:AlternateContent>
-          <mc:AlternateContent xmlns:mc="http://schemas.openxmlformats.org/markup-compatibility/2006" xmlns:a14="http://schemas.microsoft.com/office/drawing/2010/main">
-            <mc:Choice Requires="a14">
-              <p:sp>
-                <p:nvSpPr>
-                  <p:cNvPr id="392" name="Rectangle 391"/>
-                  <p:cNvSpPr/>
-                  <p:nvPr/>
-                </p:nvSpPr>
-                <p:spPr>
-                  <a:xfrm>
-                    <a:off x="5504216" y="4099347"/>
-                    <a:ext cx="538929" cy="403765"/>
-                  </a:xfrm>
-                  <a:prstGeom prst="rect">
-                    <a:avLst/>
-                  </a:prstGeom>
-                </p:spPr>
-                <p:txBody>
-                  <a:bodyPr wrap="none">
-                    <a:spAutoFit/>
-                  </a:bodyPr>
-                  <a:lstStyle/>
-                  <a:p>
-                    <a:pPr/>
-                    <a14:m>
-                      <m:oMathPara xmlns:m="http://schemas.openxmlformats.org/officeDocument/2006/math">
-                        <m:oMathParaPr>
-                          <m:jc m:val="centerGroup"/>
-                        </m:oMathParaPr>
-                        <m:oMath xmlns:m="http://schemas.openxmlformats.org/officeDocument/2006/math">
-                          <m:r>
-                            <a:rPr lang="en-US" b="1" i="1" smtClean="0">
-                              <a:solidFill>
-                                <a:srgbClr val="FF0000"/>
-                              </a:solidFill>
-                              <a:latin typeface="Cambria Math" panose="02040503050406030204" pitchFamily="18" charset="0"/>
-                            </a:rPr>
-                            <m:t>𝒅</m:t>
-                          </m:r>
-                          <m:acc>
-                            <m:accPr>
-                              <m:chr m:val="⃗"/>
-                              <m:ctrlPr>
-                                <a:rPr lang="en-US" b="1" i="1" smtClean="0">
-                                  <a:solidFill>
-                                    <a:srgbClr val="FF0000"/>
-                                  </a:solidFill>
-                                  <a:latin typeface="Cambria Math" panose="02040503050406030204" pitchFamily="18" charset="0"/>
-                                </a:rPr>
-                              </m:ctrlPr>
-                            </m:accPr>
-                            <m:e>
-                              <m:r>
-                                <a:rPr lang="en-US" b="1" i="1">
-                                  <a:solidFill>
-                                    <a:srgbClr val="FF0000"/>
-                                  </a:solidFill>
-                                  <a:latin typeface="Cambria Math" panose="02040503050406030204" pitchFamily="18" charset="0"/>
-                                </a:rPr>
-                                <m:t>𝑨</m:t>
-                              </m:r>
-                            </m:e>
-                          </m:acc>
-                        </m:oMath>
-                      </m:oMathPara>
-                    </a14:m>
-                    <a:endParaRPr lang="en-CA" b="1" dirty="0">
-                      <a:solidFill>
-                        <a:srgbClr val="FF0000"/>
-                      </a:solidFill>
-                    </a:endParaRPr>
-                  </a:p>
-                </p:txBody>
-              </p:sp>
-            </mc:Choice>
-            <mc:Fallback xmlns="">
-              <p:sp>
-                <p:nvSpPr>
-                  <p:cNvPr id="392" name="Rectangle 391"/>
-                  <p:cNvSpPr>
-                    <a:spLocks noRot="1" noChangeAspect="1" noMove="1" noResize="1" noEditPoints="1" noAdjustHandles="1" noChangeArrowheads="1" noChangeShapeType="1" noTextEdit="1"/>
-                  </p:cNvSpPr>
-                  <p:nvPr/>
-                </p:nvSpPr>
-                <p:spPr>
-                  <a:xfrm>
-                    <a:off x="5504216" y="4099347"/>
-                    <a:ext cx="538929" cy="403765"/>
-                  </a:xfrm>
-                  <a:prstGeom prst="rect">
-                    <a:avLst/>
-                  </a:prstGeom>
-                  <a:blipFill>
-                    <a:blip r:embed="rId17"/>
-                    <a:stretch>
-                      <a:fillRect/>
-                    </a:stretch>
-                  </a:blipFill>
-                </p:spPr>
-                <p:txBody>
-                  <a:bodyPr/>
-                  <a:lstStyle/>
-                  <a:p>
-                    <a:r>
-                      <a:rPr lang="en-US">
-                        <a:noFill/>
-                      </a:rPr>
-                      <a:t> </a:t>
-                    </a:r>
-                  </a:p>
-                </p:txBody>
-              </p:sp>
-            </mc:Fallback>
-          </mc:AlternateContent>
-          <mc:AlternateContent xmlns:mc="http://schemas.openxmlformats.org/markup-compatibility/2006" xmlns:a14="http://schemas.microsoft.com/office/drawing/2010/main">
-            <mc:Choice Requires="a14">
-              <p:sp>
-                <p:nvSpPr>
-                  <p:cNvPr id="393" name="Rectangle 392"/>
-                  <p:cNvSpPr/>
-                  <p:nvPr/>
-                </p:nvSpPr>
-                <p:spPr>
-                  <a:xfrm>
-                    <a:off x="6118458" y="3941635"/>
-                    <a:ext cx="538929" cy="403765"/>
-                  </a:xfrm>
-                  <a:prstGeom prst="rect">
-                    <a:avLst/>
-                  </a:prstGeom>
-                </p:spPr>
-                <p:txBody>
-                  <a:bodyPr wrap="none">
-                    <a:spAutoFit/>
-                  </a:bodyPr>
-                  <a:lstStyle/>
-                  <a:p>
-                    <a:pPr/>
-                    <a14:m>
-                      <m:oMathPara xmlns:m="http://schemas.openxmlformats.org/officeDocument/2006/math">
-                        <m:oMathParaPr>
-                          <m:jc m:val="centerGroup"/>
-                        </m:oMathParaPr>
-                        <m:oMath xmlns:m="http://schemas.openxmlformats.org/officeDocument/2006/math">
-                          <m:r>
-                            <a:rPr lang="en-US" b="1" i="1" smtClean="0">
-                              <a:solidFill>
-                                <a:srgbClr val="FF0000"/>
-                              </a:solidFill>
-                              <a:latin typeface="Cambria Math" panose="02040503050406030204" pitchFamily="18" charset="0"/>
-                            </a:rPr>
-                            <m:t>𝒅</m:t>
-                          </m:r>
-                          <m:acc>
-                            <m:accPr>
-                              <m:chr m:val="⃗"/>
-                              <m:ctrlPr>
-                                <a:rPr lang="en-US" b="1" i="1" smtClean="0">
-                                  <a:solidFill>
-                                    <a:srgbClr val="FF0000"/>
-                                  </a:solidFill>
-                                  <a:latin typeface="Cambria Math" panose="02040503050406030204" pitchFamily="18" charset="0"/>
-                                </a:rPr>
-                              </m:ctrlPr>
-                            </m:accPr>
-                            <m:e>
-                              <m:r>
-                                <a:rPr lang="en-US" b="1" i="1">
-                                  <a:solidFill>
-                                    <a:srgbClr val="FF0000"/>
-                                  </a:solidFill>
-                                  <a:latin typeface="Cambria Math" panose="02040503050406030204" pitchFamily="18" charset="0"/>
-                                </a:rPr>
-                                <m:t>𝑨</m:t>
-                              </m:r>
-                            </m:e>
-                          </m:acc>
-                        </m:oMath>
-                      </m:oMathPara>
-                    </a14:m>
-                    <a:endParaRPr lang="en-CA" b="1" dirty="0">
-                      <a:solidFill>
-                        <a:srgbClr val="FF0000"/>
-                      </a:solidFill>
-                    </a:endParaRPr>
-                  </a:p>
-                </p:txBody>
-              </p:sp>
-            </mc:Choice>
-            <mc:Fallback xmlns="">
-              <p:sp>
-                <p:nvSpPr>
-                  <p:cNvPr id="393" name="Rectangle 392"/>
-                  <p:cNvSpPr>
-                    <a:spLocks noRot="1" noChangeAspect="1" noMove="1" noResize="1" noEditPoints="1" noAdjustHandles="1" noChangeArrowheads="1" noChangeShapeType="1" noTextEdit="1"/>
-                  </p:cNvSpPr>
-                  <p:nvPr/>
-                </p:nvSpPr>
-                <p:spPr>
-                  <a:xfrm>
-                    <a:off x="6118458" y="3941635"/>
-                    <a:ext cx="538929" cy="403765"/>
-                  </a:xfrm>
-                  <a:prstGeom prst="rect">
-                    <a:avLst/>
-                  </a:prstGeom>
-                  <a:blipFill>
-                    <a:blip r:embed="rId18"/>
-                    <a:stretch>
-                      <a:fillRect/>
-                    </a:stretch>
-                  </a:blipFill>
-                </p:spPr>
-                <p:txBody>
-                  <a:bodyPr/>
-                  <a:lstStyle/>
-                  <a:p>
-                    <a:r>
-                      <a:rPr lang="en-US">
-                        <a:noFill/>
-                      </a:rPr>
-                      <a:t> </a:t>
-                    </a:r>
-                  </a:p>
-                </p:txBody>
-              </p:sp>
-            </mc:Fallback>
-          </mc:AlternateContent>
-        </p:grpSp>
-        <p:grpSp>
-          <p:nvGrpSpPr>
-            <p:cNvPr id="472" name="Group 471"/>
-            <p:cNvGrpSpPr/>
-            <p:nvPr/>
-          </p:nvGrpSpPr>
-          <p:grpSpPr>
-            <a:xfrm>
-              <a:off x="6670561" y="3565635"/>
-              <a:ext cx="3101437" cy="1561761"/>
-              <a:chOff x="6311297" y="4369730"/>
-              <a:chExt cx="3101437" cy="1561761"/>
-            </a:xfrm>
-          </p:grpSpPr>
-          <p:cxnSp>
-            <p:nvCxnSpPr>
-              <p:cNvPr id="469" name="Straight Connector 468"/>
-              <p:cNvCxnSpPr/>
-              <p:nvPr/>
-            </p:nvCxnSpPr>
-            <p:spPr>
-              <a:xfrm flipH="1">
-                <a:off x="7898757" y="5488149"/>
-                <a:ext cx="650572" cy="439636"/>
-              </a:xfrm>
-              <a:prstGeom prst="line">
-                <a:avLst/>
-              </a:prstGeom>
-              <a:ln w="19050">
-                <a:solidFill>
-                  <a:schemeClr val="tx1"/>
-                </a:solidFill>
-              </a:ln>
-            </p:spPr>
-            <p:style>
-              <a:lnRef idx="1">
-                <a:schemeClr val="accent1"/>
-              </a:lnRef>
-              <a:fillRef idx="0">
-                <a:schemeClr val="accent1"/>
-              </a:fillRef>
-              <a:effectRef idx="0">
-                <a:schemeClr val="accent1"/>
-              </a:effectRef>
-              <a:fontRef idx="minor">
-                <a:schemeClr val="tx1"/>
-              </a:fontRef>
-            </p:style>
-          </p:cxnSp>
-          <p:cxnSp>
-            <p:nvCxnSpPr>
-              <p:cNvPr id="466" name="Straight Connector 465"/>
-              <p:cNvCxnSpPr/>
-              <p:nvPr/>
-            </p:nvCxnSpPr>
-            <p:spPr>
-              <a:xfrm>
-                <a:off x="7233190" y="5486070"/>
-                <a:ext cx="669761" cy="445421"/>
-              </a:xfrm>
-              <a:prstGeom prst="line">
-                <a:avLst/>
-              </a:prstGeom>
-              <a:ln w="19050">
-                <a:solidFill>
-                  <a:schemeClr val="tx1"/>
-                </a:solidFill>
-              </a:ln>
-            </p:spPr>
-            <p:style>
-              <a:lnRef idx="1">
-                <a:schemeClr val="accent1"/>
-              </a:lnRef>
-              <a:fillRef idx="0">
-                <a:schemeClr val="accent1"/>
-              </a:fillRef>
-              <a:effectRef idx="0">
-                <a:schemeClr val="accent1"/>
-              </a:effectRef>
-              <a:fontRef idx="minor">
-                <a:schemeClr val="tx1"/>
-              </a:fontRef>
-            </p:style>
-          </p:cxnSp>
-          <p:cxnSp>
-            <p:nvCxnSpPr>
-              <p:cNvPr id="462" name="Straight Connector 461"/>
-              <p:cNvCxnSpPr/>
-              <p:nvPr/>
-            </p:nvCxnSpPr>
-            <p:spPr>
-              <a:xfrm>
-                <a:off x="7693866" y="5416549"/>
-                <a:ext cx="213231" cy="508222"/>
-              </a:xfrm>
-              <a:prstGeom prst="line">
-                <a:avLst/>
-              </a:prstGeom>
-              <a:ln w="19050">
-                <a:solidFill>
-                  <a:schemeClr val="tx1"/>
-                </a:solidFill>
-              </a:ln>
-            </p:spPr>
-            <p:style>
-              <a:lnRef idx="1">
-                <a:schemeClr val="accent1"/>
-              </a:lnRef>
-              <a:fillRef idx="0">
-                <a:schemeClr val="accent1"/>
-              </a:fillRef>
-              <a:effectRef idx="0">
-                <a:schemeClr val="accent1"/>
-              </a:effectRef>
-              <a:fontRef idx="minor">
-                <a:schemeClr val="tx1"/>
-              </a:fontRef>
-            </p:style>
-          </p:cxnSp>
-          <p:cxnSp>
-            <p:nvCxnSpPr>
-              <p:cNvPr id="460" name="Straight Connector 459"/>
-              <p:cNvCxnSpPr/>
-              <p:nvPr/>
-            </p:nvCxnSpPr>
-            <p:spPr>
-              <a:xfrm flipH="1">
-                <a:off x="7894549" y="5377139"/>
-                <a:ext cx="240397" cy="547632"/>
-              </a:xfrm>
-              <a:prstGeom prst="line">
-                <a:avLst/>
-              </a:prstGeom>
-              <a:ln w="19050">
-                <a:solidFill>
-                  <a:schemeClr val="tx1"/>
-                </a:solidFill>
-              </a:ln>
-            </p:spPr>
-            <p:style>
-              <a:lnRef idx="1">
-                <a:schemeClr val="accent1"/>
-              </a:lnRef>
-              <a:fillRef idx="0">
-                <a:schemeClr val="accent1"/>
-              </a:fillRef>
-              <a:effectRef idx="0">
-                <a:schemeClr val="accent1"/>
-              </a:effectRef>
-              <a:fontRef idx="minor">
-                <a:schemeClr val="tx1"/>
-              </a:fontRef>
-            </p:style>
-          </p:cxnSp>
-          <p:cxnSp>
-            <p:nvCxnSpPr>
-              <p:cNvPr id="452" name="Straight Connector 451"/>
-              <p:cNvCxnSpPr/>
-              <p:nvPr/>
-            </p:nvCxnSpPr>
-            <p:spPr>
-              <a:xfrm>
-                <a:off x="7465892" y="5475182"/>
-                <a:ext cx="441205" cy="452603"/>
-              </a:xfrm>
-              <a:prstGeom prst="line">
-                <a:avLst/>
-              </a:prstGeom>
-              <a:ln w="28575">
-                <a:solidFill>
-                  <a:schemeClr val="tx1"/>
-                </a:solidFill>
-              </a:ln>
-            </p:spPr>
-            <p:style>
-              <a:lnRef idx="1">
-                <a:schemeClr val="accent1"/>
-              </a:lnRef>
-              <a:fillRef idx="0">
-                <a:schemeClr val="accent1"/>
-              </a:fillRef>
-              <a:effectRef idx="0">
-                <a:schemeClr val="accent1"/>
-              </a:effectRef>
-              <a:fontRef idx="minor">
-                <a:schemeClr val="tx1"/>
-              </a:fontRef>
-            </p:style>
-          </p:cxnSp>
-          <p:cxnSp>
-            <p:nvCxnSpPr>
-              <p:cNvPr id="435" name="Straight Connector 434"/>
-              <p:cNvCxnSpPr/>
-              <p:nvPr/>
-            </p:nvCxnSpPr>
-            <p:spPr>
-              <a:xfrm flipV="1">
-                <a:off x="7902952" y="5334187"/>
-                <a:ext cx="3298" cy="593600"/>
-              </a:xfrm>
-              <a:prstGeom prst="line">
-                <a:avLst/>
-              </a:prstGeom>
-              <a:ln w="28575">
-                <a:solidFill>
-                  <a:schemeClr val="tx1"/>
-                </a:solidFill>
-              </a:ln>
-            </p:spPr>
-            <p:style>
-              <a:lnRef idx="1">
-                <a:schemeClr val="accent1"/>
-              </a:lnRef>
-              <a:fillRef idx="0">
-                <a:schemeClr val="accent1"/>
-              </a:fillRef>
-              <a:effectRef idx="0">
-                <a:schemeClr val="accent1"/>
-              </a:effectRef>
-              <a:fontRef idx="minor">
-                <a:schemeClr val="tx1"/>
-              </a:fontRef>
-            </p:style>
-          </p:cxnSp>
-          <p:cxnSp>
-            <p:nvCxnSpPr>
-              <p:cNvPr id="444" name="Straight Connector 443"/>
-              <p:cNvCxnSpPr/>
-              <p:nvPr/>
-            </p:nvCxnSpPr>
-            <p:spPr>
-              <a:xfrm flipH="1">
-                <a:off x="7903850" y="5676862"/>
-                <a:ext cx="574753" cy="250923"/>
-              </a:xfrm>
-              <a:prstGeom prst="line">
-                <a:avLst/>
-              </a:prstGeom>
-              <a:ln w="28575">
-                <a:solidFill>
-                  <a:schemeClr val="tx1"/>
-                </a:solidFill>
-              </a:ln>
-            </p:spPr>
-            <p:style>
-              <a:lnRef idx="1">
-                <a:schemeClr val="accent1"/>
-              </a:lnRef>
-              <a:fillRef idx="0">
-                <a:schemeClr val="accent1"/>
-              </a:fillRef>
-              <a:effectRef idx="0">
-                <a:schemeClr val="accent1"/>
-              </a:effectRef>
-              <a:fontRef idx="minor">
-                <a:schemeClr val="tx1"/>
-              </a:fontRef>
-            </p:style>
-          </p:cxnSp>
-          <p:cxnSp>
-            <p:nvCxnSpPr>
-              <p:cNvPr id="439" name="Straight Connector 438"/>
-              <p:cNvCxnSpPr/>
-              <p:nvPr/>
-            </p:nvCxnSpPr>
-            <p:spPr>
-              <a:xfrm flipH="1">
-                <a:off x="7900604" y="5569852"/>
-                <a:ext cx="352504" cy="360972"/>
-              </a:xfrm>
-              <a:prstGeom prst="line">
-                <a:avLst/>
-              </a:prstGeom>
-              <a:ln w="28575">
-                <a:solidFill>
-                  <a:schemeClr val="tx1"/>
-                </a:solidFill>
-              </a:ln>
-            </p:spPr>
-            <p:style>
-              <a:lnRef idx="1">
-                <a:schemeClr val="accent1"/>
-              </a:lnRef>
-              <a:fillRef idx="0">
-                <a:schemeClr val="accent1"/>
-              </a:fillRef>
-              <a:effectRef idx="0">
-                <a:schemeClr val="accent1"/>
-              </a:effectRef>
-              <a:fontRef idx="minor">
-                <a:schemeClr val="tx1"/>
-              </a:fontRef>
-            </p:style>
-          </p:cxnSp>
-          <p:cxnSp>
-            <p:nvCxnSpPr>
-              <p:cNvPr id="433" name="Straight Connector 432"/>
-              <p:cNvCxnSpPr/>
-              <p:nvPr/>
-            </p:nvCxnSpPr>
-            <p:spPr>
-              <a:xfrm flipH="1" flipV="1">
-                <a:off x="6819441" y="5556032"/>
-                <a:ext cx="1087656" cy="374792"/>
-              </a:xfrm>
-              <a:prstGeom prst="line">
-                <a:avLst/>
-              </a:prstGeom>
-              <a:ln w="28575">
-                <a:solidFill>
-                  <a:schemeClr val="tx1"/>
-                </a:solidFill>
-              </a:ln>
-            </p:spPr>
-            <p:style>
-              <a:lnRef idx="1">
-                <a:schemeClr val="accent1"/>
-              </a:lnRef>
-              <a:fillRef idx="0">
-                <a:schemeClr val="accent1"/>
-              </a:fillRef>
-              <a:effectRef idx="0">
-                <a:schemeClr val="accent1"/>
-              </a:effectRef>
-              <a:fontRef idx="minor">
-                <a:schemeClr val="tx1"/>
-              </a:fontRef>
-            </p:style>
-          </p:cxnSp>
           <p:grpSp>
             <p:nvGrpSpPr>
-              <p:cNvPr id="431" name="Group 430"/>
+              <p:cNvPr id="394" name="Group 393"/>
               <p:cNvGrpSpPr/>
               <p:nvPr/>
             </p:nvGrpSpPr>
             <p:grpSpPr>
               <a:xfrm>
-                <a:off x="6311297" y="4369730"/>
-                <a:ext cx="3101437" cy="1377297"/>
-                <a:chOff x="7202176" y="3527071"/>
-                <a:chExt cx="3101437" cy="1377297"/>
+                <a:off x="3297259" y="3458805"/>
+                <a:ext cx="3118996" cy="2419360"/>
+                <a:chOff x="4504549" y="3501996"/>
+                <a:chExt cx="3118996" cy="2419360"/>
               </a:xfrm>
             </p:grpSpPr>
+            <p:cxnSp>
+              <p:nvCxnSpPr>
+                <p:cNvPr id="369" name="Straight Arrow Connector 368"/>
+                <p:cNvCxnSpPr/>
+                <p:nvPr/>
+              </p:nvCxnSpPr>
+              <p:spPr>
+                <a:xfrm flipV="1">
+                  <a:off x="5001086" y="4870083"/>
+                  <a:ext cx="5357" cy="951744"/>
+                </a:xfrm>
+                <a:prstGeom prst="straightConnector1">
+                  <a:avLst/>
+                </a:prstGeom>
+                <a:ln w="28575">
+                  <a:solidFill>
+                    <a:schemeClr val="tx1"/>
+                  </a:solidFill>
+                  <a:headEnd type="none" w="med" len="med"/>
+                  <a:tailEnd type="none" w="med" len="med"/>
+                </a:ln>
+              </p:spPr>
+              <p:style>
+                <a:lnRef idx="1">
+                  <a:schemeClr val="accent1"/>
+                </a:lnRef>
+                <a:fillRef idx="0">
+                  <a:schemeClr val="accent1"/>
+                </a:fillRef>
+                <a:effectRef idx="0">
+                  <a:schemeClr val="accent1"/>
+                </a:effectRef>
+                <a:fontRef idx="minor">
+                  <a:schemeClr val="tx1"/>
+                </a:fontRef>
+              </p:style>
+            </p:cxnSp>
+            <p:cxnSp>
+              <p:nvCxnSpPr>
+                <p:cNvPr id="371" name="Straight Arrow Connector 370"/>
+                <p:cNvCxnSpPr>
+                  <a:endCxn id="348" idx="0"/>
+                </p:cNvCxnSpPr>
+                <p:nvPr/>
+              </p:nvCxnSpPr>
+              <p:spPr>
+                <a:xfrm flipV="1">
+                  <a:off x="4919481" y="5075448"/>
+                  <a:ext cx="13088" cy="767904"/>
+                </a:xfrm>
+                <a:prstGeom prst="straightConnector1">
+                  <a:avLst/>
+                </a:prstGeom>
+                <a:ln w="28575">
+                  <a:solidFill>
+                    <a:schemeClr val="tx1"/>
+                  </a:solidFill>
+                  <a:headEnd type="none" w="med" len="med"/>
+                  <a:tailEnd type="none" w="med" len="med"/>
+                </a:ln>
+              </p:spPr>
+              <p:style>
+                <a:lnRef idx="1">
+                  <a:schemeClr val="accent1"/>
+                </a:lnRef>
+                <a:fillRef idx="0">
+                  <a:schemeClr val="accent1"/>
+                </a:fillRef>
+                <a:effectRef idx="0">
+                  <a:schemeClr val="accent1"/>
+                </a:effectRef>
+                <a:fontRef idx="minor">
+                  <a:schemeClr val="tx1"/>
+                </a:fontRef>
+              </p:style>
+            </p:cxnSp>
+            <p:cxnSp>
+              <p:nvCxnSpPr>
+                <p:cNvPr id="373" name="Straight Arrow Connector 372"/>
+                <p:cNvCxnSpPr/>
+                <p:nvPr/>
+              </p:nvCxnSpPr>
+              <p:spPr>
+                <a:xfrm flipV="1">
+                  <a:off x="4838641" y="5224528"/>
+                  <a:ext cx="0" cy="696828"/>
+                </a:xfrm>
+                <a:prstGeom prst="straightConnector1">
+                  <a:avLst/>
+                </a:prstGeom>
+                <a:ln w="28575">
+                  <a:solidFill>
+                    <a:schemeClr val="tx1"/>
+                  </a:solidFill>
+                  <a:headEnd type="none" w="med" len="med"/>
+                  <a:tailEnd type="none" w="med" len="med"/>
+                </a:ln>
+              </p:spPr>
+              <p:style>
+                <a:lnRef idx="1">
+                  <a:schemeClr val="accent1"/>
+                </a:lnRef>
+                <a:fillRef idx="0">
+                  <a:schemeClr val="accent1"/>
+                </a:fillRef>
+                <a:effectRef idx="0">
+                  <a:schemeClr val="accent1"/>
+                </a:effectRef>
+                <a:fontRef idx="minor">
+                  <a:schemeClr val="tx1"/>
+                </a:fontRef>
+              </p:style>
+            </p:cxnSp>
+            <p:cxnSp>
+              <p:nvCxnSpPr>
+                <p:cNvPr id="364" name="Straight Arrow Connector 363"/>
+                <p:cNvCxnSpPr/>
+                <p:nvPr/>
+              </p:nvCxnSpPr>
+              <p:spPr>
+                <a:xfrm flipV="1">
+                  <a:off x="5607249" y="4764386"/>
+                  <a:ext cx="12339" cy="1057441"/>
+                </a:xfrm>
+                <a:prstGeom prst="straightConnector1">
+                  <a:avLst/>
+                </a:prstGeom>
+                <a:ln w="28575">
+                  <a:solidFill>
+                    <a:schemeClr val="tx1"/>
+                  </a:solidFill>
+                  <a:headEnd type="none" w="med" len="med"/>
+                  <a:tailEnd type="none" w="med" len="med"/>
+                </a:ln>
+              </p:spPr>
+              <p:style>
+                <a:lnRef idx="1">
+                  <a:schemeClr val="accent1"/>
+                </a:lnRef>
+                <a:fillRef idx="0">
+                  <a:schemeClr val="accent1"/>
+                </a:fillRef>
+                <a:effectRef idx="0">
+                  <a:schemeClr val="accent1"/>
+                </a:effectRef>
+                <a:fontRef idx="minor">
+                  <a:schemeClr val="tx1"/>
+                </a:fontRef>
+              </p:style>
+            </p:cxnSp>
+            <p:cxnSp>
+              <p:nvCxnSpPr>
+                <p:cNvPr id="357" name="Straight Arrow Connector 356"/>
+                <p:cNvCxnSpPr/>
+                <p:nvPr/>
+              </p:nvCxnSpPr>
+              <p:spPr>
+                <a:xfrm flipV="1">
+                  <a:off x="5951171" y="4681460"/>
+                  <a:ext cx="1140" cy="983912"/>
+                </a:xfrm>
+                <a:prstGeom prst="straightConnector1">
+                  <a:avLst/>
+                </a:prstGeom>
+                <a:ln w="28575">
+                  <a:solidFill>
+                    <a:schemeClr val="tx1"/>
+                  </a:solidFill>
+                  <a:headEnd type="none" w="med" len="med"/>
+                  <a:tailEnd type="none" w="med" len="med"/>
+                </a:ln>
+              </p:spPr>
+              <p:style>
+                <a:lnRef idx="1">
+                  <a:schemeClr val="accent1"/>
+                </a:lnRef>
+                <a:fillRef idx="0">
+                  <a:schemeClr val="accent1"/>
+                </a:fillRef>
+                <a:effectRef idx="0">
+                  <a:schemeClr val="accent1"/>
+                </a:effectRef>
+                <a:fontRef idx="minor">
+                  <a:schemeClr val="tx1"/>
+                </a:fontRef>
+              </p:style>
+            </p:cxnSp>
+            <p:cxnSp>
+              <p:nvCxnSpPr>
+                <p:cNvPr id="353" name="Straight Arrow Connector 352"/>
+                <p:cNvCxnSpPr/>
+                <p:nvPr/>
+              </p:nvCxnSpPr>
+              <p:spPr>
+                <a:xfrm flipV="1">
+                  <a:off x="6609558" y="4438560"/>
+                  <a:ext cx="0" cy="1098708"/>
+                </a:xfrm>
+                <a:prstGeom prst="straightConnector1">
+                  <a:avLst/>
+                </a:prstGeom>
+                <a:ln w="28575">
+                  <a:solidFill>
+                    <a:schemeClr val="tx1"/>
+                  </a:solidFill>
+                  <a:headEnd type="none" w="med" len="med"/>
+                  <a:tailEnd type="none" w="med" len="med"/>
+                </a:ln>
+              </p:spPr>
+              <p:style>
+                <a:lnRef idx="1">
+                  <a:schemeClr val="accent1"/>
+                </a:lnRef>
+                <a:fillRef idx="0">
+                  <a:schemeClr val="accent1"/>
+                </a:fillRef>
+                <a:effectRef idx="0">
+                  <a:schemeClr val="accent1"/>
+                </a:effectRef>
+                <a:fontRef idx="minor">
+                  <a:schemeClr val="tx1"/>
+                </a:fontRef>
+              </p:style>
+            </p:cxnSp>
             <p:sp>
               <p:nvSpPr>
-                <p:cNvPr id="411" name="Parallelogram 410"/>
+                <p:cNvPr id="346" name="Parallelogram 345"/>
                 <p:cNvSpPr/>
                 <p:nvPr/>
               </p:nvSpPr>
               <p:spPr>
                 <a:xfrm>
-                  <a:off x="7646130" y="4645006"/>
-                  <a:ext cx="2331318" cy="259362"/>
+                  <a:off x="4504549" y="4606673"/>
+                  <a:ext cx="3118996" cy="696721"/>
                 </a:xfrm>
                 <a:prstGeom prst="parallelogram">
                   <a:avLst>
@@ -13193,16 +11900,343 @@
                 </a:p>
               </p:txBody>
             </p:sp>
+            <p:sp>
+              <p:nvSpPr>
+                <p:cNvPr id="347" name="Parallelogram 346"/>
+                <p:cNvSpPr/>
+                <p:nvPr/>
+              </p:nvSpPr>
+              <p:spPr>
+                <a:xfrm>
+                  <a:off x="5352395" y="4847501"/>
+                  <a:ext cx="812156" cy="227947"/>
+                </a:xfrm>
+                <a:prstGeom prst="parallelogram">
+                  <a:avLst>
+                    <a:gd name="adj" fmla="val 150714"/>
+                  </a:avLst>
+                </a:prstGeom>
+                <a:solidFill>
+                  <a:srgbClr val="C42A2A">
+                    <a:alpha val="32157"/>
+                  </a:srgbClr>
+                </a:solidFill>
+                <a:ln w="38100">
+                  <a:solidFill>
+                    <a:srgbClr val="FF0000"/>
+                  </a:solidFill>
+                </a:ln>
+              </p:spPr>
+              <p:txBody>
+                <a:bodyPr rot="0" spcFirstLastPara="0" vertOverflow="overflow" horzOverflow="overflow" vert="horz" wrap="square" lIns="91440" tIns="45720" rIns="91440" bIns="45720" numCol="1" spcCol="0" rtlCol="0" fromWordArt="0" anchor="ctr" anchorCtr="0" forceAA="0" compatLnSpc="1">
+                  <a:prstTxWarp prst="textNoShape">
+                    <a:avLst/>
+                  </a:prstTxWarp>
+                  <a:spAutoFit/>
+                </a:bodyPr>
+                <a:lstStyle/>
+                <a:p>
+                  <a:pPr marL="234950" indent="-234950" algn="ctr" fontAlgn="t">
+                    <a:buFont typeface="Arial" panose="020B0604020202020204" pitchFamily="34" charset="0"/>
+                    <a:buChar char="•"/>
+                  </a:pPr>
+                  <a:endParaRPr lang="en-CA">
+                    <a:solidFill>
+                      <a:srgbClr val="353535"/>
+                    </a:solidFill>
+                    <a:latin typeface="arial" panose="020B0604020202020204" pitchFamily="34" charset="0"/>
+                  </a:endParaRPr>
+                </a:p>
+              </p:txBody>
+            </p:sp>
+            <p:sp>
+              <p:nvSpPr>
+                <p:cNvPr id="348" name="Parallelogram 347"/>
+                <p:cNvSpPr/>
+                <p:nvPr/>
+              </p:nvSpPr>
+              <p:spPr>
+                <a:xfrm>
+                  <a:off x="4526491" y="5075448"/>
+                  <a:ext cx="812156" cy="227947"/>
+                </a:xfrm>
+                <a:prstGeom prst="parallelogram">
+                  <a:avLst>
+                    <a:gd name="adj" fmla="val 150714"/>
+                  </a:avLst>
+                </a:prstGeom>
+                <a:solidFill>
+                  <a:srgbClr val="C42A2A">
+                    <a:alpha val="32157"/>
+                  </a:srgbClr>
+                </a:solidFill>
+                <a:ln w="38100">
+                  <a:solidFill>
+                    <a:srgbClr val="FF0000"/>
+                  </a:solidFill>
+                </a:ln>
+              </p:spPr>
+              <p:txBody>
+                <a:bodyPr rot="0" spcFirstLastPara="0" vertOverflow="overflow" horzOverflow="overflow" vert="horz" wrap="square" lIns="91440" tIns="45720" rIns="91440" bIns="45720" numCol="1" spcCol="0" rtlCol="0" fromWordArt="0" anchor="ctr" anchorCtr="0" forceAA="0" compatLnSpc="1">
+                  <a:prstTxWarp prst="textNoShape">
+                    <a:avLst/>
+                  </a:prstTxWarp>
+                  <a:spAutoFit/>
+                </a:bodyPr>
+                <a:lstStyle/>
+                <a:p>
+                  <a:pPr marL="234950" indent="-234950" algn="ctr" fontAlgn="t">
+                    <a:buFont typeface="Arial" panose="020B0604020202020204" pitchFamily="34" charset="0"/>
+                    <a:buChar char="•"/>
+                  </a:pPr>
+                  <a:endParaRPr lang="en-CA">
+                    <a:solidFill>
+                      <a:srgbClr val="353535"/>
+                    </a:solidFill>
+                    <a:latin typeface="arial" panose="020B0604020202020204" pitchFamily="34" charset="0"/>
+                  </a:endParaRPr>
+                </a:p>
+              </p:txBody>
+            </p:sp>
+            <p:sp>
+              <p:nvSpPr>
+                <p:cNvPr id="349" name="Parallelogram 348"/>
+                <p:cNvSpPr/>
+                <p:nvPr/>
+              </p:nvSpPr>
+              <p:spPr>
+                <a:xfrm>
+                  <a:off x="6181920" y="4606674"/>
+                  <a:ext cx="812156" cy="227947"/>
+                </a:xfrm>
+                <a:prstGeom prst="parallelogram">
+                  <a:avLst>
+                    <a:gd name="adj" fmla="val 150714"/>
+                  </a:avLst>
+                </a:prstGeom>
+                <a:solidFill>
+                  <a:srgbClr val="C42A2A">
+                    <a:alpha val="32157"/>
+                  </a:srgbClr>
+                </a:solidFill>
+                <a:ln w="38100">
+                  <a:solidFill>
+                    <a:srgbClr val="FF0000"/>
+                  </a:solidFill>
+                </a:ln>
+              </p:spPr>
+              <p:txBody>
+                <a:bodyPr rot="0" spcFirstLastPara="0" vertOverflow="overflow" horzOverflow="overflow" vert="horz" wrap="square" lIns="91440" tIns="45720" rIns="91440" bIns="45720" numCol="1" spcCol="0" rtlCol="0" fromWordArt="0" anchor="ctr" anchorCtr="0" forceAA="0" compatLnSpc="1">
+                  <a:prstTxWarp prst="textNoShape">
+                    <a:avLst/>
+                  </a:prstTxWarp>
+                  <a:spAutoFit/>
+                </a:bodyPr>
+                <a:lstStyle/>
+                <a:p>
+                  <a:pPr marL="234950" indent="-234950" algn="ctr" fontAlgn="t">
+                    <a:buFont typeface="Arial" panose="020B0604020202020204" pitchFamily="34" charset="0"/>
+                    <a:buChar char="•"/>
+                  </a:pPr>
+                  <a:endParaRPr lang="en-CA">
+                    <a:solidFill>
+                      <a:srgbClr val="353535"/>
+                    </a:solidFill>
+                    <a:latin typeface="arial" panose="020B0604020202020204" pitchFamily="34" charset="0"/>
+                  </a:endParaRPr>
+                </a:p>
+              </p:txBody>
+            </p:sp>
             <p:cxnSp>
               <p:nvCxnSpPr>
-                <p:cNvPr id="412" name="Straight Arrow Connector 411"/>
+                <p:cNvPr id="350" name="Straight Arrow Connector 349"/>
+                <p:cNvCxnSpPr/>
+                <p:nvPr/>
+              </p:nvCxnSpPr>
+              <p:spPr>
+                <a:xfrm flipV="1">
+                  <a:off x="5619588" y="3765538"/>
+                  <a:ext cx="11212" cy="1248338"/>
+                </a:xfrm>
+                <a:prstGeom prst="straightConnector1">
+                  <a:avLst/>
+                </a:prstGeom>
+                <a:ln w="28575">
+                  <a:solidFill>
+                    <a:schemeClr val="tx1"/>
+                  </a:solidFill>
+                  <a:tailEnd type="triangle"/>
+                </a:ln>
+              </p:spPr>
+              <p:style>
+                <a:lnRef idx="1">
+                  <a:schemeClr val="accent1"/>
+                </a:lnRef>
+                <a:fillRef idx="0">
+                  <a:schemeClr val="accent1"/>
+                </a:fillRef>
+                <a:effectRef idx="0">
+                  <a:schemeClr val="accent1"/>
+                </a:effectRef>
+                <a:fontRef idx="minor">
+                  <a:schemeClr val="tx1"/>
+                </a:fontRef>
+              </p:style>
+            </p:cxnSp>
+            <p:cxnSp>
+              <p:nvCxnSpPr>
+                <p:cNvPr id="352" name="Straight Arrow Connector 351"/>
                 <p:cNvCxnSpPr/>
                 <p:nvPr/>
               </p:nvCxnSpPr>
               <p:spPr>
                 <a:xfrm flipH="1" flipV="1">
-                  <a:off x="8792334" y="3654481"/>
-                  <a:ext cx="2993" cy="1126785"/>
+                  <a:off x="6604242" y="3501996"/>
+                  <a:ext cx="4339" cy="1228417"/>
+                </a:xfrm>
+                <a:prstGeom prst="straightConnector1">
+                  <a:avLst/>
+                </a:prstGeom>
+                <a:ln w="28575">
+                  <a:solidFill>
+                    <a:schemeClr val="tx1"/>
+                  </a:solidFill>
+                  <a:tailEnd type="triangle"/>
+                </a:ln>
+              </p:spPr>
+              <p:style>
+                <a:lnRef idx="1">
+                  <a:schemeClr val="accent1"/>
+                </a:lnRef>
+                <a:fillRef idx="0">
+                  <a:schemeClr val="accent1"/>
+                </a:fillRef>
+                <a:effectRef idx="0">
+                  <a:schemeClr val="accent1"/>
+                </a:effectRef>
+                <a:fontRef idx="minor">
+                  <a:schemeClr val="tx1"/>
+                </a:fontRef>
+              </p:style>
+            </p:cxnSp>
+            <p:cxnSp>
+              <p:nvCxnSpPr>
+                <p:cNvPr id="343" name="Straight Arrow Connector 342"/>
+                <p:cNvCxnSpPr/>
+                <p:nvPr/>
+              </p:nvCxnSpPr>
+              <p:spPr>
+                <a:xfrm flipV="1">
+                  <a:off x="4838641" y="3941635"/>
+                  <a:ext cx="13651" cy="1282892"/>
+                </a:xfrm>
+                <a:prstGeom prst="straightConnector1">
+                  <a:avLst/>
+                </a:prstGeom>
+                <a:ln w="28575">
+                  <a:solidFill>
+                    <a:schemeClr val="tx1"/>
+                  </a:solidFill>
+                  <a:tailEnd type="triangle"/>
+                </a:ln>
+              </p:spPr>
+              <p:style>
+                <a:lnRef idx="1">
+                  <a:schemeClr val="accent1"/>
+                </a:lnRef>
+                <a:fillRef idx="0">
+                  <a:schemeClr val="accent1"/>
+                </a:fillRef>
+                <a:effectRef idx="0">
+                  <a:schemeClr val="accent1"/>
+                </a:effectRef>
+                <a:fontRef idx="minor">
+                  <a:schemeClr val="tx1"/>
+                </a:fontRef>
+              </p:style>
+            </p:cxnSp>
+            <p:cxnSp>
+              <p:nvCxnSpPr>
+                <p:cNvPr id="344" name="Straight Arrow Connector 343"/>
+                <p:cNvCxnSpPr/>
+                <p:nvPr/>
+              </p:nvCxnSpPr>
+              <p:spPr>
+                <a:xfrm flipV="1">
+                  <a:off x="4928493" y="3827911"/>
+                  <a:ext cx="17667" cy="1350403"/>
+                </a:xfrm>
+                <a:prstGeom prst="straightConnector1">
+                  <a:avLst/>
+                </a:prstGeom>
+                <a:ln w="28575">
+                  <a:solidFill>
+                    <a:schemeClr val="tx1"/>
+                  </a:solidFill>
+                  <a:tailEnd type="triangle"/>
+                </a:ln>
+              </p:spPr>
+              <p:style>
+                <a:lnRef idx="1">
+                  <a:schemeClr val="accent1"/>
+                </a:lnRef>
+                <a:fillRef idx="0">
+                  <a:schemeClr val="accent1"/>
+                </a:fillRef>
+                <a:effectRef idx="0">
+                  <a:schemeClr val="accent1"/>
+                </a:effectRef>
+                <a:fontRef idx="minor">
+                  <a:schemeClr val="tx1"/>
+                </a:fontRef>
+              </p:style>
+            </p:cxnSp>
+            <p:cxnSp>
+              <p:nvCxnSpPr>
+                <p:cNvPr id="345" name="Straight Arrow Connector 344"/>
+                <p:cNvCxnSpPr/>
+                <p:nvPr/>
+              </p:nvCxnSpPr>
+              <p:spPr>
+                <a:xfrm flipV="1">
+                  <a:off x="5007151" y="3697151"/>
+                  <a:ext cx="18499" cy="1437303"/>
+                </a:xfrm>
+                <a:prstGeom prst="straightConnector1">
+                  <a:avLst/>
+                </a:prstGeom>
+                <a:ln w="28575">
+                  <a:solidFill>
+                    <a:schemeClr val="tx1"/>
+                  </a:solidFill>
+                  <a:tailEnd type="triangle"/>
+                </a:ln>
+              </p:spPr>
+              <p:style>
+                <a:lnRef idx="1">
+                  <a:schemeClr val="accent1"/>
+                </a:lnRef>
+                <a:fillRef idx="0">
+                  <a:schemeClr val="accent1"/>
+                </a:fillRef>
+                <a:effectRef idx="0">
+                  <a:schemeClr val="accent1"/>
+                </a:effectRef>
+                <a:fontRef idx="minor">
+                  <a:schemeClr val="tx1"/>
+                </a:fontRef>
+              </p:style>
+            </p:cxnSp>
+            <p:cxnSp>
+              <p:nvCxnSpPr>
+                <p:cNvPr id="362" name="Straight Arrow Connector 361"/>
+                <p:cNvCxnSpPr/>
+                <p:nvPr/>
+              </p:nvCxnSpPr>
+              <p:spPr>
+                <a:xfrm flipH="1" flipV="1">
+                  <a:off x="5943764" y="3675951"/>
+                  <a:ext cx="4339" cy="1228417"/>
                 </a:xfrm>
                 <a:prstGeom prst="straightConnector1">
                   <a:avLst/>
@@ -13233,13 +12267,13 @@
               <mc:Choice Requires="a14">
                 <p:sp>
                   <p:nvSpPr>
-                    <p:cNvPr id="413" name="TextBox 412"/>
+                    <p:cNvPr id="385" name="TextBox 384"/>
                     <p:cNvSpPr txBox="1"/>
                     <p:nvPr/>
                   </p:nvSpPr>
                   <p:spPr>
                     <a:xfrm>
-                      <a:off x="8784990" y="3527071"/>
+                      <a:off x="4584627" y="3676979"/>
                       <a:ext cx="240835" cy="345159"/>
                     </a:xfrm>
                     <a:prstGeom prst="rect">
@@ -13294,7 +12328,7 @@
               <mc:Fallback xmlns="">
                 <p:sp>
                   <p:nvSpPr>
-                    <p:cNvPr id="413" name="TextBox 412"/>
+                    <p:cNvPr id="385" name="TextBox 384"/>
                     <p:cNvSpPr txBox="1">
                       <a:spLocks noRot="1" noChangeAspect="1" noMove="1" noResize="1" noEditPoints="1" noAdjustHandles="1" noChangeArrowheads="1" noChangeShapeType="1" noTextEdit="1"/>
                     </p:cNvSpPr>
@@ -13302,16 +12336,16 @@
                   </p:nvSpPr>
                   <p:spPr>
                     <a:xfrm>
-                      <a:off x="8784990" y="3527071"/>
+                      <a:off x="4584627" y="3676979"/>
                       <a:ext cx="240835" cy="345159"/>
                     </a:xfrm>
                     <a:prstGeom prst="rect">
                       <a:avLst/>
                     </a:prstGeom>
                     <a:blipFill>
-                      <a:blip r:embed="rId19"/>
+                      <a:blip r:embed="rId15"/>
                       <a:stretch>
-                        <a:fillRect l="-23077" r="-17949" b="-7018"/>
+                        <a:fillRect l="-20000" r="-17500" b="-8772"/>
                       </a:stretch>
                     </a:blipFill>
                   </p:spPr>
@@ -13330,72 +12364,23 @@
                 </p:sp>
               </mc:Fallback>
             </mc:AlternateContent>
-            <p:sp>
-              <p:nvSpPr>
-                <p:cNvPr id="414" name="Parallelogram 413"/>
-                <p:cNvSpPr/>
-                <p:nvPr/>
-              </p:nvSpPr>
-              <p:spPr>
-                <a:xfrm>
-                  <a:off x="7945813" y="4803261"/>
-                  <a:ext cx="294566" cy="82327"/>
-                </a:xfrm>
-                <a:prstGeom prst="parallelogram">
-                  <a:avLst>
-                    <a:gd name="adj" fmla="val 150714"/>
-                  </a:avLst>
-                </a:prstGeom>
-                <a:solidFill>
-                  <a:srgbClr val="C42A2A">
-                    <a:alpha val="58000"/>
-                  </a:srgbClr>
-                </a:solidFill>
-                <a:ln w="12700">
-                  <a:solidFill>
-                    <a:srgbClr val="FF0000"/>
-                  </a:solidFill>
-                </a:ln>
-              </p:spPr>
-              <p:txBody>
-                <a:bodyPr rot="0" spcFirstLastPara="0" vertOverflow="overflow" horzOverflow="overflow" vert="horz" wrap="square" lIns="91440" tIns="45720" rIns="91440" bIns="45720" numCol="1" spcCol="0" rtlCol="0" fromWordArt="0" anchor="ctr" anchorCtr="0" forceAA="0" compatLnSpc="1">
-                  <a:prstTxWarp prst="textNoShape">
-                    <a:avLst/>
-                  </a:prstTxWarp>
-                  <a:spAutoFit/>
-                </a:bodyPr>
-                <a:lstStyle/>
-                <a:p>
-                  <a:pPr marL="234950" indent="-234950" algn="ctr" fontAlgn="t">
-                    <a:buFont typeface="Arial" panose="020B0604020202020204" pitchFamily="34" charset="0"/>
-                    <a:buChar char="•"/>
-                  </a:pPr>
-                  <a:endParaRPr lang="en-CA">
-                    <a:solidFill>
-                      <a:srgbClr val="353535"/>
-                    </a:solidFill>
-                    <a:latin typeface="arial" panose="020B0604020202020204" pitchFamily="34" charset="0"/>
-                  </a:endParaRPr>
-                </a:p>
-              </p:txBody>
-            </p:sp>
             <p:cxnSp>
               <p:nvCxnSpPr>
-                <p:cNvPr id="415" name="Straight Arrow Connector 414"/>
+                <p:cNvPr id="386" name="Straight Arrow Connector 385"/>
                 <p:cNvCxnSpPr/>
                 <p:nvPr/>
               </p:nvCxnSpPr>
               <p:spPr>
                 <a:xfrm flipV="1">
-                  <a:off x="9063252" y="4030463"/>
-                  <a:ext cx="782034" cy="778083"/>
+                  <a:off x="5119168" y="4666809"/>
+                  <a:ext cx="8681" cy="485801"/>
                 </a:xfrm>
                 <a:prstGeom prst="straightConnector1">
                   <a:avLst/>
                 </a:prstGeom>
-                <a:ln w="28575">
+                <a:ln w="38100">
                   <a:solidFill>
-                    <a:schemeClr val="tx1"/>
+                    <a:srgbClr val="FF0000"/>
                   </a:solidFill>
                   <a:tailEnd type="triangle"/>
                 </a:ln>
@@ -13417,21 +12402,21 @@
             </p:cxnSp>
             <p:cxnSp>
               <p:nvCxnSpPr>
-                <p:cNvPr id="416" name="Straight Arrow Connector 415"/>
+                <p:cNvPr id="389" name="Straight Arrow Connector 388"/>
                 <p:cNvCxnSpPr/>
                 <p:nvPr/>
               </p:nvCxnSpPr>
               <p:spPr>
                 <a:xfrm flipV="1">
-                  <a:off x="9340761" y="4307169"/>
-                  <a:ext cx="587366" cy="405278"/>
+                  <a:off x="5758473" y="4477746"/>
+                  <a:ext cx="8681" cy="485801"/>
                 </a:xfrm>
                 <a:prstGeom prst="straightConnector1">
                   <a:avLst/>
                 </a:prstGeom>
-                <a:ln w="19050">
+                <a:ln w="38100">
                   <a:solidFill>
-                    <a:schemeClr val="tx1"/>
+                    <a:srgbClr val="FF0000"/>
                   </a:solidFill>
                   <a:tailEnd type="triangle"/>
                 </a:ln>
@@ -13453,299 +12438,21 @@
             </p:cxnSp>
             <p:cxnSp>
               <p:nvCxnSpPr>
-                <p:cNvPr id="417" name="Straight Arrow Connector 416"/>
-                <p:cNvCxnSpPr/>
-                <p:nvPr/>
-              </p:nvCxnSpPr>
-              <p:spPr>
-                <a:xfrm flipH="1" flipV="1">
-                  <a:off x="8387511" y="4106284"/>
-                  <a:ext cx="254857" cy="606422"/>
-                </a:xfrm>
-                <a:prstGeom prst="straightConnector1">
-                  <a:avLst/>
-                </a:prstGeom>
-                <a:ln w="19050">
-                  <a:solidFill>
-                    <a:schemeClr val="tx1"/>
-                  </a:solidFill>
-                  <a:tailEnd type="triangle"/>
-                </a:ln>
-              </p:spPr>
-              <p:style>
-                <a:lnRef idx="1">
-                  <a:schemeClr val="accent1"/>
-                </a:lnRef>
-                <a:fillRef idx="0">
-                  <a:schemeClr val="accent1"/>
-                </a:fillRef>
-                <a:effectRef idx="0">
-                  <a:schemeClr val="accent1"/>
-                </a:effectRef>
-                <a:fontRef idx="minor">
-                  <a:schemeClr val="tx1"/>
-                </a:fontRef>
-              </p:style>
-            </p:cxnSp>
-            <p:cxnSp>
-              <p:nvCxnSpPr>
-                <p:cNvPr id="418" name="Straight Arrow Connector 417"/>
+                <p:cNvPr id="390" name="Straight Arrow Connector 389"/>
                 <p:cNvCxnSpPr/>
                 <p:nvPr/>
               </p:nvCxnSpPr>
               <p:spPr>
                 <a:xfrm flipV="1">
-                  <a:off x="8938388" y="4106900"/>
-                  <a:ext cx="284508" cy="629478"/>
+                  <a:off x="6534636" y="4245997"/>
+                  <a:ext cx="8681" cy="485801"/>
                 </a:xfrm>
                 <a:prstGeom prst="straightConnector1">
                   <a:avLst/>
                 </a:prstGeom>
-                <a:ln w="19050">
-                  <a:solidFill>
-                    <a:schemeClr val="tx1"/>
-                  </a:solidFill>
-                  <a:tailEnd type="triangle"/>
-                </a:ln>
-              </p:spPr>
-              <p:style>
-                <a:lnRef idx="1">
-                  <a:schemeClr val="accent1"/>
-                </a:lnRef>
-                <a:fillRef idx="0">
-                  <a:schemeClr val="accent1"/>
-                </a:fillRef>
-                <a:effectRef idx="0">
-                  <a:schemeClr val="accent1"/>
-                </a:effectRef>
-                <a:fontRef idx="minor">
-                  <a:schemeClr val="tx1"/>
-                </a:fontRef>
-              </p:style>
-            </p:cxnSp>
-            <p:cxnSp>
-              <p:nvCxnSpPr>
-                <p:cNvPr id="419" name="Straight Arrow Connector 418"/>
-                <p:cNvCxnSpPr/>
-                <p:nvPr/>
-              </p:nvCxnSpPr>
-              <p:spPr>
-                <a:xfrm flipH="1" flipV="1">
-                  <a:off x="7658995" y="4315016"/>
-                  <a:ext cx="581248" cy="405227"/>
-                </a:xfrm>
-                <a:prstGeom prst="straightConnector1">
-                  <a:avLst/>
-                </a:prstGeom>
-                <a:ln w="19050">
-                  <a:solidFill>
-                    <a:schemeClr val="tx1"/>
-                  </a:solidFill>
-                  <a:tailEnd type="triangle"/>
-                </a:ln>
-              </p:spPr>
-              <p:style>
-                <a:lnRef idx="1">
-                  <a:schemeClr val="accent1"/>
-                </a:lnRef>
-                <a:fillRef idx="0">
-                  <a:schemeClr val="accent1"/>
-                </a:fillRef>
-                <a:effectRef idx="0">
-                  <a:schemeClr val="accent1"/>
-                </a:effectRef>
-                <a:fontRef idx="minor">
-                  <a:schemeClr val="tx1"/>
-                </a:fontRef>
-              </p:style>
-            </p:cxnSp>
-            <p:cxnSp>
-              <p:nvCxnSpPr>
-                <p:cNvPr id="420" name="Straight Arrow Connector 419"/>
-                <p:cNvCxnSpPr/>
-                <p:nvPr/>
-              </p:nvCxnSpPr>
-              <p:spPr>
-                <a:xfrm flipH="1" flipV="1">
-                  <a:off x="7202176" y="4541736"/>
-                  <a:ext cx="879652" cy="293513"/>
-                </a:xfrm>
-                <a:prstGeom prst="straightConnector1">
-                  <a:avLst/>
-                </a:prstGeom>
-                <a:ln w="28575">
-                  <a:solidFill>
-                    <a:schemeClr val="tx1"/>
-                  </a:solidFill>
-                  <a:tailEnd type="triangle"/>
-                </a:ln>
-              </p:spPr>
-              <p:style>
-                <a:lnRef idx="1">
-                  <a:schemeClr val="accent1"/>
-                </a:lnRef>
-                <a:fillRef idx="0">
-                  <a:schemeClr val="accent1"/>
-                </a:fillRef>
-                <a:effectRef idx="0">
-                  <a:schemeClr val="accent1"/>
-                </a:effectRef>
-                <a:fontRef idx="minor">
-                  <a:schemeClr val="tx1"/>
-                </a:fontRef>
-              </p:style>
-            </p:cxnSp>
-            <p:sp>
-              <p:nvSpPr>
-                <p:cNvPr id="421" name="Parallelogram 420"/>
-                <p:cNvSpPr/>
-                <p:nvPr/>
-              </p:nvSpPr>
-              <p:spPr>
-                <a:xfrm>
-                  <a:off x="8389857" y="4755228"/>
-                  <a:ext cx="294566" cy="82327"/>
-                </a:xfrm>
-                <a:prstGeom prst="parallelogram">
-                  <a:avLst>
-                    <a:gd name="adj" fmla="val 150714"/>
-                  </a:avLst>
-                </a:prstGeom>
-                <a:solidFill>
-                  <a:srgbClr val="C42A2A">
-                    <a:alpha val="58000"/>
-                  </a:srgbClr>
-                </a:solidFill>
-                <a:ln w="12700">
+                <a:ln w="38100">
                   <a:solidFill>
                     <a:srgbClr val="FF0000"/>
-                  </a:solidFill>
-                </a:ln>
-              </p:spPr>
-              <p:txBody>
-                <a:bodyPr rot="0" spcFirstLastPara="0" vertOverflow="overflow" horzOverflow="overflow" vert="horz" wrap="square" lIns="91440" tIns="45720" rIns="91440" bIns="45720" numCol="1" spcCol="0" rtlCol="0" fromWordArt="0" anchor="ctr" anchorCtr="0" forceAA="0" compatLnSpc="1">
-                  <a:prstTxWarp prst="textNoShape">
-                    <a:avLst/>
-                  </a:prstTxWarp>
-                  <a:spAutoFit/>
-                </a:bodyPr>
-                <a:lstStyle/>
-                <a:p>
-                  <a:pPr marL="234950" indent="-234950" algn="ctr" fontAlgn="t">
-                    <a:buFont typeface="Arial" panose="020B0604020202020204" pitchFamily="34" charset="0"/>
-                    <a:buChar char="•"/>
-                  </a:pPr>
-                  <a:endParaRPr lang="en-CA">
-                    <a:solidFill>
-                      <a:srgbClr val="353535"/>
-                    </a:solidFill>
-                    <a:latin typeface="arial" panose="020B0604020202020204" pitchFamily="34" charset="0"/>
-                  </a:endParaRPr>
-                </a:p>
-              </p:txBody>
-            </p:sp>
-            <p:sp>
-              <p:nvSpPr>
-                <p:cNvPr id="422" name="Parallelogram 421"/>
-                <p:cNvSpPr/>
-                <p:nvPr/>
-              </p:nvSpPr>
-              <p:spPr>
-                <a:xfrm>
-                  <a:off x="9177084" y="4797668"/>
-                  <a:ext cx="294566" cy="82327"/>
-                </a:xfrm>
-                <a:prstGeom prst="parallelogram">
-                  <a:avLst>
-                    <a:gd name="adj" fmla="val 150714"/>
-                  </a:avLst>
-                </a:prstGeom>
-                <a:solidFill>
-                  <a:srgbClr val="C42A2A">
-                    <a:alpha val="58000"/>
-                  </a:srgbClr>
-                </a:solidFill>
-                <a:ln w="12700">
-                  <a:solidFill>
-                    <a:srgbClr val="FF0000"/>
-                  </a:solidFill>
-                </a:ln>
-              </p:spPr>
-              <p:txBody>
-                <a:bodyPr rot="0" spcFirstLastPara="0" vertOverflow="overflow" horzOverflow="overflow" vert="horz" wrap="square" lIns="91440" tIns="45720" rIns="91440" bIns="45720" numCol="1" spcCol="0" rtlCol="0" fromWordArt="0" anchor="ctr" anchorCtr="0" forceAA="0" compatLnSpc="1">
-                  <a:prstTxWarp prst="textNoShape">
-                    <a:avLst/>
-                  </a:prstTxWarp>
-                  <a:spAutoFit/>
-                </a:bodyPr>
-                <a:lstStyle/>
-                <a:p>
-                  <a:pPr marL="234950" indent="-234950" algn="ctr" fontAlgn="t">
-                    <a:buFont typeface="Arial" panose="020B0604020202020204" pitchFamily="34" charset="0"/>
-                    <a:buChar char="•"/>
-                  </a:pPr>
-                  <a:endParaRPr lang="en-CA">
-                    <a:solidFill>
-                      <a:srgbClr val="353535"/>
-                    </a:solidFill>
-                    <a:latin typeface="arial" panose="020B0604020202020204" pitchFamily="34" charset="0"/>
-                  </a:endParaRPr>
-                </a:p>
-              </p:txBody>
-            </p:sp>
-            <p:cxnSp>
-              <p:nvCxnSpPr>
-                <p:cNvPr id="423" name="Straight Arrow Connector 422"/>
-                <p:cNvCxnSpPr/>
-                <p:nvPr/>
-              </p:nvCxnSpPr>
-              <p:spPr>
-                <a:xfrm flipH="1" flipV="1">
-                  <a:off x="7783580" y="4060819"/>
-                  <a:ext cx="775592" cy="776736"/>
-                </a:xfrm>
-                <a:prstGeom prst="straightConnector1">
-                  <a:avLst/>
-                </a:prstGeom>
-                <a:ln w="28575">
-                  <a:solidFill>
-                    <a:schemeClr val="tx1"/>
-                  </a:solidFill>
-                  <a:tailEnd type="triangle"/>
-                </a:ln>
-              </p:spPr>
-              <p:style>
-                <a:lnRef idx="1">
-                  <a:schemeClr val="accent1"/>
-                </a:lnRef>
-                <a:fillRef idx="0">
-                  <a:schemeClr val="accent1"/>
-                </a:fillRef>
-                <a:effectRef idx="0">
-                  <a:schemeClr val="accent1"/>
-                </a:effectRef>
-                <a:fontRef idx="minor">
-                  <a:schemeClr val="tx1"/>
-                </a:fontRef>
-              </p:style>
-            </p:cxnSp>
-            <p:cxnSp>
-              <p:nvCxnSpPr>
-                <p:cNvPr id="424" name="Straight Arrow Connector 423"/>
-                <p:cNvCxnSpPr/>
-                <p:nvPr/>
-              </p:nvCxnSpPr>
-              <p:spPr>
-                <a:xfrm flipV="1">
-                  <a:off x="9340761" y="4441137"/>
-                  <a:ext cx="962852" cy="405497"/>
-                </a:xfrm>
-                <a:prstGeom prst="straightConnector1">
-                  <a:avLst/>
-                </a:prstGeom>
-                <a:ln w="28575">
-                  <a:solidFill>
-                    <a:schemeClr val="tx1"/>
                   </a:solidFill>
                   <a:tailEnd type="triangle"/>
                 </a:ln>
@@ -13769,13 +12476,13 @@
               <mc:Choice Requires="a14">
                 <p:sp>
                   <p:nvSpPr>
-                    <p:cNvPr id="425" name="Rectangle 424"/>
+                    <p:cNvPr id="391" name="Rectangle 390"/>
                     <p:cNvSpPr/>
                     <p:nvPr/>
                   </p:nvSpPr>
                   <p:spPr>
                     <a:xfrm>
-                      <a:off x="7936290" y="3986035"/>
+                      <a:off x="5024888" y="4351167"/>
                       <a:ext cx="538929" cy="403765"/>
                     </a:xfrm>
                     <a:prstGeom prst="rect">
@@ -13843,7 +12550,7 @@
               <mc:Fallback xmlns="">
                 <p:sp>
                   <p:nvSpPr>
-                    <p:cNvPr id="425" name="Rectangle 424"/>
+                    <p:cNvPr id="391" name="Rectangle 390"/>
                     <p:cNvSpPr>
                       <a:spLocks noRot="1" noChangeAspect="1" noMove="1" noResize="1" noEditPoints="1" noAdjustHandles="1" noChangeArrowheads="1" noChangeShapeType="1" noTextEdit="1"/>
                     </p:cNvSpPr>
@@ -13851,14 +12558,14 @@
                   </p:nvSpPr>
                   <p:spPr>
                     <a:xfrm>
-                      <a:off x="7936290" y="3986035"/>
+                      <a:off x="5024888" y="4351167"/>
                       <a:ext cx="538929" cy="403765"/>
                     </a:xfrm>
                     <a:prstGeom prst="rect">
                       <a:avLst/>
                     </a:prstGeom>
                     <a:blipFill>
-                      <a:blip r:embed="rId20"/>
+                      <a:blip r:embed="rId16"/>
                       <a:stretch>
                         <a:fillRect/>
                       </a:stretch>
@@ -13879,125 +12586,17 @@
                 </p:sp>
               </mc:Fallback>
             </mc:AlternateContent>
-            <p:cxnSp>
-              <p:nvCxnSpPr>
-                <p:cNvPr id="426" name="Straight Arrow Connector 425"/>
-                <p:cNvCxnSpPr/>
-                <p:nvPr/>
-              </p:nvCxnSpPr>
-              <p:spPr>
-                <a:xfrm flipV="1">
-                  <a:off x="8075706" y="4356805"/>
-                  <a:ext cx="8681" cy="485801"/>
-                </a:xfrm>
-                <a:prstGeom prst="straightConnector1">
-                  <a:avLst/>
-                </a:prstGeom>
-                <a:ln w="38100">
-                  <a:solidFill>
-                    <a:srgbClr val="FF0000"/>
-                  </a:solidFill>
-                  <a:tailEnd type="triangle"/>
-                </a:ln>
-              </p:spPr>
-              <p:style>
-                <a:lnRef idx="1">
-                  <a:schemeClr val="accent1"/>
-                </a:lnRef>
-                <a:fillRef idx="0">
-                  <a:schemeClr val="accent1"/>
-                </a:fillRef>
-                <a:effectRef idx="0">
-                  <a:schemeClr val="accent1"/>
-                </a:effectRef>
-                <a:fontRef idx="minor">
-                  <a:schemeClr val="tx1"/>
-                </a:fontRef>
-              </p:style>
-            </p:cxnSp>
-            <p:cxnSp>
-              <p:nvCxnSpPr>
-                <p:cNvPr id="427" name="Straight Arrow Connector 426"/>
-                <p:cNvCxnSpPr/>
-                <p:nvPr/>
-              </p:nvCxnSpPr>
-              <p:spPr>
-                <a:xfrm flipV="1">
-                  <a:off x="8519620" y="4312365"/>
-                  <a:ext cx="8681" cy="485801"/>
-                </a:xfrm>
-                <a:prstGeom prst="straightConnector1">
-                  <a:avLst/>
-                </a:prstGeom>
-                <a:ln w="38100">
-                  <a:solidFill>
-                    <a:srgbClr val="FF0000"/>
-                  </a:solidFill>
-                  <a:tailEnd type="triangle"/>
-                </a:ln>
-              </p:spPr>
-              <p:style>
-                <a:lnRef idx="1">
-                  <a:schemeClr val="accent1"/>
-                </a:lnRef>
-                <a:fillRef idx="0">
-                  <a:schemeClr val="accent1"/>
-                </a:fillRef>
-                <a:effectRef idx="0">
-                  <a:schemeClr val="accent1"/>
-                </a:effectRef>
-                <a:fontRef idx="minor">
-                  <a:schemeClr val="tx1"/>
-                </a:fontRef>
-              </p:style>
-            </p:cxnSp>
-            <p:cxnSp>
-              <p:nvCxnSpPr>
-                <p:cNvPr id="428" name="Straight Arrow Connector 427"/>
-                <p:cNvCxnSpPr/>
-                <p:nvPr/>
-              </p:nvCxnSpPr>
-              <p:spPr>
-                <a:xfrm flipV="1">
-                  <a:off x="9327211" y="4375819"/>
-                  <a:ext cx="8681" cy="485801"/>
-                </a:xfrm>
-                <a:prstGeom prst="straightConnector1">
-                  <a:avLst/>
-                </a:prstGeom>
-                <a:ln w="38100">
-                  <a:solidFill>
-                    <a:srgbClr val="FF0000"/>
-                  </a:solidFill>
-                  <a:tailEnd type="triangle"/>
-                </a:ln>
-              </p:spPr>
-              <p:style>
-                <a:lnRef idx="1">
-                  <a:schemeClr val="accent1"/>
-                </a:lnRef>
-                <a:fillRef idx="0">
-                  <a:schemeClr val="accent1"/>
-                </a:fillRef>
-                <a:effectRef idx="0">
-                  <a:schemeClr val="accent1"/>
-                </a:effectRef>
-                <a:fontRef idx="minor">
-                  <a:schemeClr val="tx1"/>
-                </a:fontRef>
-              </p:style>
-            </p:cxnSp>
             <mc:AlternateContent xmlns:mc="http://schemas.openxmlformats.org/markup-compatibility/2006" xmlns:a14="http://schemas.microsoft.com/office/drawing/2010/main">
               <mc:Choice Requires="a14">
                 <p:sp>
                   <p:nvSpPr>
-                    <p:cNvPr id="429" name="Rectangle 428"/>
+                    <p:cNvPr id="392" name="Rectangle 391"/>
                     <p:cNvSpPr/>
                     <p:nvPr/>
                   </p:nvSpPr>
                   <p:spPr>
                     <a:xfrm>
-                      <a:off x="8356771" y="3964661"/>
+                      <a:off x="5504216" y="4099347"/>
                       <a:ext cx="538929" cy="403765"/>
                     </a:xfrm>
                     <a:prstGeom prst="rect">
@@ -14065,7 +12664,7 @@
               <mc:Fallback xmlns="">
                 <p:sp>
                   <p:nvSpPr>
-                    <p:cNvPr id="429" name="Rectangle 428"/>
+                    <p:cNvPr id="392" name="Rectangle 391"/>
                     <p:cNvSpPr>
                       <a:spLocks noRot="1" noChangeAspect="1" noMove="1" noResize="1" noEditPoints="1" noAdjustHandles="1" noChangeArrowheads="1" noChangeShapeType="1" noTextEdit="1"/>
                     </p:cNvSpPr>
@@ -14073,14 +12672,14 @@
                   </p:nvSpPr>
                   <p:spPr>
                     <a:xfrm>
-                      <a:off x="8356771" y="3964661"/>
+                      <a:off x="5504216" y="4099347"/>
                       <a:ext cx="538929" cy="403765"/>
                     </a:xfrm>
                     <a:prstGeom prst="rect">
                       <a:avLst/>
                     </a:prstGeom>
                     <a:blipFill>
-                      <a:blip r:embed="rId21"/>
+                      <a:blip r:embed="rId17"/>
                       <a:stretch>
                         <a:fillRect/>
                       </a:stretch>
@@ -14105,13 +12704,13 @@
               <mc:Choice Requires="a14">
                 <p:sp>
                   <p:nvSpPr>
-                    <p:cNvPr id="430" name="Rectangle 429"/>
+                    <p:cNvPr id="393" name="Rectangle 392"/>
                     <p:cNvSpPr/>
                     <p:nvPr/>
                   </p:nvSpPr>
                   <p:spPr>
                     <a:xfrm>
-                      <a:off x="9143987" y="3966256"/>
+                      <a:off x="6118458" y="3941635"/>
                       <a:ext cx="538929" cy="403765"/>
                     </a:xfrm>
                     <a:prstGeom prst="rect">
@@ -14179,7 +12778,7 @@
               <mc:Fallback xmlns="">
                 <p:sp>
                   <p:nvSpPr>
-                    <p:cNvPr id="430" name="Rectangle 429"/>
+                    <p:cNvPr id="393" name="Rectangle 392"/>
                     <p:cNvSpPr>
                       <a:spLocks noRot="1" noChangeAspect="1" noMove="1" noResize="1" noEditPoints="1" noAdjustHandles="1" noChangeArrowheads="1" noChangeShapeType="1" noTextEdit="1"/>
                     </p:cNvSpPr>
@@ -14187,14 +12786,14 @@
                   </p:nvSpPr>
                   <p:spPr>
                     <a:xfrm>
-                      <a:off x="9143987" y="3966256"/>
+                      <a:off x="6118458" y="3941635"/>
                       <a:ext cx="538929" cy="403765"/>
                     </a:xfrm>
                     <a:prstGeom prst="rect">
                       <a:avLst/>
                     </a:prstGeom>
                     <a:blipFill>
-                      <a:blip r:embed="rId22"/>
+                      <a:blip r:embed="rId18"/>
                       <a:stretch>
                         <a:fillRect/>
                       </a:stretch>
@@ -14216,7 +12815,1609 @@
               </mc:Fallback>
             </mc:AlternateContent>
           </p:grpSp>
+          <p:grpSp>
+            <p:nvGrpSpPr>
+              <p:cNvPr id="472" name="Group 471"/>
+              <p:cNvGrpSpPr/>
+              <p:nvPr/>
+            </p:nvGrpSpPr>
+            <p:grpSpPr>
+              <a:xfrm>
+                <a:off x="6670561" y="3565635"/>
+                <a:ext cx="3101437" cy="1561761"/>
+                <a:chOff x="6311297" y="4369730"/>
+                <a:chExt cx="3101437" cy="1561761"/>
+              </a:xfrm>
+            </p:grpSpPr>
+            <p:cxnSp>
+              <p:nvCxnSpPr>
+                <p:cNvPr id="469" name="Straight Connector 468"/>
+                <p:cNvCxnSpPr/>
+                <p:nvPr/>
+              </p:nvCxnSpPr>
+              <p:spPr>
+                <a:xfrm flipH="1">
+                  <a:off x="7898757" y="5488149"/>
+                  <a:ext cx="650572" cy="439636"/>
+                </a:xfrm>
+                <a:prstGeom prst="line">
+                  <a:avLst/>
+                </a:prstGeom>
+                <a:ln w="19050">
+                  <a:solidFill>
+                    <a:schemeClr val="tx1"/>
+                  </a:solidFill>
+                </a:ln>
+              </p:spPr>
+              <p:style>
+                <a:lnRef idx="1">
+                  <a:schemeClr val="accent1"/>
+                </a:lnRef>
+                <a:fillRef idx="0">
+                  <a:schemeClr val="accent1"/>
+                </a:fillRef>
+                <a:effectRef idx="0">
+                  <a:schemeClr val="accent1"/>
+                </a:effectRef>
+                <a:fontRef idx="minor">
+                  <a:schemeClr val="tx1"/>
+                </a:fontRef>
+              </p:style>
+            </p:cxnSp>
+            <p:cxnSp>
+              <p:nvCxnSpPr>
+                <p:cNvPr id="466" name="Straight Connector 465"/>
+                <p:cNvCxnSpPr/>
+                <p:nvPr/>
+              </p:nvCxnSpPr>
+              <p:spPr>
+                <a:xfrm>
+                  <a:off x="7233190" y="5486070"/>
+                  <a:ext cx="669761" cy="445421"/>
+                </a:xfrm>
+                <a:prstGeom prst="line">
+                  <a:avLst/>
+                </a:prstGeom>
+                <a:ln w="19050">
+                  <a:solidFill>
+                    <a:schemeClr val="tx1"/>
+                  </a:solidFill>
+                </a:ln>
+              </p:spPr>
+              <p:style>
+                <a:lnRef idx="1">
+                  <a:schemeClr val="accent1"/>
+                </a:lnRef>
+                <a:fillRef idx="0">
+                  <a:schemeClr val="accent1"/>
+                </a:fillRef>
+                <a:effectRef idx="0">
+                  <a:schemeClr val="accent1"/>
+                </a:effectRef>
+                <a:fontRef idx="minor">
+                  <a:schemeClr val="tx1"/>
+                </a:fontRef>
+              </p:style>
+            </p:cxnSp>
+            <p:cxnSp>
+              <p:nvCxnSpPr>
+                <p:cNvPr id="462" name="Straight Connector 461"/>
+                <p:cNvCxnSpPr/>
+                <p:nvPr/>
+              </p:nvCxnSpPr>
+              <p:spPr>
+                <a:xfrm>
+                  <a:off x="7693866" y="5416549"/>
+                  <a:ext cx="213231" cy="508222"/>
+                </a:xfrm>
+                <a:prstGeom prst="line">
+                  <a:avLst/>
+                </a:prstGeom>
+                <a:ln w="19050">
+                  <a:solidFill>
+                    <a:schemeClr val="tx1"/>
+                  </a:solidFill>
+                </a:ln>
+              </p:spPr>
+              <p:style>
+                <a:lnRef idx="1">
+                  <a:schemeClr val="accent1"/>
+                </a:lnRef>
+                <a:fillRef idx="0">
+                  <a:schemeClr val="accent1"/>
+                </a:fillRef>
+                <a:effectRef idx="0">
+                  <a:schemeClr val="accent1"/>
+                </a:effectRef>
+                <a:fontRef idx="minor">
+                  <a:schemeClr val="tx1"/>
+                </a:fontRef>
+              </p:style>
+            </p:cxnSp>
+            <p:cxnSp>
+              <p:nvCxnSpPr>
+                <p:cNvPr id="460" name="Straight Connector 459"/>
+                <p:cNvCxnSpPr/>
+                <p:nvPr/>
+              </p:nvCxnSpPr>
+              <p:spPr>
+                <a:xfrm flipH="1">
+                  <a:off x="7894549" y="5377139"/>
+                  <a:ext cx="240397" cy="547632"/>
+                </a:xfrm>
+                <a:prstGeom prst="line">
+                  <a:avLst/>
+                </a:prstGeom>
+                <a:ln w="19050">
+                  <a:solidFill>
+                    <a:schemeClr val="tx1"/>
+                  </a:solidFill>
+                </a:ln>
+              </p:spPr>
+              <p:style>
+                <a:lnRef idx="1">
+                  <a:schemeClr val="accent1"/>
+                </a:lnRef>
+                <a:fillRef idx="0">
+                  <a:schemeClr val="accent1"/>
+                </a:fillRef>
+                <a:effectRef idx="0">
+                  <a:schemeClr val="accent1"/>
+                </a:effectRef>
+                <a:fontRef idx="minor">
+                  <a:schemeClr val="tx1"/>
+                </a:fontRef>
+              </p:style>
+            </p:cxnSp>
+            <p:cxnSp>
+              <p:nvCxnSpPr>
+                <p:cNvPr id="452" name="Straight Connector 451"/>
+                <p:cNvCxnSpPr/>
+                <p:nvPr/>
+              </p:nvCxnSpPr>
+              <p:spPr>
+                <a:xfrm>
+                  <a:off x="7465892" y="5475182"/>
+                  <a:ext cx="441205" cy="452603"/>
+                </a:xfrm>
+                <a:prstGeom prst="line">
+                  <a:avLst/>
+                </a:prstGeom>
+                <a:ln w="28575">
+                  <a:solidFill>
+                    <a:schemeClr val="tx1"/>
+                  </a:solidFill>
+                </a:ln>
+              </p:spPr>
+              <p:style>
+                <a:lnRef idx="1">
+                  <a:schemeClr val="accent1"/>
+                </a:lnRef>
+                <a:fillRef idx="0">
+                  <a:schemeClr val="accent1"/>
+                </a:fillRef>
+                <a:effectRef idx="0">
+                  <a:schemeClr val="accent1"/>
+                </a:effectRef>
+                <a:fontRef idx="minor">
+                  <a:schemeClr val="tx1"/>
+                </a:fontRef>
+              </p:style>
+            </p:cxnSp>
+            <p:cxnSp>
+              <p:nvCxnSpPr>
+                <p:cNvPr id="435" name="Straight Connector 434"/>
+                <p:cNvCxnSpPr/>
+                <p:nvPr/>
+              </p:nvCxnSpPr>
+              <p:spPr>
+                <a:xfrm flipV="1">
+                  <a:off x="7902952" y="5334187"/>
+                  <a:ext cx="3298" cy="593600"/>
+                </a:xfrm>
+                <a:prstGeom prst="line">
+                  <a:avLst/>
+                </a:prstGeom>
+                <a:ln w="28575">
+                  <a:solidFill>
+                    <a:schemeClr val="tx1"/>
+                  </a:solidFill>
+                </a:ln>
+              </p:spPr>
+              <p:style>
+                <a:lnRef idx="1">
+                  <a:schemeClr val="accent1"/>
+                </a:lnRef>
+                <a:fillRef idx="0">
+                  <a:schemeClr val="accent1"/>
+                </a:fillRef>
+                <a:effectRef idx="0">
+                  <a:schemeClr val="accent1"/>
+                </a:effectRef>
+                <a:fontRef idx="minor">
+                  <a:schemeClr val="tx1"/>
+                </a:fontRef>
+              </p:style>
+            </p:cxnSp>
+            <p:cxnSp>
+              <p:nvCxnSpPr>
+                <p:cNvPr id="444" name="Straight Connector 443"/>
+                <p:cNvCxnSpPr/>
+                <p:nvPr/>
+              </p:nvCxnSpPr>
+              <p:spPr>
+                <a:xfrm flipH="1">
+                  <a:off x="7903850" y="5676862"/>
+                  <a:ext cx="574753" cy="250923"/>
+                </a:xfrm>
+                <a:prstGeom prst="line">
+                  <a:avLst/>
+                </a:prstGeom>
+                <a:ln w="28575">
+                  <a:solidFill>
+                    <a:schemeClr val="tx1"/>
+                  </a:solidFill>
+                </a:ln>
+              </p:spPr>
+              <p:style>
+                <a:lnRef idx="1">
+                  <a:schemeClr val="accent1"/>
+                </a:lnRef>
+                <a:fillRef idx="0">
+                  <a:schemeClr val="accent1"/>
+                </a:fillRef>
+                <a:effectRef idx="0">
+                  <a:schemeClr val="accent1"/>
+                </a:effectRef>
+                <a:fontRef idx="minor">
+                  <a:schemeClr val="tx1"/>
+                </a:fontRef>
+              </p:style>
+            </p:cxnSp>
+            <p:cxnSp>
+              <p:nvCxnSpPr>
+                <p:cNvPr id="439" name="Straight Connector 438"/>
+                <p:cNvCxnSpPr/>
+                <p:nvPr/>
+              </p:nvCxnSpPr>
+              <p:spPr>
+                <a:xfrm flipH="1">
+                  <a:off x="7900604" y="5569852"/>
+                  <a:ext cx="352504" cy="360972"/>
+                </a:xfrm>
+                <a:prstGeom prst="line">
+                  <a:avLst/>
+                </a:prstGeom>
+                <a:ln w="28575">
+                  <a:solidFill>
+                    <a:schemeClr val="tx1"/>
+                  </a:solidFill>
+                </a:ln>
+              </p:spPr>
+              <p:style>
+                <a:lnRef idx="1">
+                  <a:schemeClr val="accent1"/>
+                </a:lnRef>
+                <a:fillRef idx="0">
+                  <a:schemeClr val="accent1"/>
+                </a:fillRef>
+                <a:effectRef idx="0">
+                  <a:schemeClr val="accent1"/>
+                </a:effectRef>
+                <a:fontRef idx="minor">
+                  <a:schemeClr val="tx1"/>
+                </a:fontRef>
+              </p:style>
+            </p:cxnSp>
+            <p:cxnSp>
+              <p:nvCxnSpPr>
+                <p:cNvPr id="433" name="Straight Connector 432"/>
+                <p:cNvCxnSpPr/>
+                <p:nvPr/>
+              </p:nvCxnSpPr>
+              <p:spPr>
+                <a:xfrm flipH="1" flipV="1">
+                  <a:off x="6819441" y="5556032"/>
+                  <a:ext cx="1087656" cy="374792"/>
+                </a:xfrm>
+                <a:prstGeom prst="line">
+                  <a:avLst/>
+                </a:prstGeom>
+                <a:ln w="28575">
+                  <a:solidFill>
+                    <a:schemeClr val="tx1"/>
+                  </a:solidFill>
+                </a:ln>
+              </p:spPr>
+              <p:style>
+                <a:lnRef idx="1">
+                  <a:schemeClr val="accent1"/>
+                </a:lnRef>
+                <a:fillRef idx="0">
+                  <a:schemeClr val="accent1"/>
+                </a:fillRef>
+                <a:effectRef idx="0">
+                  <a:schemeClr val="accent1"/>
+                </a:effectRef>
+                <a:fontRef idx="minor">
+                  <a:schemeClr val="tx1"/>
+                </a:fontRef>
+              </p:style>
+            </p:cxnSp>
+            <p:grpSp>
+              <p:nvGrpSpPr>
+                <p:cNvPr id="431" name="Group 430"/>
+                <p:cNvGrpSpPr/>
+                <p:nvPr/>
+              </p:nvGrpSpPr>
+              <p:grpSpPr>
+                <a:xfrm>
+                  <a:off x="6311297" y="4369730"/>
+                  <a:ext cx="3101437" cy="1377297"/>
+                  <a:chOff x="7202176" y="3527071"/>
+                  <a:chExt cx="3101437" cy="1377297"/>
+                </a:xfrm>
+              </p:grpSpPr>
+              <p:sp>
+                <p:nvSpPr>
+                  <p:cNvPr id="411" name="Parallelogram 410"/>
+                  <p:cNvSpPr/>
+                  <p:nvPr/>
+                </p:nvSpPr>
+                <p:spPr>
+                  <a:xfrm>
+                    <a:off x="7646130" y="4645006"/>
+                    <a:ext cx="2331318" cy="259362"/>
+                  </a:xfrm>
+                  <a:prstGeom prst="parallelogram">
+                    <a:avLst>
+                      <a:gd name="adj" fmla="val 150714"/>
+                    </a:avLst>
+                  </a:prstGeom>
+                  <a:solidFill>
+                    <a:srgbClr val="E7B8B7">
+                      <a:alpha val="58000"/>
+                    </a:srgbClr>
+                  </a:solidFill>
+                  <a:ln w="38100">
+                    <a:solidFill>
+                      <a:srgbClr val="FF0000"/>
+                    </a:solidFill>
+                  </a:ln>
+                </p:spPr>
+                <p:txBody>
+                  <a:bodyPr rot="0" spcFirstLastPara="0" vertOverflow="overflow" horzOverflow="overflow" vert="horz" wrap="square" lIns="91440" tIns="45720" rIns="91440" bIns="45720" numCol="1" spcCol="0" rtlCol="0" fromWordArt="0" anchor="ctr" anchorCtr="0" forceAA="0" compatLnSpc="1">
+                    <a:prstTxWarp prst="textNoShape">
+                      <a:avLst/>
+                    </a:prstTxWarp>
+                    <a:spAutoFit/>
+                  </a:bodyPr>
+                  <a:lstStyle/>
+                  <a:p>
+                    <a:pPr marL="234950" indent="-234950" algn="ctr" fontAlgn="t">
+                      <a:buFont typeface="Arial" panose="020B0604020202020204" pitchFamily="34" charset="0"/>
+                      <a:buChar char="•"/>
+                    </a:pPr>
+                    <a:endParaRPr lang="en-CA">
+                      <a:solidFill>
+                        <a:srgbClr val="353535"/>
+                      </a:solidFill>
+                      <a:latin typeface="arial" panose="020B0604020202020204" pitchFamily="34" charset="0"/>
+                    </a:endParaRPr>
+                  </a:p>
+                </p:txBody>
+              </p:sp>
+              <p:cxnSp>
+                <p:nvCxnSpPr>
+                  <p:cNvPr id="412" name="Straight Arrow Connector 411"/>
+                  <p:cNvCxnSpPr/>
+                  <p:nvPr/>
+                </p:nvCxnSpPr>
+                <p:spPr>
+                  <a:xfrm flipH="1" flipV="1">
+                    <a:off x="8792334" y="3654481"/>
+                    <a:ext cx="2993" cy="1126785"/>
+                  </a:xfrm>
+                  <a:prstGeom prst="straightConnector1">
+                    <a:avLst/>
+                  </a:prstGeom>
+                  <a:ln w="28575">
+                    <a:solidFill>
+                      <a:schemeClr val="tx1"/>
+                    </a:solidFill>
+                    <a:tailEnd type="triangle"/>
+                  </a:ln>
+                </p:spPr>
+                <p:style>
+                  <a:lnRef idx="1">
+                    <a:schemeClr val="accent1"/>
+                  </a:lnRef>
+                  <a:fillRef idx="0">
+                    <a:schemeClr val="accent1"/>
+                  </a:fillRef>
+                  <a:effectRef idx="0">
+                    <a:schemeClr val="accent1"/>
+                  </a:effectRef>
+                  <a:fontRef idx="minor">
+                    <a:schemeClr val="tx1"/>
+                  </a:fontRef>
+                </p:style>
+              </p:cxnSp>
+              <mc:AlternateContent xmlns:mc="http://schemas.openxmlformats.org/markup-compatibility/2006" xmlns:a14="http://schemas.microsoft.com/office/drawing/2010/main">
+                <mc:Choice Requires="a14">
+                  <p:sp>
+                    <p:nvSpPr>
+                      <p:cNvPr id="413" name="TextBox 412"/>
+                      <p:cNvSpPr txBox="1"/>
+                      <p:nvPr/>
+                    </p:nvSpPr>
+                    <p:spPr>
+                      <a:xfrm>
+                        <a:off x="8784990" y="3527071"/>
+                        <a:ext cx="240835" cy="345159"/>
+                      </a:xfrm>
+                      <a:prstGeom prst="rect">
+                        <a:avLst/>
+                      </a:prstGeom>
+                      <a:noFill/>
+                    </p:spPr>
+                    <p:txBody>
+                      <a:bodyPr wrap="none" lIns="0" tIns="0" rIns="0" bIns="0" rtlCol="0">
+                        <a:spAutoFit/>
+                      </a:bodyPr>
+                      <a:lstStyle/>
+                      <a:p>
+                        <a:pPr/>
+                        <a14:m>
+                          <m:oMathPara xmlns:m="http://schemas.openxmlformats.org/officeDocument/2006/math">
+                            <m:oMathParaPr>
+                              <m:jc m:val="centerGroup"/>
+                            </m:oMathParaPr>
+                            <m:oMath xmlns:m="http://schemas.openxmlformats.org/officeDocument/2006/math">
+                              <m:acc>
+                                <m:accPr>
+                                  <m:chr m:val="⃗"/>
+                                  <m:ctrlPr>
+                                    <a:rPr lang="en-US" sz="2000" b="0" i="1" smtClean="0">
+                                      <a:latin typeface="Cambria Math" panose="02040503050406030204" pitchFamily="18" charset="0"/>
+                                      <a:cs typeface="Arial" panose="020B0604020202020204" pitchFamily="34" charset="0"/>
+                                    </a:rPr>
+                                  </m:ctrlPr>
+                                </m:accPr>
+                                <m:e>
+                                  <m:r>
+                                    <a:rPr lang="en-US" sz="2000" b="0" i="1" smtClean="0">
+                                      <a:latin typeface="Cambria Math" panose="02040503050406030204" pitchFamily="18" charset="0"/>
+                                      <a:cs typeface="Arial" panose="020B0604020202020204" pitchFamily="34" charset="0"/>
+                                    </a:rPr>
+                                    <m:t>𝐸</m:t>
+                                  </m:r>
+                                </m:e>
+                              </m:acc>
+                            </m:oMath>
+                          </m:oMathPara>
+                        </a14:m>
+                        <a:endParaRPr lang="en-US" sz="2000" dirty="0" smtClean="0">
+                          <a:latin typeface="Arial" panose="020B0604020202020204" pitchFamily="34" charset="0"/>
+                          <a:cs typeface="Arial" panose="020B0604020202020204" pitchFamily="34" charset="0"/>
+                        </a:endParaRPr>
+                      </a:p>
+                    </p:txBody>
+                  </p:sp>
+                </mc:Choice>
+                <mc:Fallback xmlns="">
+                  <p:sp>
+                    <p:nvSpPr>
+                      <p:cNvPr id="413" name="TextBox 412"/>
+                      <p:cNvSpPr txBox="1">
+                        <a:spLocks noRot="1" noChangeAspect="1" noMove="1" noResize="1" noEditPoints="1" noAdjustHandles="1" noChangeArrowheads="1" noChangeShapeType="1" noTextEdit="1"/>
+                      </p:cNvSpPr>
+                      <p:nvPr/>
+                    </p:nvSpPr>
+                    <p:spPr>
+                      <a:xfrm>
+                        <a:off x="8784990" y="3527071"/>
+                        <a:ext cx="240835" cy="345159"/>
+                      </a:xfrm>
+                      <a:prstGeom prst="rect">
+                        <a:avLst/>
+                      </a:prstGeom>
+                      <a:blipFill>
+                        <a:blip r:embed="rId19"/>
+                        <a:stretch>
+                          <a:fillRect l="-23077" r="-17949" b="-7018"/>
+                        </a:stretch>
+                      </a:blipFill>
+                    </p:spPr>
+                    <p:txBody>
+                      <a:bodyPr/>
+                      <a:lstStyle/>
+                      <a:p>
+                        <a:r>
+                          <a:rPr lang="en-US">
+                            <a:noFill/>
+                          </a:rPr>
+                          <a:t> </a:t>
+                        </a:r>
+                      </a:p>
+                    </p:txBody>
+                  </p:sp>
+                </mc:Fallback>
+              </mc:AlternateContent>
+              <p:sp>
+                <p:nvSpPr>
+                  <p:cNvPr id="414" name="Parallelogram 413"/>
+                  <p:cNvSpPr/>
+                  <p:nvPr/>
+                </p:nvSpPr>
+                <p:spPr>
+                  <a:xfrm>
+                    <a:off x="7945813" y="4803261"/>
+                    <a:ext cx="294566" cy="82327"/>
+                  </a:xfrm>
+                  <a:prstGeom prst="parallelogram">
+                    <a:avLst>
+                      <a:gd name="adj" fmla="val 150714"/>
+                    </a:avLst>
+                  </a:prstGeom>
+                  <a:solidFill>
+                    <a:srgbClr val="C42A2A">
+                      <a:alpha val="58000"/>
+                    </a:srgbClr>
+                  </a:solidFill>
+                  <a:ln w="12700">
+                    <a:solidFill>
+                      <a:srgbClr val="FF0000"/>
+                    </a:solidFill>
+                  </a:ln>
+                </p:spPr>
+                <p:txBody>
+                  <a:bodyPr rot="0" spcFirstLastPara="0" vertOverflow="overflow" horzOverflow="overflow" vert="horz" wrap="square" lIns="91440" tIns="45720" rIns="91440" bIns="45720" numCol="1" spcCol="0" rtlCol="0" fromWordArt="0" anchor="ctr" anchorCtr="0" forceAA="0" compatLnSpc="1">
+                    <a:prstTxWarp prst="textNoShape">
+                      <a:avLst/>
+                    </a:prstTxWarp>
+                    <a:spAutoFit/>
+                  </a:bodyPr>
+                  <a:lstStyle/>
+                  <a:p>
+                    <a:pPr marL="234950" indent="-234950" algn="ctr" fontAlgn="t">
+                      <a:buFont typeface="Arial" panose="020B0604020202020204" pitchFamily="34" charset="0"/>
+                      <a:buChar char="•"/>
+                    </a:pPr>
+                    <a:endParaRPr lang="en-CA">
+                      <a:solidFill>
+                        <a:srgbClr val="353535"/>
+                      </a:solidFill>
+                      <a:latin typeface="arial" panose="020B0604020202020204" pitchFamily="34" charset="0"/>
+                    </a:endParaRPr>
+                  </a:p>
+                </p:txBody>
+              </p:sp>
+              <p:cxnSp>
+                <p:nvCxnSpPr>
+                  <p:cNvPr id="415" name="Straight Arrow Connector 414"/>
+                  <p:cNvCxnSpPr/>
+                  <p:nvPr/>
+                </p:nvCxnSpPr>
+                <p:spPr>
+                  <a:xfrm flipV="1">
+                    <a:off x="9063252" y="4030463"/>
+                    <a:ext cx="782034" cy="778083"/>
+                  </a:xfrm>
+                  <a:prstGeom prst="straightConnector1">
+                    <a:avLst/>
+                  </a:prstGeom>
+                  <a:ln w="28575">
+                    <a:solidFill>
+                      <a:schemeClr val="tx1"/>
+                    </a:solidFill>
+                    <a:tailEnd type="triangle"/>
+                  </a:ln>
+                </p:spPr>
+                <p:style>
+                  <a:lnRef idx="1">
+                    <a:schemeClr val="accent1"/>
+                  </a:lnRef>
+                  <a:fillRef idx="0">
+                    <a:schemeClr val="accent1"/>
+                  </a:fillRef>
+                  <a:effectRef idx="0">
+                    <a:schemeClr val="accent1"/>
+                  </a:effectRef>
+                  <a:fontRef idx="minor">
+                    <a:schemeClr val="tx1"/>
+                  </a:fontRef>
+                </p:style>
+              </p:cxnSp>
+              <p:cxnSp>
+                <p:nvCxnSpPr>
+                  <p:cNvPr id="416" name="Straight Arrow Connector 415"/>
+                  <p:cNvCxnSpPr/>
+                  <p:nvPr/>
+                </p:nvCxnSpPr>
+                <p:spPr>
+                  <a:xfrm flipV="1">
+                    <a:off x="9340761" y="4307169"/>
+                    <a:ext cx="587366" cy="405278"/>
+                  </a:xfrm>
+                  <a:prstGeom prst="straightConnector1">
+                    <a:avLst/>
+                  </a:prstGeom>
+                  <a:ln w="19050">
+                    <a:solidFill>
+                      <a:schemeClr val="tx1"/>
+                    </a:solidFill>
+                    <a:tailEnd type="triangle"/>
+                  </a:ln>
+                </p:spPr>
+                <p:style>
+                  <a:lnRef idx="1">
+                    <a:schemeClr val="accent1"/>
+                  </a:lnRef>
+                  <a:fillRef idx="0">
+                    <a:schemeClr val="accent1"/>
+                  </a:fillRef>
+                  <a:effectRef idx="0">
+                    <a:schemeClr val="accent1"/>
+                  </a:effectRef>
+                  <a:fontRef idx="minor">
+                    <a:schemeClr val="tx1"/>
+                  </a:fontRef>
+                </p:style>
+              </p:cxnSp>
+              <p:cxnSp>
+                <p:nvCxnSpPr>
+                  <p:cNvPr id="417" name="Straight Arrow Connector 416"/>
+                  <p:cNvCxnSpPr/>
+                  <p:nvPr/>
+                </p:nvCxnSpPr>
+                <p:spPr>
+                  <a:xfrm flipH="1" flipV="1">
+                    <a:off x="8387511" y="4106284"/>
+                    <a:ext cx="254857" cy="606422"/>
+                  </a:xfrm>
+                  <a:prstGeom prst="straightConnector1">
+                    <a:avLst/>
+                  </a:prstGeom>
+                  <a:ln w="19050">
+                    <a:solidFill>
+                      <a:schemeClr val="tx1"/>
+                    </a:solidFill>
+                    <a:tailEnd type="triangle"/>
+                  </a:ln>
+                </p:spPr>
+                <p:style>
+                  <a:lnRef idx="1">
+                    <a:schemeClr val="accent1"/>
+                  </a:lnRef>
+                  <a:fillRef idx="0">
+                    <a:schemeClr val="accent1"/>
+                  </a:fillRef>
+                  <a:effectRef idx="0">
+                    <a:schemeClr val="accent1"/>
+                  </a:effectRef>
+                  <a:fontRef idx="minor">
+                    <a:schemeClr val="tx1"/>
+                  </a:fontRef>
+                </p:style>
+              </p:cxnSp>
+              <p:cxnSp>
+                <p:nvCxnSpPr>
+                  <p:cNvPr id="418" name="Straight Arrow Connector 417"/>
+                  <p:cNvCxnSpPr/>
+                  <p:nvPr/>
+                </p:nvCxnSpPr>
+                <p:spPr>
+                  <a:xfrm flipV="1">
+                    <a:off x="8938388" y="4106900"/>
+                    <a:ext cx="284508" cy="629478"/>
+                  </a:xfrm>
+                  <a:prstGeom prst="straightConnector1">
+                    <a:avLst/>
+                  </a:prstGeom>
+                  <a:ln w="19050">
+                    <a:solidFill>
+                      <a:schemeClr val="tx1"/>
+                    </a:solidFill>
+                    <a:tailEnd type="triangle"/>
+                  </a:ln>
+                </p:spPr>
+                <p:style>
+                  <a:lnRef idx="1">
+                    <a:schemeClr val="accent1"/>
+                  </a:lnRef>
+                  <a:fillRef idx="0">
+                    <a:schemeClr val="accent1"/>
+                  </a:fillRef>
+                  <a:effectRef idx="0">
+                    <a:schemeClr val="accent1"/>
+                  </a:effectRef>
+                  <a:fontRef idx="minor">
+                    <a:schemeClr val="tx1"/>
+                  </a:fontRef>
+                </p:style>
+              </p:cxnSp>
+              <p:cxnSp>
+                <p:nvCxnSpPr>
+                  <p:cNvPr id="419" name="Straight Arrow Connector 418"/>
+                  <p:cNvCxnSpPr/>
+                  <p:nvPr/>
+                </p:nvCxnSpPr>
+                <p:spPr>
+                  <a:xfrm flipH="1" flipV="1">
+                    <a:off x="7658995" y="4315016"/>
+                    <a:ext cx="581248" cy="405227"/>
+                  </a:xfrm>
+                  <a:prstGeom prst="straightConnector1">
+                    <a:avLst/>
+                  </a:prstGeom>
+                  <a:ln w="19050">
+                    <a:solidFill>
+                      <a:schemeClr val="tx1"/>
+                    </a:solidFill>
+                    <a:tailEnd type="triangle"/>
+                  </a:ln>
+                </p:spPr>
+                <p:style>
+                  <a:lnRef idx="1">
+                    <a:schemeClr val="accent1"/>
+                  </a:lnRef>
+                  <a:fillRef idx="0">
+                    <a:schemeClr val="accent1"/>
+                  </a:fillRef>
+                  <a:effectRef idx="0">
+                    <a:schemeClr val="accent1"/>
+                  </a:effectRef>
+                  <a:fontRef idx="minor">
+                    <a:schemeClr val="tx1"/>
+                  </a:fontRef>
+                </p:style>
+              </p:cxnSp>
+              <p:cxnSp>
+                <p:nvCxnSpPr>
+                  <p:cNvPr id="420" name="Straight Arrow Connector 419"/>
+                  <p:cNvCxnSpPr/>
+                  <p:nvPr/>
+                </p:nvCxnSpPr>
+                <p:spPr>
+                  <a:xfrm flipH="1" flipV="1">
+                    <a:off x="7202176" y="4541736"/>
+                    <a:ext cx="879652" cy="293513"/>
+                  </a:xfrm>
+                  <a:prstGeom prst="straightConnector1">
+                    <a:avLst/>
+                  </a:prstGeom>
+                  <a:ln w="28575">
+                    <a:solidFill>
+                      <a:schemeClr val="tx1"/>
+                    </a:solidFill>
+                    <a:tailEnd type="triangle"/>
+                  </a:ln>
+                </p:spPr>
+                <p:style>
+                  <a:lnRef idx="1">
+                    <a:schemeClr val="accent1"/>
+                  </a:lnRef>
+                  <a:fillRef idx="0">
+                    <a:schemeClr val="accent1"/>
+                  </a:fillRef>
+                  <a:effectRef idx="0">
+                    <a:schemeClr val="accent1"/>
+                  </a:effectRef>
+                  <a:fontRef idx="minor">
+                    <a:schemeClr val="tx1"/>
+                  </a:fontRef>
+                </p:style>
+              </p:cxnSp>
+              <p:sp>
+                <p:nvSpPr>
+                  <p:cNvPr id="421" name="Parallelogram 420"/>
+                  <p:cNvSpPr/>
+                  <p:nvPr/>
+                </p:nvSpPr>
+                <p:spPr>
+                  <a:xfrm>
+                    <a:off x="8389857" y="4755228"/>
+                    <a:ext cx="294566" cy="82327"/>
+                  </a:xfrm>
+                  <a:prstGeom prst="parallelogram">
+                    <a:avLst>
+                      <a:gd name="adj" fmla="val 150714"/>
+                    </a:avLst>
+                  </a:prstGeom>
+                  <a:solidFill>
+                    <a:srgbClr val="C42A2A">
+                      <a:alpha val="58000"/>
+                    </a:srgbClr>
+                  </a:solidFill>
+                  <a:ln w="12700">
+                    <a:solidFill>
+                      <a:srgbClr val="FF0000"/>
+                    </a:solidFill>
+                  </a:ln>
+                </p:spPr>
+                <p:txBody>
+                  <a:bodyPr rot="0" spcFirstLastPara="0" vertOverflow="overflow" horzOverflow="overflow" vert="horz" wrap="square" lIns="91440" tIns="45720" rIns="91440" bIns="45720" numCol="1" spcCol="0" rtlCol="0" fromWordArt="0" anchor="ctr" anchorCtr="0" forceAA="0" compatLnSpc="1">
+                    <a:prstTxWarp prst="textNoShape">
+                      <a:avLst/>
+                    </a:prstTxWarp>
+                    <a:spAutoFit/>
+                  </a:bodyPr>
+                  <a:lstStyle/>
+                  <a:p>
+                    <a:pPr marL="234950" indent="-234950" algn="ctr" fontAlgn="t">
+                      <a:buFont typeface="Arial" panose="020B0604020202020204" pitchFamily="34" charset="0"/>
+                      <a:buChar char="•"/>
+                    </a:pPr>
+                    <a:endParaRPr lang="en-CA">
+                      <a:solidFill>
+                        <a:srgbClr val="353535"/>
+                      </a:solidFill>
+                      <a:latin typeface="arial" panose="020B0604020202020204" pitchFamily="34" charset="0"/>
+                    </a:endParaRPr>
+                  </a:p>
+                </p:txBody>
+              </p:sp>
+              <p:sp>
+                <p:nvSpPr>
+                  <p:cNvPr id="422" name="Parallelogram 421"/>
+                  <p:cNvSpPr/>
+                  <p:nvPr/>
+                </p:nvSpPr>
+                <p:spPr>
+                  <a:xfrm>
+                    <a:off x="9177084" y="4797668"/>
+                    <a:ext cx="294566" cy="82327"/>
+                  </a:xfrm>
+                  <a:prstGeom prst="parallelogram">
+                    <a:avLst>
+                      <a:gd name="adj" fmla="val 150714"/>
+                    </a:avLst>
+                  </a:prstGeom>
+                  <a:solidFill>
+                    <a:srgbClr val="C42A2A">
+                      <a:alpha val="58000"/>
+                    </a:srgbClr>
+                  </a:solidFill>
+                  <a:ln w="12700">
+                    <a:solidFill>
+                      <a:srgbClr val="FF0000"/>
+                    </a:solidFill>
+                  </a:ln>
+                </p:spPr>
+                <p:txBody>
+                  <a:bodyPr rot="0" spcFirstLastPara="0" vertOverflow="overflow" horzOverflow="overflow" vert="horz" wrap="square" lIns="91440" tIns="45720" rIns="91440" bIns="45720" numCol="1" spcCol="0" rtlCol="0" fromWordArt="0" anchor="ctr" anchorCtr="0" forceAA="0" compatLnSpc="1">
+                    <a:prstTxWarp prst="textNoShape">
+                      <a:avLst/>
+                    </a:prstTxWarp>
+                    <a:spAutoFit/>
+                  </a:bodyPr>
+                  <a:lstStyle/>
+                  <a:p>
+                    <a:pPr marL="234950" indent="-234950" algn="ctr" fontAlgn="t">
+                      <a:buFont typeface="Arial" panose="020B0604020202020204" pitchFamily="34" charset="0"/>
+                      <a:buChar char="•"/>
+                    </a:pPr>
+                    <a:endParaRPr lang="en-CA">
+                      <a:solidFill>
+                        <a:srgbClr val="353535"/>
+                      </a:solidFill>
+                      <a:latin typeface="arial" panose="020B0604020202020204" pitchFamily="34" charset="0"/>
+                    </a:endParaRPr>
+                  </a:p>
+                </p:txBody>
+              </p:sp>
+              <p:cxnSp>
+                <p:nvCxnSpPr>
+                  <p:cNvPr id="423" name="Straight Arrow Connector 422"/>
+                  <p:cNvCxnSpPr/>
+                  <p:nvPr/>
+                </p:nvCxnSpPr>
+                <p:spPr>
+                  <a:xfrm flipH="1" flipV="1">
+                    <a:off x="7783580" y="4060819"/>
+                    <a:ext cx="775592" cy="776736"/>
+                  </a:xfrm>
+                  <a:prstGeom prst="straightConnector1">
+                    <a:avLst/>
+                  </a:prstGeom>
+                  <a:ln w="28575">
+                    <a:solidFill>
+                      <a:schemeClr val="tx1"/>
+                    </a:solidFill>
+                    <a:tailEnd type="triangle"/>
+                  </a:ln>
+                </p:spPr>
+                <p:style>
+                  <a:lnRef idx="1">
+                    <a:schemeClr val="accent1"/>
+                  </a:lnRef>
+                  <a:fillRef idx="0">
+                    <a:schemeClr val="accent1"/>
+                  </a:fillRef>
+                  <a:effectRef idx="0">
+                    <a:schemeClr val="accent1"/>
+                  </a:effectRef>
+                  <a:fontRef idx="minor">
+                    <a:schemeClr val="tx1"/>
+                  </a:fontRef>
+                </p:style>
+              </p:cxnSp>
+              <p:cxnSp>
+                <p:nvCxnSpPr>
+                  <p:cNvPr id="424" name="Straight Arrow Connector 423"/>
+                  <p:cNvCxnSpPr/>
+                  <p:nvPr/>
+                </p:nvCxnSpPr>
+                <p:spPr>
+                  <a:xfrm flipV="1">
+                    <a:off x="9340761" y="4441137"/>
+                    <a:ext cx="962852" cy="405497"/>
+                  </a:xfrm>
+                  <a:prstGeom prst="straightConnector1">
+                    <a:avLst/>
+                  </a:prstGeom>
+                  <a:ln w="28575">
+                    <a:solidFill>
+                      <a:schemeClr val="tx1"/>
+                    </a:solidFill>
+                    <a:tailEnd type="triangle"/>
+                  </a:ln>
+                </p:spPr>
+                <p:style>
+                  <a:lnRef idx="1">
+                    <a:schemeClr val="accent1"/>
+                  </a:lnRef>
+                  <a:fillRef idx="0">
+                    <a:schemeClr val="accent1"/>
+                  </a:fillRef>
+                  <a:effectRef idx="0">
+                    <a:schemeClr val="accent1"/>
+                  </a:effectRef>
+                  <a:fontRef idx="minor">
+                    <a:schemeClr val="tx1"/>
+                  </a:fontRef>
+                </p:style>
+              </p:cxnSp>
+              <mc:AlternateContent xmlns:mc="http://schemas.openxmlformats.org/markup-compatibility/2006" xmlns:a14="http://schemas.microsoft.com/office/drawing/2010/main">
+                <mc:Choice Requires="a14">
+                  <p:sp>
+                    <p:nvSpPr>
+                      <p:cNvPr id="425" name="Rectangle 424"/>
+                      <p:cNvSpPr/>
+                      <p:nvPr/>
+                    </p:nvSpPr>
+                    <p:spPr>
+                      <a:xfrm>
+                        <a:off x="7936290" y="3986035"/>
+                        <a:ext cx="538929" cy="403765"/>
+                      </a:xfrm>
+                      <a:prstGeom prst="rect">
+                        <a:avLst/>
+                      </a:prstGeom>
+                    </p:spPr>
+                    <p:txBody>
+                      <a:bodyPr wrap="none">
+                        <a:spAutoFit/>
+                      </a:bodyPr>
+                      <a:lstStyle/>
+                      <a:p>
+                        <a:pPr/>
+                        <a14:m>
+                          <m:oMathPara xmlns:m="http://schemas.openxmlformats.org/officeDocument/2006/math">
+                            <m:oMathParaPr>
+                              <m:jc m:val="centerGroup"/>
+                            </m:oMathParaPr>
+                            <m:oMath xmlns:m="http://schemas.openxmlformats.org/officeDocument/2006/math">
+                              <m:r>
+                                <a:rPr lang="en-US" b="1" i="1" smtClean="0">
+                                  <a:solidFill>
+                                    <a:srgbClr val="FF0000"/>
+                                  </a:solidFill>
+                                  <a:latin typeface="Cambria Math" panose="02040503050406030204" pitchFamily="18" charset="0"/>
+                                </a:rPr>
+                                <m:t>𝒅</m:t>
+                              </m:r>
+                              <m:acc>
+                                <m:accPr>
+                                  <m:chr m:val="⃗"/>
+                                  <m:ctrlPr>
+                                    <a:rPr lang="en-US" b="1" i="1" smtClean="0">
+                                      <a:solidFill>
+                                        <a:srgbClr val="FF0000"/>
+                                      </a:solidFill>
+                                      <a:latin typeface="Cambria Math" panose="02040503050406030204" pitchFamily="18" charset="0"/>
+                                    </a:rPr>
+                                  </m:ctrlPr>
+                                </m:accPr>
+                                <m:e>
+                                  <m:r>
+                                    <a:rPr lang="en-US" b="1" i="1">
+                                      <a:solidFill>
+                                        <a:srgbClr val="FF0000"/>
+                                      </a:solidFill>
+                                      <a:latin typeface="Cambria Math" panose="02040503050406030204" pitchFamily="18" charset="0"/>
+                                    </a:rPr>
+                                    <m:t>𝑨</m:t>
+                                  </m:r>
+                                </m:e>
+                              </m:acc>
+                            </m:oMath>
+                          </m:oMathPara>
+                        </a14:m>
+                        <a:endParaRPr lang="en-CA" b="1" dirty="0">
+                          <a:solidFill>
+                            <a:srgbClr val="FF0000"/>
+                          </a:solidFill>
+                        </a:endParaRPr>
+                      </a:p>
+                    </p:txBody>
+                  </p:sp>
+                </mc:Choice>
+                <mc:Fallback xmlns="">
+                  <p:sp>
+                    <p:nvSpPr>
+                      <p:cNvPr id="425" name="Rectangle 424"/>
+                      <p:cNvSpPr>
+                        <a:spLocks noRot="1" noChangeAspect="1" noMove="1" noResize="1" noEditPoints="1" noAdjustHandles="1" noChangeArrowheads="1" noChangeShapeType="1" noTextEdit="1"/>
+                      </p:cNvSpPr>
+                      <p:nvPr/>
+                    </p:nvSpPr>
+                    <p:spPr>
+                      <a:xfrm>
+                        <a:off x="7936290" y="3986035"/>
+                        <a:ext cx="538929" cy="403765"/>
+                      </a:xfrm>
+                      <a:prstGeom prst="rect">
+                        <a:avLst/>
+                      </a:prstGeom>
+                      <a:blipFill>
+                        <a:blip r:embed="rId20"/>
+                        <a:stretch>
+                          <a:fillRect/>
+                        </a:stretch>
+                      </a:blipFill>
+                    </p:spPr>
+                    <p:txBody>
+                      <a:bodyPr/>
+                      <a:lstStyle/>
+                      <a:p>
+                        <a:r>
+                          <a:rPr lang="en-US">
+                            <a:noFill/>
+                          </a:rPr>
+                          <a:t> </a:t>
+                        </a:r>
+                      </a:p>
+                    </p:txBody>
+                  </p:sp>
+                </mc:Fallback>
+              </mc:AlternateContent>
+              <p:cxnSp>
+                <p:nvCxnSpPr>
+                  <p:cNvPr id="426" name="Straight Arrow Connector 425"/>
+                  <p:cNvCxnSpPr/>
+                  <p:nvPr/>
+                </p:nvCxnSpPr>
+                <p:spPr>
+                  <a:xfrm flipV="1">
+                    <a:off x="8075706" y="4356805"/>
+                    <a:ext cx="8681" cy="485801"/>
+                  </a:xfrm>
+                  <a:prstGeom prst="straightConnector1">
+                    <a:avLst/>
+                  </a:prstGeom>
+                  <a:ln w="38100">
+                    <a:solidFill>
+                      <a:srgbClr val="FF0000"/>
+                    </a:solidFill>
+                    <a:tailEnd type="triangle"/>
+                  </a:ln>
+                </p:spPr>
+                <p:style>
+                  <a:lnRef idx="1">
+                    <a:schemeClr val="accent1"/>
+                  </a:lnRef>
+                  <a:fillRef idx="0">
+                    <a:schemeClr val="accent1"/>
+                  </a:fillRef>
+                  <a:effectRef idx="0">
+                    <a:schemeClr val="accent1"/>
+                  </a:effectRef>
+                  <a:fontRef idx="minor">
+                    <a:schemeClr val="tx1"/>
+                  </a:fontRef>
+                </p:style>
+              </p:cxnSp>
+              <p:cxnSp>
+                <p:nvCxnSpPr>
+                  <p:cNvPr id="427" name="Straight Arrow Connector 426"/>
+                  <p:cNvCxnSpPr/>
+                  <p:nvPr/>
+                </p:nvCxnSpPr>
+                <p:spPr>
+                  <a:xfrm flipV="1">
+                    <a:off x="8519620" y="4312365"/>
+                    <a:ext cx="8681" cy="485801"/>
+                  </a:xfrm>
+                  <a:prstGeom prst="straightConnector1">
+                    <a:avLst/>
+                  </a:prstGeom>
+                  <a:ln w="38100">
+                    <a:solidFill>
+                      <a:srgbClr val="FF0000"/>
+                    </a:solidFill>
+                    <a:tailEnd type="triangle"/>
+                  </a:ln>
+                </p:spPr>
+                <p:style>
+                  <a:lnRef idx="1">
+                    <a:schemeClr val="accent1"/>
+                  </a:lnRef>
+                  <a:fillRef idx="0">
+                    <a:schemeClr val="accent1"/>
+                  </a:fillRef>
+                  <a:effectRef idx="0">
+                    <a:schemeClr val="accent1"/>
+                  </a:effectRef>
+                  <a:fontRef idx="minor">
+                    <a:schemeClr val="tx1"/>
+                  </a:fontRef>
+                </p:style>
+              </p:cxnSp>
+              <p:cxnSp>
+                <p:nvCxnSpPr>
+                  <p:cNvPr id="428" name="Straight Arrow Connector 427"/>
+                  <p:cNvCxnSpPr/>
+                  <p:nvPr/>
+                </p:nvCxnSpPr>
+                <p:spPr>
+                  <a:xfrm flipV="1">
+                    <a:off x="9327211" y="4375819"/>
+                    <a:ext cx="8681" cy="485801"/>
+                  </a:xfrm>
+                  <a:prstGeom prst="straightConnector1">
+                    <a:avLst/>
+                  </a:prstGeom>
+                  <a:ln w="38100">
+                    <a:solidFill>
+                      <a:srgbClr val="FF0000"/>
+                    </a:solidFill>
+                    <a:tailEnd type="triangle"/>
+                  </a:ln>
+                </p:spPr>
+                <p:style>
+                  <a:lnRef idx="1">
+                    <a:schemeClr val="accent1"/>
+                  </a:lnRef>
+                  <a:fillRef idx="0">
+                    <a:schemeClr val="accent1"/>
+                  </a:fillRef>
+                  <a:effectRef idx="0">
+                    <a:schemeClr val="accent1"/>
+                  </a:effectRef>
+                  <a:fontRef idx="minor">
+                    <a:schemeClr val="tx1"/>
+                  </a:fontRef>
+                </p:style>
+              </p:cxnSp>
+              <mc:AlternateContent xmlns:mc="http://schemas.openxmlformats.org/markup-compatibility/2006" xmlns:a14="http://schemas.microsoft.com/office/drawing/2010/main">
+                <mc:Choice Requires="a14">
+                  <p:sp>
+                    <p:nvSpPr>
+                      <p:cNvPr id="429" name="Rectangle 428"/>
+                      <p:cNvSpPr/>
+                      <p:nvPr/>
+                    </p:nvSpPr>
+                    <p:spPr>
+                      <a:xfrm>
+                        <a:off x="8356771" y="3964661"/>
+                        <a:ext cx="538929" cy="403765"/>
+                      </a:xfrm>
+                      <a:prstGeom prst="rect">
+                        <a:avLst/>
+                      </a:prstGeom>
+                    </p:spPr>
+                    <p:txBody>
+                      <a:bodyPr wrap="none">
+                        <a:spAutoFit/>
+                      </a:bodyPr>
+                      <a:lstStyle/>
+                      <a:p>
+                        <a:pPr/>
+                        <a14:m>
+                          <m:oMathPara xmlns:m="http://schemas.openxmlformats.org/officeDocument/2006/math">
+                            <m:oMathParaPr>
+                              <m:jc m:val="centerGroup"/>
+                            </m:oMathParaPr>
+                            <m:oMath xmlns:m="http://schemas.openxmlformats.org/officeDocument/2006/math">
+                              <m:r>
+                                <a:rPr lang="en-US" b="1" i="1" smtClean="0">
+                                  <a:solidFill>
+                                    <a:srgbClr val="FF0000"/>
+                                  </a:solidFill>
+                                  <a:latin typeface="Cambria Math" panose="02040503050406030204" pitchFamily="18" charset="0"/>
+                                </a:rPr>
+                                <m:t>𝒅</m:t>
+                              </m:r>
+                              <m:acc>
+                                <m:accPr>
+                                  <m:chr m:val="⃗"/>
+                                  <m:ctrlPr>
+                                    <a:rPr lang="en-US" b="1" i="1" smtClean="0">
+                                      <a:solidFill>
+                                        <a:srgbClr val="FF0000"/>
+                                      </a:solidFill>
+                                      <a:latin typeface="Cambria Math" panose="02040503050406030204" pitchFamily="18" charset="0"/>
+                                    </a:rPr>
+                                  </m:ctrlPr>
+                                </m:accPr>
+                                <m:e>
+                                  <m:r>
+                                    <a:rPr lang="en-US" b="1" i="1">
+                                      <a:solidFill>
+                                        <a:srgbClr val="FF0000"/>
+                                      </a:solidFill>
+                                      <a:latin typeface="Cambria Math" panose="02040503050406030204" pitchFamily="18" charset="0"/>
+                                    </a:rPr>
+                                    <m:t>𝑨</m:t>
+                                  </m:r>
+                                </m:e>
+                              </m:acc>
+                            </m:oMath>
+                          </m:oMathPara>
+                        </a14:m>
+                        <a:endParaRPr lang="en-CA" b="1" dirty="0">
+                          <a:solidFill>
+                            <a:srgbClr val="FF0000"/>
+                          </a:solidFill>
+                        </a:endParaRPr>
+                      </a:p>
+                    </p:txBody>
+                  </p:sp>
+                </mc:Choice>
+                <mc:Fallback xmlns="">
+                  <p:sp>
+                    <p:nvSpPr>
+                      <p:cNvPr id="429" name="Rectangle 428"/>
+                      <p:cNvSpPr>
+                        <a:spLocks noRot="1" noChangeAspect="1" noMove="1" noResize="1" noEditPoints="1" noAdjustHandles="1" noChangeArrowheads="1" noChangeShapeType="1" noTextEdit="1"/>
+                      </p:cNvSpPr>
+                      <p:nvPr/>
+                    </p:nvSpPr>
+                    <p:spPr>
+                      <a:xfrm>
+                        <a:off x="8356771" y="3964661"/>
+                        <a:ext cx="538929" cy="403765"/>
+                      </a:xfrm>
+                      <a:prstGeom prst="rect">
+                        <a:avLst/>
+                      </a:prstGeom>
+                      <a:blipFill>
+                        <a:blip r:embed="rId21"/>
+                        <a:stretch>
+                          <a:fillRect/>
+                        </a:stretch>
+                      </a:blipFill>
+                    </p:spPr>
+                    <p:txBody>
+                      <a:bodyPr/>
+                      <a:lstStyle/>
+                      <a:p>
+                        <a:r>
+                          <a:rPr lang="en-US">
+                            <a:noFill/>
+                          </a:rPr>
+                          <a:t> </a:t>
+                        </a:r>
+                      </a:p>
+                    </p:txBody>
+                  </p:sp>
+                </mc:Fallback>
+              </mc:AlternateContent>
+              <mc:AlternateContent xmlns:mc="http://schemas.openxmlformats.org/markup-compatibility/2006" xmlns:a14="http://schemas.microsoft.com/office/drawing/2010/main">
+                <mc:Choice Requires="a14">
+                  <p:sp>
+                    <p:nvSpPr>
+                      <p:cNvPr id="430" name="Rectangle 429"/>
+                      <p:cNvSpPr/>
+                      <p:nvPr/>
+                    </p:nvSpPr>
+                    <p:spPr>
+                      <a:xfrm>
+                        <a:off x="9143987" y="3966256"/>
+                        <a:ext cx="538929" cy="403765"/>
+                      </a:xfrm>
+                      <a:prstGeom prst="rect">
+                        <a:avLst/>
+                      </a:prstGeom>
+                    </p:spPr>
+                    <p:txBody>
+                      <a:bodyPr wrap="none">
+                        <a:spAutoFit/>
+                      </a:bodyPr>
+                      <a:lstStyle/>
+                      <a:p>
+                        <a:pPr/>
+                        <a14:m>
+                          <m:oMathPara xmlns:m="http://schemas.openxmlformats.org/officeDocument/2006/math">
+                            <m:oMathParaPr>
+                              <m:jc m:val="centerGroup"/>
+                            </m:oMathParaPr>
+                            <m:oMath xmlns:m="http://schemas.openxmlformats.org/officeDocument/2006/math">
+                              <m:r>
+                                <a:rPr lang="en-US" b="1" i="1" smtClean="0">
+                                  <a:solidFill>
+                                    <a:srgbClr val="FF0000"/>
+                                  </a:solidFill>
+                                  <a:latin typeface="Cambria Math" panose="02040503050406030204" pitchFamily="18" charset="0"/>
+                                </a:rPr>
+                                <m:t>𝒅</m:t>
+                              </m:r>
+                              <m:acc>
+                                <m:accPr>
+                                  <m:chr m:val="⃗"/>
+                                  <m:ctrlPr>
+                                    <a:rPr lang="en-US" b="1" i="1" smtClean="0">
+                                      <a:solidFill>
+                                        <a:srgbClr val="FF0000"/>
+                                      </a:solidFill>
+                                      <a:latin typeface="Cambria Math" panose="02040503050406030204" pitchFamily="18" charset="0"/>
+                                    </a:rPr>
+                                  </m:ctrlPr>
+                                </m:accPr>
+                                <m:e>
+                                  <m:r>
+                                    <a:rPr lang="en-US" b="1" i="1">
+                                      <a:solidFill>
+                                        <a:srgbClr val="FF0000"/>
+                                      </a:solidFill>
+                                      <a:latin typeface="Cambria Math" panose="02040503050406030204" pitchFamily="18" charset="0"/>
+                                    </a:rPr>
+                                    <m:t>𝑨</m:t>
+                                  </m:r>
+                                </m:e>
+                              </m:acc>
+                            </m:oMath>
+                          </m:oMathPara>
+                        </a14:m>
+                        <a:endParaRPr lang="en-CA" b="1" dirty="0">
+                          <a:solidFill>
+                            <a:srgbClr val="FF0000"/>
+                          </a:solidFill>
+                        </a:endParaRPr>
+                      </a:p>
+                    </p:txBody>
+                  </p:sp>
+                </mc:Choice>
+                <mc:Fallback xmlns="">
+                  <p:sp>
+                    <p:nvSpPr>
+                      <p:cNvPr id="430" name="Rectangle 429"/>
+                      <p:cNvSpPr>
+                        <a:spLocks noRot="1" noChangeAspect="1" noMove="1" noResize="1" noEditPoints="1" noAdjustHandles="1" noChangeArrowheads="1" noChangeShapeType="1" noTextEdit="1"/>
+                      </p:cNvSpPr>
+                      <p:nvPr/>
+                    </p:nvSpPr>
+                    <p:spPr>
+                      <a:xfrm>
+                        <a:off x="9143987" y="3966256"/>
+                        <a:ext cx="538929" cy="403765"/>
+                      </a:xfrm>
+                      <a:prstGeom prst="rect">
+                        <a:avLst/>
+                      </a:prstGeom>
+                      <a:blipFill>
+                        <a:blip r:embed="rId22"/>
+                        <a:stretch>
+                          <a:fillRect/>
+                        </a:stretch>
+                      </a:blipFill>
+                    </p:spPr>
+                    <p:txBody>
+                      <a:bodyPr/>
+                      <a:lstStyle/>
+                      <a:p>
+                        <a:r>
+                          <a:rPr lang="en-US">
+                            <a:noFill/>
+                          </a:rPr>
+                          <a:t> </a:t>
+                        </a:r>
+                      </a:p>
+                    </p:txBody>
+                  </p:sp>
+                </mc:Fallback>
+              </mc:AlternateContent>
+            </p:grpSp>
+          </p:grpSp>
         </p:grpSp>
+        <mc:AlternateContent xmlns:mc="http://schemas.openxmlformats.org/markup-compatibility/2006">
+          <mc:Choice xmlns:a14="http://schemas.microsoft.com/office/drawing/2010/main" Requires="a14">
+            <p:sp>
+              <p:nvSpPr>
+                <p:cNvPr id="2" name="TextBox 1"/>
+                <p:cNvSpPr txBox="1"/>
+                <p:nvPr/>
+              </p:nvSpPr>
+              <p:spPr>
+                <a:xfrm>
+                  <a:off x="5704376" y="4981234"/>
+                  <a:ext cx="211788" cy="307777"/>
+                </a:xfrm>
+                <a:prstGeom prst="rect">
+                  <a:avLst/>
+                </a:prstGeom>
+                <a:noFill/>
+              </p:spPr>
+              <p:txBody>
+                <a:bodyPr wrap="none" lIns="0" tIns="0" rIns="0" bIns="0" rtlCol="0">
+                  <a:spAutoFit/>
+                </a:bodyPr>
+                <a:lstStyle/>
+                <a:p>
+                  <a14:m>
+                    <m:oMathPara xmlns:m="http://schemas.openxmlformats.org/officeDocument/2006/math">
+                      <m:oMathParaPr>
+                        <m:jc m:val="centerGroup"/>
+                      </m:oMathParaPr>
+                      <m:oMath xmlns:m="http://schemas.openxmlformats.org/officeDocument/2006/math">
+                        <m:r>
+                          <a:rPr lang="en-US" sz="2000" b="0" i="1" smtClean="0">
+                            <a:solidFill>
+                              <a:srgbClr val="FF0000"/>
+                            </a:solidFill>
+                            <a:latin typeface="Cambria Math" panose="02040503050406030204" pitchFamily="18" charset="0"/>
+                            <a:cs typeface="Arial" panose="020B0604020202020204" pitchFamily="34" charset="0"/>
+                          </a:rPr>
+                          <m:t>𝑆</m:t>
+                        </m:r>
+                      </m:oMath>
+                    </m:oMathPara>
+                  </a14:m>
+                  <a:endParaRPr lang="en-US" sz="2000" dirty="0" smtClean="0">
+                    <a:solidFill>
+                      <a:srgbClr val="FF0000"/>
+                    </a:solidFill>
+                    <a:latin typeface="Arial" panose="020B0604020202020204" pitchFamily="34" charset="0"/>
+                    <a:cs typeface="Arial" panose="020B0604020202020204" pitchFamily="34" charset="0"/>
+                  </a:endParaRPr>
+                </a:p>
+              </p:txBody>
+            </p:sp>
+          </mc:Choice>
+          <mc:Fallback>
+            <p:sp>
+              <p:nvSpPr>
+                <p:cNvPr id="2" name="TextBox 1"/>
+                <p:cNvSpPr txBox="1">
+                  <a:spLocks noRot="1" noChangeAspect="1" noMove="1" noResize="1" noEditPoints="1" noAdjustHandles="1" noChangeArrowheads="1" noChangeShapeType="1" noTextEdit="1"/>
+                </p:cNvSpPr>
+                <p:nvPr/>
+              </p:nvSpPr>
+              <p:spPr>
+                <a:xfrm>
+                  <a:off x="5704376" y="4981234"/>
+                  <a:ext cx="211788" cy="307777"/>
+                </a:xfrm>
+                <a:prstGeom prst="rect">
+                  <a:avLst/>
+                </a:prstGeom>
+                <a:blipFill>
+                  <a:blip r:embed="rId23"/>
+                  <a:stretch>
+                    <a:fillRect l="-26471" r="-23529" b="-9804"/>
+                  </a:stretch>
+                </a:blipFill>
+              </p:spPr>
+              <p:txBody>
+                <a:bodyPr/>
+                <a:lstStyle/>
+                <a:p>
+                  <a:r>
+                    <a:rPr lang="en-US">
+                      <a:noFill/>
+                    </a:rPr>
+                    <a:t> </a:t>
+                  </a:r>
+                </a:p>
+              </p:txBody>
+            </p:sp>
+          </mc:Fallback>
+        </mc:AlternateContent>
+        <mc:AlternateContent xmlns:mc="http://schemas.openxmlformats.org/markup-compatibility/2006">
+          <mc:Choice xmlns:a14="http://schemas.microsoft.com/office/drawing/2010/main" Requires="a14">
+            <p:sp>
+              <p:nvSpPr>
+                <p:cNvPr id="152" name="TextBox 151"/>
+                <p:cNvSpPr txBox="1"/>
+                <p:nvPr/>
+              </p:nvSpPr>
+              <p:spPr>
+                <a:xfrm>
+                  <a:off x="7030509" y="4962676"/>
+                  <a:ext cx="211788" cy="307777"/>
+                </a:xfrm>
+                <a:prstGeom prst="rect">
+                  <a:avLst/>
+                </a:prstGeom>
+                <a:noFill/>
+              </p:spPr>
+              <p:txBody>
+                <a:bodyPr wrap="none" lIns="0" tIns="0" rIns="0" bIns="0" rtlCol="0">
+                  <a:spAutoFit/>
+                </a:bodyPr>
+                <a:lstStyle/>
+                <a:p>
+                  <a14:m>
+                    <m:oMathPara xmlns:m="http://schemas.openxmlformats.org/officeDocument/2006/math">
+                      <m:oMathParaPr>
+                        <m:jc m:val="centerGroup"/>
+                      </m:oMathParaPr>
+                      <m:oMath xmlns:m="http://schemas.openxmlformats.org/officeDocument/2006/math">
+                        <m:r>
+                          <a:rPr lang="en-US" sz="2000" b="0" i="1" smtClean="0">
+                            <a:solidFill>
+                              <a:srgbClr val="FF0000"/>
+                            </a:solidFill>
+                            <a:latin typeface="Cambria Math" panose="02040503050406030204" pitchFamily="18" charset="0"/>
+                            <a:cs typeface="Arial" panose="020B0604020202020204" pitchFamily="34" charset="0"/>
+                          </a:rPr>
+                          <m:t>𝑆</m:t>
+                        </m:r>
+                      </m:oMath>
+                    </m:oMathPara>
+                  </a14:m>
+                  <a:endParaRPr lang="en-US" sz="2000" dirty="0" smtClean="0">
+                    <a:solidFill>
+                      <a:srgbClr val="FF0000"/>
+                    </a:solidFill>
+                    <a:latin typeface="Arial" panose="020B0604020202020204" pitchFamily="34" charset="0"/>
+                    <a:cs typeface="Arial" panose="020B0604020202020204" pitchFamily="34" charset="0"/>
+                  </a:endParaRPr>
+                </a:p>
+              </p:txBody>
+            </p:sp>
+          </mc:Choice>
+          <mc:Fallback>
+            <p:sp>
+              <p:nvSpPr>
+                <p:cNvPr id="152" name="TextBox 151"/>
+                <p:cNvSpPr txBox="1">
+                  <a:spLocks noRot="1" noChangeAspect="1" noMove="1" noResize="1" noEditPoints="1" noAdjustHandles="1" noChangeArrowheads="1" noChangeShapeType="1" noTextEdit="1"/>
+                </p:cNvSpPr>
+                <p:nvPr/>
+              </p:nvSpPr>
+              <p:spPr>
+                <a:xfrm>
+                  <a:off x="7030509" y="4962676"/>
+                  <a:ext cx="211788" cy="307777"/>
+                </a:xfrm>
+                <a:prstGeom prst="rect">
+                  <a:avLst/>
+                </a:prstGeom>
+                <a:blipFill>
+                  <a:blip r:embed="rId24"/>
+                  <a:stretch>
+                    <a:fillRect l="-22857" r="-22857" b="-9804"/>
+                  </a:stretch>
+                </a:blipFill>
+              </p:spPr>
+              <p:txBody>
+                <a:bodyPr/>
+                <a:lstStyle/>
+                <a:p>
+                  <a:r>
+                    <a:rPr lang="en-US">
+                      <a:noFill/>
+                    </a:rPr>
+                    <a:t> </a:t>
+                  </a:r>
+                </a:p>
+              </p:txBody>
+            </p:sp>
+          </mc:Fallback>
+        </mc:AlternateContent>
       </p:grpSp>
     </p:spTree>
     <p:extLst>
@@ -21472,8 +21673,8 @@
             </p:sp>
           </mc:Fallback>
         </mc:AlternateContent>
-        <mc:AlternateContent xmlns:mc="http://schemas.openxmlformats.org/markup-compatibility/2006" xmlns:a14="http://schemas.microsoft.com/office/drawing/2010/main">
-          <mc:Choice Requires="a14">
+        <mc:AlternateContent xmlns:mc="http://schemas.openxmlformats.org/markup-compatibility/2006">
+          <mc:Choice xmlns:a14="http://schemas.microsoft.com/office/drawing/2010/main" Requires="a14">
             <p:sp>
               <p:nvSpPr>
                 <p:cNvPr id="92" name="TextBox 91"/>
@@ -21482,7 +21683,7 @@
               </p:nvSpPr>
               <p:spPr>
                 <a:xfrm>
-                  <a:off x="8205054" y="4193642"/>
+                  <a:off x="7880154" y="4193642"/>
                   <a:ext cx="1170513" cy="307777"/>
                 </a:xfrm>
                 <a:prstGeom prst="rect">
@@ -21535,7 +21736,7 @@
               </p:txBody>
             </p:sp>
           </mc:Choice>
-          <mc:Fallback xmlns="">
+          <mc:Fallback>
             <p:sp>
               <p:nvSpPr>
                 <p:cNvPr id="92" name="TextBox 91"/>
@@ -21546,7 +21747,7 @@
               </p:nvSpPr>
               <p:spPr>
                 <a:xfrm>
-                  <a:off x="8205054" y="4193642"/>
+                  <a:off x="7880154" y="4193642"/>
                   <a:ext cx="1170513" cy="307777"/>
                 </a:xfrm>
                 <a:prstGeom prst="rect">
@@ -21574,8 +21775,8 @@
             </p:sp>
           </mc:Fallback>
         </mc:AlternateContent>
-        <mc:AlternateContent xmlns:mc="http://schemas.openxmlformats.org/markup-compatibility/2006" xmlns:a14="http://schemas.microsoft.com/office/drawing/2010/main">
-          <mc:Choice Requires="a14">
+        <mc:AlternateContent xmlns:mc="http://schemas.openxmlformats.org/markup-compatibility/2006">
+          <mc:Choice xmlns:a14="http://schemas.microsoft.com/office/drawing/2010/main" Requires="a14">
             <p:sp>
               <p:nvSpPr>
                 <p:cNvPr id="93" name="TextBox 92"/>
@@ -21584,7 +21785,7 @@
               </p:nvSpPr>
               <p:spPr>
                 <a:xfrm>
-                  <a:off x="9938931" y="4198752"/>
+                  <a:off x="10424793" y="4192250"/>
                   <a:ext cx="1105495" cy="307777"/>
                 </a:xfrm>
                 <a:prstGeom prst="rect">
@@ -21637,7 +21838,7 @@
               </p:txBody>
             </p:sp>
           </mc:Choice>
-          <mc:Fallback xmlns="">
+          <mc:Fallback>
             <p:sp>
               <p:nvSpPr>
                 <p:cNvPr id="93" name="TextBox 92"/>
@@ -21648,7 +21849,7 @@
               </p:nvSpPr>
               <p:spPr>
                 <a:xfrm>
-                  <a:off x="9938931" y="4198752"/>
+                  <a:off x="10424793" y="4192250"/>
                   <a:ext cx="1105495" cy="307777"/>
                 </a:xfrm>
                 <a:prstGeom prst="rect">
@@ -21657,7 +21858,7 @@
                 <a:blipFill>
                   <a:blip r:embed="rId27"/>
                   <a:stretch>
-                    <a:fillRect l="-6593" r="-3846" b="-38000"/>
+                    <a:fillRect l="-6630" r="-4420" b="-38000"/>
                   </a:stretch>
                 </a:blipFill>
               </p:spPr>
@@ -22387,1342 +22588,6 @@
       </p:grpSpPr>
       <p:grpSp>
         <p:nvGrpSpPr>
-          <p:cNvPr id="4" name="Group 3"/>
-          <p:cNvGrpSpPr/>
-          <p:nvPr/>
-        </p:nvGrpSpPr>
-        <p:grpSpPr>
-          <a:xfrm>
-            <a:off x="6845459" y="232786"/>
-            <a:ext cx="4787684" cy="3806053"/>
-            <a:chOff x="7227106" y="712381"/>
-            <a:chExt cx="4787684" cy="3806053"/>
-          </a:xfrm>
-        </p:grpSpPr>
-        <p:cxnSp>
-          <p:nvCxnSpPr>
-            <p:cNvPr id="5" name="Straight Connector 4"/>
-            <p:cNvCxnSpPr/>
-            <p:nvPr/>
-          </p:nvCxnSpPr>
-          <p:spPr>
-            <a:xfrm>
-              <a:off x="8449780" y="1069754"/>
-              <a:ext cx="0" cy="2928392"/>
-            </a:xfrm>
-            <a:prstGeom prst="line">
-              <a:avLst/>
-            </a:prstGeom>
-            <a:ln w="76200">
-              <a:solidFill>
-                <a:schemeClr val="tx1"/>
-              </a:solidFill>
-            </a:ln>
-          </p:spPr>
-          <p:style>
-            <a:lnRef idx="1">
-              <a:schemeClr val="accent1"/>
-            </a:lnRef>
-            <a:fillRef idx="0">
-              <a:schemeClr val="accent1"/>
-            </a:fillRef>
-            <a:effectRef idx="0">
-              <a:schemeClr val="accent1"/>
-            </a:effectRef>
-            <a:fontRef idx="minor">
-              <a:schemeClr val="tx1"/>
-            </a:fontRef>
-          </p:style>
-        </p:cxnSp>
-        <p:sp>
-          <p:nvSpPr>
-            <p:cNvPr id="6" name="Oval 5"/>
-            <p:cNvSpPr/>
-            <p:nvPr/>
-          </p:nvSpPr>
-          <p:spPr>
-            <a:xfrm>
-              <a:off x="10787014" y="2457006"/>
-              <a:ext cx="153889" cy="153889"/>
-            </a:xfrm>
-            <a:prstGeom prst="ellipse">
-              <a:avLst/>
-            </a:prstGeom>
-            <a:solidFill>
-              <a:schemeClr val="tx1"/>
-            </a:solidFill>
-            <a:ln w="38100">
-              <a:solidFill>
-                <a:schemeClr val="tx1"/>
-              </a:solidFill>
-            </a:ln>
-          </p:spPr>
-          <p:style>
-            <a:lnRef idx="2">
-              <a:schemeClr val="accent1">
-                <a:shade val="50000"/>
-              </a:schemeClr>
-            </a:lnRef>
-            <a:fillRef idx="1">
-              <a:schemeClr val="accent1"/>
-            </a:fillRef>
-            <a:effectRef idx="0">
-              <a:schemeClr val="accent1"/>
-            </a:effectRef>
-            <a:fontRef idx="minor">
-              <a:schemeClr val="lt1"/>
-            </a:fontRef>
-          </p:style>
-          <p:txBody>
-            <a:bodyPr rtlCol="0" anchor="ctr"/>
-            <a:lstStyle/>
-            <a:p>
-              <a:pPr algn="ctr"/>
-              <a:endParaRPr lang="en-US"/>
-            </a:p>
-          </p:txBody>
-        </p:sp>
-        <p:cxnSp>
-          <p:nvCxnSpPr>
-            <p:cNvPr id="7" name="Straight Connector 6"/>
-            <p:cNvCxnSpPr/>
-            <p:nvPr/>
-          </p:nvCxnSpPr>
-          <p:spPr>
-            <a:xfrm>
-              <a:off x="9651553" y="712381"/>
-              <a:ext cx="10632" cy="3806053"/>
-            </a:xfrm>
-            <a:prstGeom prst="line">
-              <a:avLst/>
-            </a:prstGeom>
-            <a:ln w="38100">
-              <a:solidFill>
-                <a:schemeClr val="tx1"/>
-              </a:solidFill>
-              <a:prstDash val="dash"/>
-            </a:ln>
-          </p:spPr>
-          <p:style>
-            <a:lnRef idx="1">
-              <a:schemeClr val="accent1"/>
-            </a:lnRef>
-            <a:fillRef idx="0">
-              <a:schemeClr val="accent1"/>
-            </a:fillRef>
-            <a:effectRef idx="0">
-              <a:schemeClr val="accent1"/>
-            </a:effectRef>
-            <a:fontRef idx="minor">
-              <a:schemeClr val="tx1"/>
-            </a:fontRef>
-          </p:style>
-        </p:cxnSp>
-        <p:cxnSp>
-          <p:nvCxnSpPr>
-            <p:cNvPr id="8" name="Straight Arrow Connector 7"/>
-            <p:cNvCxnSpPr/>
-            <p:nvPr/>
-          </p:nvCxnSpPr>
-          <p:spPr>
-            <a:xfrm flipV="1">
-              <a:off x="10863958" y="1643312"/>
-              <a:ext cx="0" cy="525730"/>
-            </a:xfrm>
-            <a:prstGeom prst="straightConnector1">
-              <a:avLst/>
-            </a:prstGeom>
-            <a:ln w="38100">
-              <a:solidFill>
-                <a:schemeClr val="tx1"/>
-              </a:solidFill>
-              <a:tailEnd type="triangle"/>
-            </a:ln>
-          </p:spPr>
-          <p:style>
-            <a:lnRef idx="1">
-              <a:schemeClr val="accent1"/>
-            </a:lnRef>
-            <a:fillRef idx="0">
-              <a:schemeClr val="accent1"/>
-            </a:fillRef>
-            <a:effectRef idx="0">
-              <a:schemeClr val="accent1"/>
-            </a:effectRef>
-            <a:fontRef idx="minor">
-              <a:schemeClr val="tx1"/>
-            </a:fontRef>
-          </p:style>
-        </p:cxnSp>
-        <p:cxnSp>
-          <p:nvCxnSpPr>
-            <p:cNvPr id="9" name="Straight Arrow Connector 8"/>
-            <p:cNvCxnSpPr/>
-            <p:nvPr/>
-          </p:nvCxnSpPr>
-          <p:spPr>
-            <a:xfrm>
-              <a:off x="11218376" y="2533950"/>
-              <a:ext cx="626293" cy="0"/>
-            </a:xfrm>
-            <a:prstGeom prst="straightConnector1">
-              <a:avLst/>
-            </a:prstGeom>
-            <a:ln w="38100">
-              <a:solidFill>
-                <a:schemeClr val="tx1"/>
-              </a:solidFill>
-              <a:tailEnd type="triangle"/>
-            </a:ln>
-          </p:spPr>
-          <p:style>
-            <a:lnRef idx="1">
-              <a:schemeClr val="accent1"/>
-            </a:lnRef>
-            <a:fillRef idx="0">
-              <a:schemeClr val="accent1"/>
-            </a:fillRef>
-            <a:effectRef idx="0">
-              <a:schemeClr val="accent1"/>
-            </a:effectRef>
-            <a:fontRef idx="minor">
-              <a:schemeClr val="tx1"/>
-            </a:fontRef>
-          </p:style>
-        </p:cxnSp>
-        <p:cxnSp>
-          <p:nvCxnSpPr>
-            <p:cNvPr id="10" name="Straight Arrow Connector 9"/>
-            <p:cNvCxnSpPr/>
-            <p:nvPr/>
-          </p:nvCxnSpPr>
-          <p:spPr>
-            <a:xfrm>
-              <a:off x="10863958" y="2971423"/>
-              <a:ext cx="2" cy="526976"/>
-            </a:xfrm>
-            <a:prstGeom prst="straightConnector1">
-              <a:avLst/>
-            </a:prstGeom>
-            <a:ln w="38100">
-              <a:solidFill>
-                <a:schemeClr val="tx1"/>
-              </a:solidFill>
-              <a:tailEnd type="triangle"/>
-            </a:ln>
-          </p:spPr>
-          <p:style>
-            <a:lnRef idx="1">
-              <a:schemeClr val="accent1"/>
-            </a:lnRef>
-            <a:fillRef idx="0">
-              <a:schemeClr val="accent1"/>
-            </a:fillRef>
-            <a:effectRef idx="0">
-              <a:schemeClr val="accent1"/>
-            </a:effectRef>
-            <a:fontRef idx="minor">
-              <a:schemeClr val="tx1"/>
-            </a:fontRef>
-          </p:style>
-        </p:cxnSp>
-        <p:cxnSp>
-          <p:nvCxnSpPr>
-            <p:cNvPr id="11" name="Straight Arrow Connector 10"/>
-            <p:cNvCxnSpPr/>
-            <p:nvPr/>
-          </p:nvCxnSpPr>
-          <p:spPr>
-            <a:xfrm flipH="1">
-              <a:off x="9952074" y="2524959"/>
-              <a:ext cx="626292" cy="0"/>
-            </a:xfrm>
-            <a:prstGeom prst="straightConnector1">
-              <a:avLst/>
-            </a:prstGeom>
-            <a:ln w="38100">
-              <a:solidFill>
-                <a:schemeClr val="tx1"/>
-              </a:solidFill>
-              <a:tailEnd type="triangle"/>
-            </a:ln>
-          </p:spPr>
-          <p:style>
-            <a:lnRef idx="1">
-              <a:schemeClr val="accent1"/>
-            </a:lnRef>
-            <a:fillRef idx="0">
-              <a:schemeClr val="accent1"/>
-            </a:fillRef>
-            <a:effectRef idx="0">
-              <a:schemeClr val="accent1"/>
-            </a:effectRef>
-            <a:fontRef idx="minor">
-              <a:schemeClr val="tx1"/>
-            </a:fontRef>
-          </p:style>
-        </p:cxnSp>
-        <mc:AlternateContent xmlns:mc="http://schemas.openxmlformats.org/markup-compatibility/2006" xmlns:a14="http://schemas.microsoft.com/office/drawing/2010/main">
-          <mc:Choice Requires="a14">
-            <p:sp>
-              <p:nvSpPr>
-                <p:cNvPr id="12" name="TextBox 11"/>
-                <p:cNvSpPr txBox="1"/>
-                <p:nvPr/>
-              </p:nvSpPr>
-              <p:spPr>
-                <a:xfrm>
-                  <a:off x="8055920" y="985084"/>
-                  <a:ext cx="207941" cy="307777"/>
-                </a:xfrm>
-                <a:prstGeom prst="rect">
-                  <a:avLst/>
-                </a:prstGeom>
-                <a:noFill/>
-              </p:spPr>
-              <p:txBody>
-                <a:bodyPr wrap="none" lIns="0" tIns="0" rIns="0" bIns="0" rtlCol="0">
-                  <a:spAutoFit/>
-                </a:bodyPr>
-                <a:lstStyle/>
-                <a:p>
-                  <a:pPr/>
-                  <a14:m>
-                    <m:oMathPara xmlns:m="http://schemas.openxmlformats.org/officeDocument/2006/math">
-                      <m:oMathParaPr>
-                        <m:jc m:val="centerGroup"/>
-                      </m:oMathParaPr>
-                      <m:oMath xmlns:m="http://schemas.openxmlformats.org/officeDocument/2006/math">
-                        <m:r>
-                          <a:rPr lang="en-US" sz="2000" b="0" i="1" smtClean="0">
-                            <a:latin typeface="Cambria Math" panose="02040503050406030204" pitchFamily="18" charset="0"/>
-                            <a:cs typeface="Arial" panose="020B0604020202020204" pitchFamily="34" charset="0"/>
-                          </a:rPr>
-                          <m:t>𝜆</m:t>
-                        </m:r>
-                      </m:oMath>
-                    </m:oMathPara>
-                  </a14:m>
-                  <a:endParaRPr lang="en-US" sz="2000" dirty="0" smtClean="0">
-                    <a:latin typeface="Arial" panose="020B0604020202020204" pitchFamily="34" charset="0"/>
-                    <a:cs typeface="Arial" panose="020B0604020202020204" pitchFamily="34" charset="0"/>
-                  </a:endParaRPr>
-                </a:p>
-              </p:txBody>
-            </p:sp>
-          </mc:Choice>
-          <mc:Fallback xmlns="">
-            <p:sp>
-              <p:nvSpPr>
-                <p:cNvPr id="90" name="TextBox 89"/>
-                <p:cNvSpPr txBox="1">
-                  <a:spLocks noRot="1" noChangeAspect="1" noMove="1" noResize="1" noEditPoints="1" noAdjustHandles="1" noChangeArrowheads="1" noChangeShapeType="1" noTextEdit="1"/>
-                </p:cNvSpPr>
-                <p:nvPr/>
-              </p:nvSpPr>
-              <p:spPr>
-                <a:xfrm>
-                  <a:off x="8055920" y="985084"/>
-                  <a:ext cx="207941" cy="307777"/>
-                </a:xfrm>
-                <a:prstGeom prst="rect">
-                  <a:avLst/>
-                </a:prstGeom>
-                <a:blipFill>
-                  <a:blip r:embed="rId24"/>
-                  <a:stretch>
-                    <a:fillRect l="-26471" r="-26471" b="-12000"/>
-                  </a:stretch>
-                </a:blipFill>
-              </p:spPr>
-              <p:txBody>
-                <a:bodyPr/>
-                <a:lstStyle/>
-                <a:p>
-                  <a:r>
-                    <a:rPr lang="en-US">
-                      <a:noFill/>
-                    </a:rPr>
-                    <a:t> </a:t>
-                  </a:r>
-                </a:p>
-              </p:txBody>
-            </p:sp>
-          </mc:Fallback>
-        </mc:AlternateContent>
-        <mc:AlternateContent xmlns:mc="http://schemas.openxmlformats.org/markup-compatibility/2006" xmlns:a14="http://schemas.microsoft.com/office/drawing/2010/main">
-          <mc:Choice Requires="a14">
-            <p:sp>
-              <p:nvSpPr>
-                <p:cNvPr id="13" name="TextBox 12"/>
-                <p:cNvSpPr txBox="1"/>
-                <p:nvPr/>
-              </p:nvSpPr>
-              <p:spPr>
-                <a:xfrm>
-                  <a:off x="10934401" y="2569190"/>
-                  <a:ext cx="207941" cy="307777"/>
-                </a:xfrm>
-                <a:prstGeom prst="rect">
-                  <a:avLst/>
-                </a:prstGeom>
-                <a:noFill/>
-              </p:spPr>
-              <p:txBody>
-                <a:bodyPr wrap="none" lIns="0" tIns="0" rIns="0" bIns="0" rtlCol="0">
-                  <a:spAutoFit/>
-                </a:bodyPr>
-                <a:lstStyle/>
-                <a:p>
-                  <a:pPr/>
-                  <a14:m>
-                    <m:oMathPara xmlns:m="http://schemas.openxmlformats.org/officeDocument/2006/math">
-                      <m:oMathParaPr>
-                        <m:jc m:val="centerGroup"/>
-                      </m:oMathParaPr>
-                      <m:oMath xmlns:m="http://schemas.openxmlformats.org/officeDocument/2006/math">
-                        <m:r>
-                          <a:rPr lang="en-US" sz="2000" b="0" i="1" smtClean="0">
-                            <a:latin typeface="Cambria Math" panose="02040503050406030204" pitchFamily="18" charset="0"/>
-                            <a:cs typeface="Arial" panose="020B0604020202020204" pitchFamily="34" charset="0"/>
-                          </a:rPr>
-                          <m:t>𝜆</m:t>
-                        </m:r>
-                      </m:oMath>
-                    </m:oMathPara>
-                  </a14:m>
-                  <a:endParaRPr lang="en-US" sz="2000" dirty="0" smtClean="0">
-                    <a:latin typeface="Arial" panose="020B0604020202020204" pitchFamily="34" charset="0"/>
-                    <a:cs typeface="Arial" panose="020B0604020202020204" pitchFamily="34" charset="0"/>
-                  </a:endParaRPr>
-                </a:p>
-              </p:txBody>
-            </p:sp>
-          </mc:Choice>
-          <mc:Fallback xmlns="">
-            <p:sp>
-              <p:nvSpPr>
-                <p:cNvPr id="91" name="TextBox 90"/>
-                <p:cNvSpPr txBox="1">
-                  <a:spLocks noRot="1" noChangeAspect="1" noMove="1" noResize="1" noEditPoints="1" noAdjustHandles="1" noChangeArrowheads="1" noChangeShapeType="1" noTextEdit="1"/>
-                </p:cNvSpPr>
-                <p:nvPr/>
-              </p:nvSpPr>
-              <p:spPr>
-                <a:xfrm>
-                  <a:off x="10934401" y="2569190"/>
-                  <a:ext cx="207941" cy="307777"/>
-                </a:xfrm>
-                <a:prstGeom prst="rect">
-                  <a:avLst/>
-                </a:prstGeom>
-                <a:blipFill>
-                  <a:blip r:embed="rId25"/>
-                  <a:stretch>
-                    <a:fillRect l="-26471" r="-26471" b="-9804"/>
-                  </a:stretch>
-                </a:blipFill>
-              </p:spPr>
-              <p:txBody>
-                <a:bodyPr/>
-                <a:lstStyle/>
-                <a:p>
-                  <a:r>
-                    <a:rPr lang="en-US">
-                      <a:noFill/>
-                    </a:rPr>
-                    <a:t> </a:t>
-                  </a:r>
-                </a:p>
-              </p:txBody>
-            </p:sp>
-          </mc:Fallback>
-        </mc:AlternateContent>
-        <mc:AlternateContent xmlns:mc="http://schemas.openxmlformats.org/markup-compatibility/2006" xmlns:a14="http://schemas.microsoft.com/office/drawing/2010/main">
-          <mc:Choice Requires="a14">
-            <p:sp>
-              <p:nvSpPr>
-                <p:cNvPr id="14" name="TextBox 13"/>
-                <p:cNvSpPr txBox="1"/>
-                <p:nvPr/>
-              </p:nvSpPr>
-              <p:spPr>
-                <a:xfrm>
-                  <a:off x="8205054" y="4193642"/>
-                  <a:ext cx="1170513" cy="307777"/>
-                </a:xfrm>
-                <a:prstGeom prst="rect">
-                  <a:avLst/>
-                </a:prstGeom>
-                <a:noFill/>
-              </p:spPr>
-              <p:txBody>
-                <a:bodyPr wrap="none" lIns="0" tIns="0" rIns="0" bIns="0" rtlCol="0">
-                  <a:spAutoFit/>
-                </a:bodyPr>
-                <a:lstStyle/>
-                <a:p>
-                  <a:pPr/>
-                  <a14:m>
-                    <m:oMathPara xmlns:m="http://schemas.openxmlformats.org/officeDocument/2006/math">
-                      <m:oMathParaPr>
-                        <m:jc m:val="centerGroup"/>
-                      </m:oMathParaPr>
-                      <m:oMath xmlns:m="http://schemas.openxmlformats.org/officeDocument/2006/math">
-                        <m:r>
-                          <a:rPr lang="en-US" sz="2000" b="0" i="1" smtClean="0">
-                            <a:latin typeface="Cambria Math" panose="02040503050406030204" pitchFamily="18" charset="0"/>
-                            <a:cs typeface="Arial" panose="020B0604020202020204" pitchFamily="34" charset="0"/>
-                          </a:rPr>
-                          <m:t>𝑆𝑖𝑑𝑒</m:t>
-                        </m:r>
-                        <m:r>
-                          <a:rPr lang="en-US" sz="2000" b="0" i="1" smtClean="0">
-                            <a:latin typeface="Cambria Math" panose="02040503050406030204" pitchFamily="18" charset="0"/>
-                            <a:cs typeface="Arial" panose="020B0604020202020204" pitchFamily="34" charset="0"/>
-                          </a:rPr>
-                          <m:t> </m:t>
-                        </m:r>
-                        <m:r>
-                          <a:rPr lang="en-US" sz="2000" b="0" i="1" smtClean="0">
-                            <a:latin typeface="Cambria Math" panose="02040503050406030204" pitchFamily="18" charset="0"/>
-                            <a:cs typeface="Arial" panose="020B0604020202020204" pitchFamily="34" charset="0"/>
-                          </a:rPr>
-                          <m:t>𝑣𝑖𝑒𝑤</m:t>
-                        </m:r>
-                      </m:oMath>
-                    </m:oMathPara>
-                  </a14:m>
-                  <a:endParaRPr lang="en-US" sz="2000" dirty="0" smtClean="0">
-                    <a:latin typeface="Arial" panose="020B0604020202020204" pitchFamily="34" charset="0"/>
-                    <a:cs typeface="Arial" panose="020B0604020202020204" pitchFamily="34" charset="0"/>
-                  </a:endParaRPr>
-                </a:p>
-              </p:txBody>
-            </p:sp>
-          </mc:Choice>
-          <mc:Fallback xmlns="">
-            <p:sp>
-              <p:nvSpPr>
-                <p:cNvPr id="92" name="TextBox 91"/>
-                <p:cNvSpPr txBox="1">
-                  <a:spLocks noRot="1" noChangeAspect="1" noMove="1" noResize="1" noEditPoints="1" noAdjustHandles="1" noChangeArrowheads="1" noChangeShapeType="1" noTextEdit="1"/>
-                </p:cNvSpPr>
-                <p:nvPr/>
-              </p:nvSpPr>
-              <p:spPr>
-                <a:xfrm>
-                  <a:off x="8205054" y="4193642"/>
-                  <a:ext cx="1170513" cy="307777"/>
-                </a:xfrm>
-                <a:prstGeom prst="rect">
-                  <a:avLst/>
-                </a:prstGeom>
-                <a:blipFill>
-                  <a:blip r:embed="rId26"/>
-                  <a:stretch>
-                    <a:fillRect l="-4167" r="-3646" b="-12000"/>
-                  </a:stretch>
-                </a:blipFill>
-              </p:spPr>
-              <p:txBody>
-                <a:bodyPr/>
-                <a:lstStyle/>
-                <a:p>
-                  <a:r>
-                    <a:rPr lang="en-US">
-                      <a:noFill/>
-                    </a:rPr>
-                    <a:t> </a:t>
-                  </a:r>
-                </a:p>
-              </p:txBody>
-            </p:sp>
-          </mc:Fallback>
-        </mc:AlternateContent>
-        <mc:AlternateContent xmlns:mc="http://schemas.openxmlformats.org/markup-compatibility/2006" xmlns:a14="http://schemas.microsoft.com/office/drawing/2010/main">
-          <mc:Choice Requires="a14">
-            <p:sp>
-              <p:nvSpPr>
-                <p:cNvPr id="15" name="TextBox 14"/>
-                <p:cNvSpPr txBox="1"/>
-                <p:nvPr/>
-              </p:nvSpPr>
-              <p:spPr>
-                <a:xfrm>
-                  <a:off x="9938931" y="4198752"/>
-                  <a:ext cx="1105495" cy="307777"/>
-                </a:xfrm>
-                <a:prstGeom prst="rect">
-                  <a:avLst/>
-                </a:prstGeom>
-                <a:noFill/>
-              </p:spPr>
-              <p:txBody>
-                <a:bodyPr wrap="none" lIns="0" tIns="0" rIns="0" bIns="0" rtlCol="0">
-                  <a:spAutoFit/>
-                </a:bodyPr>
-                <a:lstStyle/>
-                <a:p>
-                  <a:pPr/>
-                  <a14:m>
-                    <m:oMathPara xmlns:m="http://schemas.openxmlformats.org/officeDocument/2006/math">
-                      <m:oMathParaPr>
-                        <m:jc m:val="centerGroup"/>
-                      </m:oMathParaPr>
-                      <m:oMath xmlns:m="http://schemas.openxmlformats.org/officeDocument/2006/math">
-                        <m:r>
-                          <a:rPr lang="en-US" sz="2000" b="0" i="1" smtClean="0">
-                            <a:latin typeface="Cambria Math" panose="02040503050406030204" pitchFamily="18" charset="0"/>
-                            <a:cs typeface="Arial" panose="020B0604020202020204" pitchFamily="34" charset="0"/>
-                          </a:rPr>
-                          <m:t>𝑇𝑜𝑝</m:t>
-                        </m:r>
-                        <m:r>
-                          <a:rPr lang="en-US" sz="2000" b="0" i="1" smtClean="0">
-                            <a:latin typeface="Cambria Math" panose="02040503050406030204" pitchFamily="18" charset="0"/>
-                            <a:cs typeface="Arial" panose="020B0604020202020204" pitchFamily="34" charset="0"/>
-                          </a:rPr>
-                          <m:t> </m:t>
-                        </m:r>
-                        <m:r>
-                          <a:rPr lang="en-US" sz="2000" b="0" i="1" smtClean="0">
-                            <a:latin typeface="Cambria Math" panose="02040503050406030204" pitchFamily="18" charset="0"/>
-                            <a:cs typeface="Arial" panose="020B0604020202020204" pitchFamily="34" charset="0"/>
-                          </a:rPr>
-                          <m:t>𝑣𝑖𝑒𝑤</m:t>
-                        </m:r>
-                      </m:oMath>
-                    </m:oMathPara>
-                  </a14:m>
-                  <a:endParaRPr lang="en-US" sz="2000" dirty="0" smtClean="0">
-                    <a:latin typeface="Arial" panose="020B0604020202020204" pitchFamily="34" charset="0"/>
-                    <a:cs typeface="Arial" panose="020B0604020202020204" pitchFamily="34" charset="0"/>
-                  </a:endParaRPr>
-                </a:p>
-              </p:txBody>
-            </p:sp>
-          </mc:Choice>
-          <mc:Fallback xmlns="">
-            <p:sp>
-              <p:nvSpPr>
-                <p:cNvPr id="93" name="TextBox 92"/>
-                <p:cNvSpPr txBox="1">
-                  <a:spLocks noRot="1" noChangeAspect="1" noMove="1" noResize="1" noEditPoints="1" noAdjustHandles="1" noChangeArrowheads="1" noChangeShapeType="1" noTextEdit="1"/>
-                </p:cNvSpPr>
-                <p:nvPr/>
-              </p:nvSpPr>
-              <p:spPr>
-                <a:xfrm>
-                  <a:off x="9938931" y="4198752"/>
-                  <a:ext cx="1105495" cy="307777"/>
-                </a:xfrm>
-                <a:prstGeom prst="rect">
-                  <a:avLst/>
-                </a:prstGeom>
-                <a:blipFill>
-                  <a:blip r:embed="rId27"/>
-                  <a:stretch>
-                    <a:fillRect l="-6593" r="-3846" b="-38000"/>
-                  </a:stretch>
-                </a:blipFill>
-              </p:spPr>
-              <p:txBody>
-                <a:bodyPr/>
-                <a:lstStyle/>
-                <a:p>
-                  <a:r>
-                    <a:rPr lang="en-US">
-                      <a:noFill/>
-                    </a:rPr>
-                    <a:t> </a:t>
-                  </a:r>
-                </a:p>
-              </p:txBody>
-            </p:sp>
-          </mc:Fallback>
-        </mc:AlternateContent>
-        <p:cxnSp>
-          <p:nvCxnSpPr>
-            <p:cNvPr id="16" name="Straight Arrow Connector 15"/>
-            <p:cNvCxnSpPr/>
-            <p:nvPr/>
-          </p:nvCxnSpPr>
-          <p:spPr>
-            <a:xfrm>
-              <a:off x="8783297" y="2524959"/>
-              <a:ext cx="626293" cy="0"/>
-            </a:xfrm>
-            <a:prstGeom prst="straightConnector1">
-              <a:avLst/>
-            </a:prstGeom>
-            <a:ln w="38100">
-              <a:solidFill>
-                <a:schemeClr val="tx1"/>
-              </a:solidFill>
-              <a:tailEnd type="triangle"/>
-            </a:ln>
-          </p:spPr>
-          <p:style>
-            <a:lnRef idx="1">
-              <a:schemeClr val="accent1"/>
-            </a:lnRef>
-            <a:fillRef idx="0">
-              <a:schemeClr val="accent1"/>
-            </a:fillRef>
-            <a:effectRef idx="0">
-              <a:schemeClr val="accent1"/>
-            </a:effectRef>
-            <a:fontRef idx="minor">
-              <a:schemeClr val="tx1"/>
-            </a:fontRef>
-          </p:style>
-        </p:cxnSp>
-        <p:cxnSp>
-          <p:nvCxnSpPr>
-            <p:cNvPr id="17" name="Straight Arrow Connector 16"/>
-            <p:cNvCxnSpPr/>
-            <p:nvPr/>
-          </p:nvCxnSpPr>
-          <p:spPr>
-            <a:xfrm flipH="1">
-              <a:off x="7516995" y="2515968"/>
-              <a:ext cx="626292" cy="0"/>
-            </a:xfrm>
-            <a:prstGeom prst="straightConnector1">
-              <a:avLst/>
-            </a:prstGeom>
-            <a:ln w="38100">
-              <a:solidFill>
-                <a:schemeClr val="tx1"/>
-              </a:solidFill>
-              <a:tailEnd type="triangle"/>
-            </a:ln>
-          </p:spPr>
-          <p:style>
-            <a:lnRef idx="1">
-              <a:schemeClr val="accent1"/>
-            </a:lnRef>
-            <a:fillRef idx="0">
-              <a:schemeClr val="accent1"/>
-            </a:fillRef>
-            <a:effectRef idx="0">
-              <a:schemeClr val="accent1"/>
-            </a:effectRef>
-            <a:fontRef idx="minor">
-              <a:schemeClr val="tx1"/>
-            </a:fontRef>
-          </p:style>
-        </p:cxnSp>
-        <mc:AlternateContent xmlns:mc="http://schemas.openxmlformats.org/markup-compatibility/2006" xmlns:a14="http://schemas.microsoft.com/office/drawing/2010/main">
-          <mc:Choice Requires="a14">
-            <p:sp>
-              <p:nvSpPr>
-                <p:cNvPr id="18" name="TextBox 17"/>
-                <p:cNvSpPr txBox="1"/>
-                <p:nvPr/>
-              </p:nvSpPr>
-              <p:spPr>
-                <a:xfrm>
-                  <a:off x="7227106" y="2260043"/>
-                  <a:ext cx="240835" cy="345159"/>
-                </a:xfrm>
-                <a:prstGeom prst="rect">
-                  <a:avLst/>
-                </a:prstGeom>
-                <a:noFill/>
-              </p:spPr>
-              <p:txBody>
-                <a:bodyPr wrap="none" lIns="0" tIns="0" rIns="0" bIns="0" rtlCol="0">
-                  <a:spAutoFit/>
-                </a:bodyPr>
-                <a:lstStyle/>
-                <a:p>
-                  <a:pPr/>
-                  <a14:m>
-                    <m:oMathPara xmlns:m="http://schemas.openxmlformats.org/officeDocument/2006/math">
-                      <m:oMathParaPr>
-                        <m:jc m:val="centerGroup"/>
-                      </m:oMathParaPr>
-                      <m:oMath xmlns:m="http://schemas.openxmlformats.org/officeDocument/2006/math">
-                        <m:acc>
-                          <m:accPr>
-                            <m:chr m:val="⃗"/>
-                            <m:ctrlPr>
-                              <a:rPr lang="en-US" sz="2000" b="0" i="1" smtClean="0">
-                                <a:latin typeface="Cambria Math" panose="02040503050406030204" pitchFamily="18" charset="0"/>
-                                <a:cs typeface="Arial" panose="020B0604020202020204" pitchFamily="34" charset="0"/>
-                              </a:rPr>
-                            </m:ctrlPr>
-                          </m:accPr>
-                          <m:e>
-                            <m:r>
-                              <a:rPr lang="en-US" sz="2000" b="0" i="1" smtClean="0">
-                                <a:latin typeface="Cambria Math" panose="02040503050406030204" pitchFamily="18" charset="0"/>
-                                <a:cs typeface="Arial" panose="020B0604020202020204" pitchFamily="34" charset="0"/>
-                              </a:rPr>
-                              <m:t>𝐸</m:t>
-                            </m:r>
-                          </m:e>
-                        </m:acc>
-                      </m:oMath>
-                    </m:oMathPara>
-                  </a14:m>
-                  <a:endParaRPr lang="en-US" sz="2000" dirty="0" smtClean="0">
-                    <a:latin typeface="Arial" panose="020B0604020202020204" pitchFamily="34" charset="0"/>
-                    <a:cs typeface="Arial" panose="020B0604020202020204" pitchFamily="34" charset="0"/>
-                  </a:endParaRPr>
-                </a:p>
-              </p:txBody>
-            </p:sp>
-          </mc:Choice>
-          <mc:Fallback xmlns="">
-            <p:sp>
-              <p:nvSpPr>
-                <p:cNvPr id="97" name="TextBox 96"/>
-                <p:cNvSpPr txBox="1">
-                  <a:spLocks noRot="1" noChangeAspect="1" noMove="1" noResize="1" noEditPoints="1" noAdjustHandles="1" noChangeArrowheads="1" noChangeShapeType="1" noTextEdit="1"/>
-                </p:cNvSpPr>
-                <p:nvPr/>
-              </p:nvSpPr>
-              <p:spPr>
-                <a:xfrm>
-                  <a:off x="7227106" y="2260043"/>
-                  <a:ext cx="240835" cy="345159"/>
-                </a:xfrm>
-                <a:prstGeom prst="rect">
-                  <a:avLst/>
-                </a:prstGeom>
-                <a:blipFill>
-                  <a:blip r:embed="rId28"/>
-                  <a:stretch>
-                    <a:fillRect l="-23077" r="-17949" b="-8929"/>
-                  </a:stretch>
-                </a:blipFill>
-              </p:spPr>
-              <p:txBody>
-                <a:bodyPr/>
-                <a:lstStyle/>
-                <a:p>
-                  <a:r>
-                    <a:rPr lang="en-US">
-                      <a:noFill/>
-                    </a:rPr>
-                    <a:t> </a:t>
-                  </a:r>
-                </a:p>
-              </p:txBody>
-            </p:sp>
-          </mc:Fallback>
-        </mc:AlternateContent>
-        <mc:AlternateContent xmlns:mc="http://schemas.openxmlformats.org/markup-compatibility/2006" xmlns:a14="http://schemas.microsoft.com/office/drawing/2010/main">
-          <mc:Choice Requires="a14">
-            <p:sp>
-              <p:nvSpPr>
-                <p:cNvPr id="19" name="TextBox 18"/>
-                <p:cNvSpPr txBox="1"/>
-                <p:nvPr/>
-              </p:nvSpPr>
-              <p:spPr>
-                <a:xfrm>
-                  <a:off x="9093426" y="2556351"/>
-                  <a:ext cx="240835" cy="345159"/>
-                </a:xfrm>
-                <a:prstGeom prst="rect">
-                  <a:avLst/>
-                </a:prstGeom>
-                <a:noFill/>
-              </p:spPr>
-              <p:txBody>
-                <a:bodyPr wrap="none" lIns="0" tIns="0" rIns="0" bIns="0" rtlCol="0">
-                  <a:spAutoFit/>
-                </a:bodyPr>
-                <a:lstStyle/>
-                <a:p>
-                  <a:pPr/>
-                  <a14:m>
-                    <m:oMathPara xmlns:m="http://schemas.openxmlformats.org/officeDocument/2006/math">
-                      <m:oMathParaPr>
-                        <m:jc m:val="centerGroup"/>
-                      </m:oMathParaPr>
-                      <m:oMath xmlns:m="http://schemas.openxmlformats.org/officeDocument/2006/math">
-                        <m:acc>
-                          <m:accPr>
-                            <m:chr m:val="⃗"/>
-                            <m:ctrlPr>
-                              <a:rPr lang="en-US" sz="2000" b="0" i="1" smtClean="0">
-                                <a:latin typeface="Cambria Math" panose="02040503050406030204" pitchFamily="18" charset="0"/>
-                                <a:cs typeface="Arial" panose="020B0604020202020204" pitchFamily="34" charset="0"/>
-                              </a:rPr>
-                            </m:ctrlPr>
-                          </m:accPr>
-                          <m:e>
-                            <m:r>
-                              <a:rPr lang="en-US" sz="2000" b="0" i="1" smtClean="0">
-                                <a:latin typeface="Cambria Math" panose="02040503050406030204" pitchFamily="18" charset="0"/>
-                                <a:cs typeface="Arial" panose="020B0604020202020204" pitchFamily="34" charset="0"/>
-                              </a:rPr>
-                              <m:t>𝐸</m:t>
-                            </m:r>
-                          </m:e>
-                        </m:acc>
-                      </m:oMath>
-                    </m:oMathPara>
-                  </a14:m>
-                  <a:endParaRPr lang="en-US" sz="2000" dirty="0" smtClean="0">
-                    <a:latin typeface="Arial" panose="020B0604020202020204" pitchFamily="34" charset="0"/>
-                    <a:cs typeface="Arial" panose="020B0604020202020204" pitchFamily="34" charset="0"/>
-                  </a:endParaRPr>
-                </a:p>
-              </p:txBody>
-            </p:sp>
-          </mc:Choice>
-          <mc:Fallback xmlns="">
-            <p:sp>
-              <p:nvSpPr>
-                <p:cNvPr id="98" name="TextBox 97"/>
-                <p:cNvSpPr txBox="1">
-                  <a:spLocks noRot="1" noChangeAspect="1" noMove="1" noResize="1" noEditPoints="1" noAdjustHandles="1" noChangeArrowheads="1" noChangeShapeType="1" noTextEdit="1"/>
-                </p:cNvSpPr>
-                <p:nvPr/>
-              </p:nvSpPr>
-              <p:spPr>
-                <a:xfrm>
-                  <a:off x="9093426" y="2556351"/>
-                  <a:ext cx="240835" cy="345159"/>
-                </a:xfrm>
-                <a:prstGeom prst="rect">
-                  <a:avLst/>
-                </a:prstGeom>
-                <a:blipFill>
-                  <a:blip r:embed="rId29"/>
-                  <a:stretch>
-                    <a:fillRect l="-23077" r="-17949" b="-8772"/>
-                  </a:stretch>
-                </a:blipFill>
-              </p:spPr>
-              <p:txBody>
-                <a:bodyPr/>
-                <a:lstStyle/>
-                <a:p>
-                  <a:r>
-                    <a:rPr lang="en-US">
-                      <a:noFill/>
-                    </a:rPr>
-                    <a:t> </a:t>
-                  </a:r>
-                </a:p>
-              </p:txBody>
-            </p:sp>
-          </mc:Fallback>
-        </mc:AlternateContent>
-        <mc:AlternateContent xmlns:mc="http://schemas.openxmlformats.org/markup-compatibility/2006" xmlns:a14="http://schemas.microsoft.com/office/drawing/2010/main">
-          <mc:Choice Requires="a14">
-            <p:sp>
-              <p:nvSpPr>
-                <p:cNvPr id="20" name="TextBox 19"/>
-                <p:cNvSpPr txBox="1"/>
-                <p:nvPr/>
-              </p:nvSpPr>
-              <p:spPr>
-                <a:xfrm>
-                  <a:off x="9941535" y="2626264"/>
-                  <a:ext cx="240835" cy="345159"/>
-                </a:xfrm>
-                <a:prstGeom prst="rect">
-                  <a:avLst/>
-                </a:prstGeom>
-                <a:noFill/>
-              </p:spPr>
-              <p:txBody>
-                <a:bodyPr wrap="none" lIns="0" tIns="0" rIns="0" bIns="0" rtlCol="0">
-                  <a:spAutoFit/>
-                </a:bodyPr>
-                <a:lstStyle/>
-                <a:p>
-                  <a:pPr/>
-                  <a14:m>
-                    <m:oMathPara xmlns:m="http://schemas.openxmlformats.org/officeDocument/2006/math">
-                      <m:oMathParaPr>
-                        <m:jc m:val="centerGroup"/>
-                      </m:oMathParaPr>
-                      <m:oMath xmlns:m="http://schemas.openxmlformats.org/officeDocument/2006/math">
-                        <m:acc>
-                          <m:accPr>
-                            <m:chr m:val="⃗"/>
-                            <m:ctrlPr>
-                              <a:rPr lang="en-US" sz="2000" b="0" i="1" smtClean="0">
-                                <a:latin typeface="Cambria Math" panose="02040503050406030204" pitchFamily="18" charset="0"/>
-                                <a:cs typeface="Arial" panose="020B0604020202020204" pitchFamily="34" charset="0"/>
-                              </a:rPr>
-                            </m:ctrlPr>
-                          </m:accPr>
-                          <m:e>
-                            <m:r>
-                              <a:rPr lang="en-US" sz="2000" b="0" i="1" smtClean="0">
-                                <a:latin typeface="Cambria Math" panose="02040503050406030204" pitchFamily="18" charset="0"/>
-                                <a:cs typeface="Arial" panose="020B0604020202020204" pitchFamily="34" charset="0"/>
-                              </a:rPr>
-                              <m:t>𝐸</m:t>
-                            </m:r>
-                          </m:e>
-                        </m:acc>
-                      </m:oMath>
-                    </m:oMathPara>
-                  </a14:m>
-                  <a:endParaRPr lang="en-US" sz="2000" dirty="0" smtClean="0">
-                    <a:latin typeface="Arial" panose="020B0604020202020204" pitchFamily="34" charset="0"/>
-                    <a:cs typeface="Arial" panose="020B0604020202020204" pitchFamily="34" charset="0"/>
-                  </a:endParaRPr>
-                </a:p>
-              </p:txBody>
-            </p:sp>
-          </mc:Choice>
-          <mc:Fallback xmlns="">
-            <p:sp>
-              <p:nvSpPr>
-                <p:cNvPr id="99" name="TextBox 98"/>
-                <p:cNvSpPr txBox="1">
-                  <a:spLocks noRot="1" noChangeAspect="1" noMove="1" noResize="1" noEditPoints="1" noAdjustHandles="1" noChangeArrowheads="1" noChangeShapeType="1" noTextEdit="1"/>
-                </p:cNvSpPr>
-                <p:nvPr/>
-              </p:nvSpPr>
-              <p:spPr>
-                <a:xfrm>
-                  <a:off x="9941535" y="2626264"/>
-                  <a:ext cx="240835" cy="345159"/>
-                </a:xfrm>
-                <a:prstGeom prst="rect">
-                  <a:avLst/>
-                </a:prstGeom>
-                <a:blipFill>
-                  <a:blip r:embed="rId30"/>
-                  <a:stretch>
-                    <a:fillRect l="-23077" r="-17949" b="-8929"/>
-                  </a:stretch>
-                </a:blipFill>
-              </p:spPr>
-              <p:txBody>
-                <a:bodyPr/>
-                <a:lstStyle/>
-                <a:p>
-                  <a:r>
-                    <a:rPr lang="en-US">
-                      <a:noFill/>
-                    </a:rPr>
-                    <a:t> </a:t>
-                  </a:r>
-                </a:p>
-              </p:txBody>
-            </p:sp>
-          </mc:Fallback>
-        </mc:AlternateContent>
-        <mc:AlternateContent xmlns:mc="http://schemas.openxmlformats.org/markup-compatibility/2006" xmlns:a14="http://schemas.microsoft.com/office/drawing/2010/main">
-          <mc:Choice Requires="a14">
-            <p:sp>
-              <p:nvSpPr>
-                <p:cNvPr id="21" name="TextBox 20"/>
-                <p:cNvSpPr txBox="1"/>
-                <p:nvPr/>
-              </p:nvSpPr>
-              <p:spPr>
-                <a:xfrm>
-                  <a:off x="10491678" y="1622098"/>
-                  <a:ext cx="240835" cy="345159"/>
-                </a:xfrm>
-                <a:prstGeom prst="rect">
-                  <a:avLst/>
-                </a:prstGeom>
-                <a:noFill/>
-              </p:spPr>
-              <p:txBody>
-                <a:bodyPr wrap="none" lIns="0" tIns="0" rIns="0" bIns="0" rtlCol="0">
-                  <a:spAutoFit/>
-                </a:bodyPr>
-                <a:lstStyle/>
-                <a:p>
-                  <a:pPr/>
-                  <a14:m>
-                    <m:oMathPara xmlns:m="http://schemas.openxmlformats.org/officeDocument/2006/math">
-                      <m:oMathParaPr>
-                        <m:jc m:val="centerGroup"/>
-                      </m:oMathParaPr>
-                      <m:oMath xmlns:m="http://schemas.openxmlformats.org/officeDocument/2006/math">
-                        <m:acc>
-                          <m:accPr>
-                            <m:chr m:val="⃗"/>
-                            <m:ctrlPr>
-                              <a:rPr lang="en-US" sz="2000" b="0" i="1" smtClean="0">
-                                <a:latin typeface="Cambria Math" panose="02040503050406030204" pitchFamily="18" charset="0"/>
-                                <a:cs typeface="Arial" panose="020B0604020202020204" pitchFamily="34" charset="0"/>
-                              </a:rPr>
-                            </m:ctrlPr>
-                          </m:accPr>
-                          <m:e>
-                            <m:r>
-                              <a:rPr lang="en-US" sz="2000" b="0" i="1" smtClean="0">
-                                <a:latin typeface="Cambria Math" panose="02040503050406030204" pitchFamily="18" charset="0"/>
-                                <a:cs typeface="Arial" panose="020B0604020202020204" pitchFamily="34" charset="0"/>
-                              </a:rPr>
-                              <m:t>𝐸</m:t>
-                            </m:r>
-                          </m:e>
-                        </m:acc>
-                      </m:oMath>
-                    </m:oMathPara>
-                  </a14:m>
-                  <a:endParaRPr lang="en-US" sz="2000" dirty="0" smtClean="0">
-                    <a:latin typeface="Arial" panose="020B0604020202020204" pitchFamily="34" charset="0"/>
-                    <a:cs typeface="Arial" panose="020B0604020202020204" pitchFamily="34" charset="0"/>
-                  </a:endParaRPr>
-                </a:p>
-              </p:txBody>
-            </p:sp>
-          </mc:Choice>
-          <mc:Fallback xmlns="">
-            <p:sp>
-              <p:nvSpPr>
-                <p:cNvPr id="100" name="TextBox 99"/>
-                <p:cNvSpPr txBox="1">
-                  <a:spLocks noRot="1" noChangeAspect="1" noMove="1" noResize="1" noEditPoints="1" noAdjustHandles="1" noChangeArrowheads="1" noChangeShapeType="1" noTextEdit="1"/>
-                </p:cNvSpPr>
-                <p:nvPr/>
-              </p:nvSpPr>
-              <p:spPr>
-                <a:xfrm>
-                  <a:off x="10491678" y="1622098"/>
-                  <a:ext cx="240835" cy="345159"/>
-                </a:xfrm>
-                <a:prstGeom prst="rect">
-                  <a:avLst/>
-                </a:prstGeom>
-                <a:blipFill>
-                  <a:blip r:embed="rId31"/>
-                  <a:stretch>
-                    <a:fillRect l="-20000" r="-17500" b="-8772"/>
-                  </a:stretch>
-                </a:blipFill>
-              </p:spPr>
-              <p:txBody>
-                <a:bodyPr/>
-                <a:lstStyle/>
-                <a:p>
-                  <a:r>
-                    <a:rPr lang="en-US">
-                      <a:noFill/>
-                    </a:rPr>
-                    <a:t> </a:t>
-                  </a:r>
-                </a:p>
-              </p:txBody>
-            </p:sp>
-          </mc:Fallback>
-        </mc:AlternateContent>
-        <mc:AlternateContent xmlns:mc="http://schemas.openxmlformats.org/markup-compatibility/2006" xmlns:a14="http://schemas.microsoft.com/office/drawing/2010/main">
-          <mc:Choice Requires="a14">
-            <p:sp>
-              <p:nvSpPr>
-                <p:cNvPr id="22" name="TextBox 21"/>
-                <p:cNvSpPr txBox="1"/>
-                <p:nvPr/>
-              </p:nvSpPr>
-              <p:spPr>
-                <a:xfrm>
-                  <a:off x="11773955" y="2559337"/>
-                  <a:ext cx="240835" cy="345159"/>
-                </a:xfrm>
-                <a:prstGeom prst="rect">
-                  <a:avLst/>
-                </a:prstGeom>
-                <a:noFill/>
-              </p:spPr>
-              <p:txBody>
-                <a:bodyPr wrap="none" lIns="0" tIns="0" rIns="0" bIns="0" rtlCol="0">
-                  <a:spAutoFit/>
-                </a:bodyPr>
-                <a:lstStyle/>
-                <a:p>
-                  <a:pPr/>
-                  <a14:m>
-                    <m:oMathPara xmlns:m="http://schemas.openxmlformats.org/officeDocument/2006/math">
-                      <m:oMathParaPr>
-                        <m:jc m:val="centerGroup"/>
-                      </m:oMathParaPr>
-                      <m:oMath xmlns:m="http://schemas.openxmlformats.org/officeDocument/2006/math">
-                        <m:acc>
-                          <m:accPr>
-                            <m:chr m:val="⃗"/>
-                            <m:ctrlPr>
-                              <a:rPr lang="en-US" sz="2000" b="0" i="1" smtClean="0">
-                                <a:latin typeface="Cambria Math" panose="02040503050406030204" pitchFamily="18" charset="0"/>
-                                <a:cs typeface="Arial" panose="020B0604020202020204" pitchFamily="34" charset="0"/>
-                              </a:rPr>
-                            </m:ctrlPr>
-                          </m:accPr>
-                          <m:e>
-                            <m:r>
-                              <a:rPr lang="en-US" sz="2000" b="0" i="1" smtClean="0">
-                                <a:latin typeface="Cambria Math" panose="02040503050406030204" pitchFamily="18" charset="0"/>
-                                <a:cs typeface="Arial" panose="020B0604020202020204" pitchFamily="34" charset="0"/>
-                              </a:rPr>
-                              <m:t>𝐸</m:t>
-                            </m:r>
-                          </m:e>
-                        </m:acc>
-                      </m:oMath>
-                    </m:oMathPara>
-                  </a14:m>
-                  <a:endParaRPr lang="en-US" sz="2000" dirty="0" smtClean="0">
-                    <a:latin typeface="Arial" panose="020B0604020202020204" pitchFamily="34" charset="0"/>
-                    <a:cs typeface="Arial" panose="020B0604020202020204" pitchFamily="34" charset="0"/>
-                  </a:endParaRPr>
-                </a:p>
-              </p:txBody>
-            </p:sp>
-          </mc:Choice>
-          <mc:Fallback xmlns="">
-            <p:sp>
-              <p:nvSpPr>
-                <p:cNvPr id="101" name="TextBox 100"/>
-                <p:cNvSpPr txBox="1">
-                  <a:spLocks noRot="1" noChangeAspect="1" noMove="1" noResize="1" noEditPoints="1" noAdjustHandles="1" noChangeArrowheads="1" noChangeShapeType="1" noTextEdit="1"/>
-                </p:cNvSpPr>
-                <p:nvPr/>
-              </p:nvSpPr>
-              <p:spPr>
-                <a:xfrm>
-                  <a:off x="11773955" y="2559337"/>
-                  <a:ext cx="240835" cy="345159"/>
-                </a:xfrm>
-                <a:prstGeom prst="rect">
-                  <a:avLst/>
-                </a:prstGeom>
-                <a:blipFill>
-                  <a:blip r:embed="rId32"/>
-                  <a:stretch>
-                    <a:fillRect l="-20000" r="-17500" b="-8929"/>
-                  </a:stretch>
-                </a:blipFill>
-              </p:spPr>
-              <p:txBody>
-                <a:bodyPr/>
-                <a:lstStyle/>
-                <a:p>
-                  <a:r>
-                    <a:rPr lang="en-US">
-                      <a:noFill/>
-                    </a:rPr>
-                    <a:t> </a:t>
-                  </a:r>
-                </a:p>
-              </p:txBody>
-            </p:sp>
-          </mc:Fallback>
-        </mc:AlternateContent>
-        <mc:AlternateContent xmlns:mc="http://schemas.openxmlformats.org/markup-compatibility/2006" xmlns:a14="http://schemas.microsoft.com/office/drawing/2010/main">
-          <mc:Choice Requires="a14">
-            <p:sp>
-              <p:nvSpPr>
-                <p:cNvPr id="23" name="TextBox 22"/>
-                <p:cNvSpPr txBox="1"/>
-                <p:nvPr/>
-              </p:nvSpPr>
-              <p:spPr>
-                <a:xfrm>
-                  <a:off x="10977541" y="3153240"/>
-                  <a:ext cx="240835" cy="345159"/>
-                </a:xfrm>
-                <a:prstGeom prst="rect">
-                  <a:avLst/>
-                </a:prstGeom>
-                <a:noFill/>
-              </p:spPr>
-              <p:txBody>
-                <a:bodyPr wrap="none" lIns="0" tIns="0" rIns="0" bIns="0" rtlCol="0">
-                  <a:spAutoFit/>
-                </a:bodyPr>
-                <a:lstStyle/>
-                <a:p>
-                  <a:pPr/>
-                  <a14:m>
-                    <m:oMathPara xmlns:m="http://schemas.openxmlformats.org/officeDocument/2006/math">
-                      <m:oMathParaPr>
-                        <m:jc m:val="centerGroup"/>
-                      </m:oMathParaPr>
-                      <m:oMath xmlns:m="http://schemas.openxmlformats.org/officeDocument/2006/math">
-                        <m:acc>
-                          <m:accPr>
-                            <m:chr m:val="⃗"/>
-                            <m:ctrlPr>
-                              <a:rPr lang="en-US" sz="2000" b="1" i="1" smtClean="0">
-                                <a:latin typeface="Cambria Math" panose="02040503050406030204" pitchFamily="18" charset="0"/>
-                                <a:cs typeface="Arial" panose="020B0604020202020204" pitchFamily="34" charset="0"/>
-                              </a:rPr>
-                            </m:ctrlPr>
-                          </m:accPr>
-                          <m:e>
-                            <m:r>
-                              <a:rPr lang="en-US" sz="2000" b="1" i="1" smtClean="0">
-                                <a:latin typeface="Cambria Math" panose="02040503050406030204" pitchFamily="18" charset="0"/>
-                                <a:cs typeface="Arial" panose="020B0604020202020204" pitchFamily="34" charset="0"/>
-                              </a:rPr>
-                              <m:t>𝑬</m:t>
-                            </m:r>
-                          </m:e>
-                        </m:acc>
-                      </m:oMath>
-                    </m:oMathPara>
-                  </a14:m>
-                  <a:endParaRPr lang="en-US" sz="2000" b="1" dirty="0" smtClean="0">
-                    <a:latin typeface="Arial" panose="020B0604020202020204" pitchFamily="34" charset="0"/>
-                    <a:cs typeface="Arial" panose="020B0604020202020204" pitchFamily="34" charset="0"/>
-                  </a:endParaRPr>
-                </a:p>
-              </p:txBody>
-            </p:sp>
-          </mc:Choice>
-          <mc:Fallback xmlns="">
-            <p:sp>
-              <p:nvSpPr>
-                <p:cNvPr id="102" name="TextBox 101"/>
-                <p:cNvSpPr txBox="1">
-                  <a:spLocks noRot="1" noChangeAspect="1" noMove="1" noResize="1" noEditPoints="1" noAdjustHandles="1" noChangeArrowheads="1" noChangeShapeType="1" noTextEdit="1"/>
-                </p:cNvSpPr>
-                <p:nvPr/>
-              </p:nvSpPr>
-              <p:spPr>
-                <a:xfrm>
-                  <a:off x="10977541" y="3153240"/>
-                  <a:ext cx="240835" cy="345159"/>
-                </a:xfrm>
-                <a:prstGeom prst="rect">
-                  <a:avLst/>
-                </a:prstGeom>
-                <a:blipFill>
-                  <a:blip r:embed="rId33"/>
-                  <a:stretch>
-                    <a:fillRect l="-23077" r="-23077" b="-8772"/>
-                  </a:stretch>
-                </a:blipFill>
-              </p:spPr>
-              <p:txBody>
-                <a:bodyPr/>
-                <a:lstStyle/>
-                <a:p>
-                  <a:r>
-                    <a:rPr lang="en-US">
-                      <a:noFill/>
-                    </a:rPr>
-                    <a:t> </a:t>
-                  </a:r>
-                </a:p>
-              </p:txBody>
-            </p:sp>
-          </mc:Fallback>
-        </mc:AlternateContent>
-      </p:grpSp>
-      <p:grpSp>
-        <p:nvGrpSpPr>
           <p:cNvPr id="84" name="Group 83"/>
           <p:cNvGrpSpPr/>
           <p:nvPr/>
@@ -23942,8 +22807,8 @@
               </a:fontRef>
             </p:style>
           </p:cxnSp>
-          <mc:AlternateContent xmlns:mc="http://schemas.openxmlformats.org/markup-compatibility/2006">
-            <mc:Choice xmlns:a14="http://schemas.microsoft.com/office/drawing/2010/main" Requires="a14">
+          <mc:AlternateContent xmlns:mc="http://schemas.openxmlformats.org/markup-compatibility/2006" xmlns:a14="http://schemas.microsoft.com/office/drawing/2010/main">
+            <mc:Choice Requires="a14">
               <p:sp>
                 <p:nvSpPr>
                   <p:cNvPr id="3" name="TextBox 2"/>
@@ -23991,7 +22856,7 @@
                 </p:txBody>
               </p:sp>
             </mc:Choice>
-            <mc:Fallback>
+            <mc:Fallback xmlns="">
               <p:sp>
                 <p:nvSpPr>
                   <p:cNvPr id="3" name="TextBox 2"/>
@@ -24305,8 +23170,8 @@
               </a:fontRef>
             </p:style>
           </p:cxnSp>
-          <mc:AlternateContent xmlns:mc="http://schemas.openxmlformats.org/markup-compatibility/2006">
-            <mc:Choice xmlns:a14="http://schemas.microsoft.com/office/drawing/2010/main" Requires="a14">
+          <mc:AlternateContent xmlns:mc="http://schemas.openxmlformats.org/markup-compatibility/2006" xmlns:a14="http://schemas.microsoft.com/office/drawing/2010/main">
+            <mc:Choice Requires="a14">
               <p:sp>
                 <p:nvSpPr>
                   <p:cNvPr id="46" name="TextBox 45"/>
@@ -24329,6 +23194,7 @@
                   </a:bodyPr>
                   <a:lstStyle/>
                   <a:p>
+                    <a:pPr/>
                     <a14:m>
                       <m:oMathPara xmlns:m="http://schemas.openxmlformats.org/officeDocument/2006/math">
                         <m:oMathParaPr>
@@ -24353,7 +23219,7 @@
                 </p:txBody>
               </p:sp>
             </mc:Choice>
-            <mc:Fallback>
+            <mc:Fallback xmlns="">
               <p:sp>
                 <p:nvSpPr>
                   <p:cNvPr id="46" name="TextBox 45"/>
@@ -24664,8 +23530,8 @@
               </a:p>
             </p:txBody>
           </p:sp>
-          <mc:AlternateContent xmlns:mc="http://schemas.openxmlformats.org/markup-compatibility/2006">
-            <mc:Choice xmlns:a14="http://schemas.microsoft.com/office/drawing/2010/main" Requires="a14">
+          <mc:AlternateContent xmlns:mc="http://schemas.openxmlformats.org/markup-compatibility/2006" xmlns:a14="http://schemas.microsoft.com/office/drawing/2010/main">
+            <mc:Choice Requires="a14">
               <p:sp>
                 <p:nvSpPr>
                   <p:cNvPr id="54" name="TextBox 53"/>
@@ -24726,7 +23592,7 @@
                 </p:txBody>
               </p:sp>
             </mc:Choice>
-            <mc:Fallback>
+            <mc:Fallback xmlns="">
               <p:sp>
                 <p:nvSpPr>
                   <p:cNvPr id="54" name="TextBox 53"/>
@@ -24801,8 +23667,8 @@
               </a:fontRef>
             </p:style>
           </p:cxnSp>
-          <mc:AlternateContent xmlns:mc="http://schemas.openxmlformats.org/markup-compatibility/2006">
-            <mc:Choice xmlns:a14="http://schemas.microsoft.com/office/drawing/2010/main" Requires="a14">
+          <mc:AlternateContent xmlns:mc="http://schemas.openxmlformats.org/markup-compatibility/2006" xmlns:a14="http://schemas.microsoft.com/office/drawing/2010/main">
+            <mc:Choice Requires="a14">
               <p:sp>
                 <p:nvSpPr>
                   <p:cNvPr id="56" name="TextBox 55"/>
@@ -24909,7 +23775,7 @@
                 </p:txBody>
               </p:sp>
             </mc:Choice>
-            <mc:Fallback>
+            <mc:Fallback xmlns="">
               <p:sp>
                 <p:nvSpPr>
                   <p:cNvPr id="56" name="TextBox 55"/>
@@ -24985,8 +23851,8 @@
               </a:fontRef>
             </p:style>
           </p:cxnSp>
-          <mc:AlternateContent xmlns:mc="http://schemas.openxmlformats.org/markup-compatibility/2006">
-            <mc:Choice xmlns:a14="http://schemas.microsoft.com/office/drawing/2010/main" Requires="a14">
+          <mc:AlternateContent xmlns:mc="http://schemas.openxmlformats.org/markup-compatibility/2006" xmlns:a14="http://schemas.microsoft.com/office/drawing/2010/main">
+            <mc:Choice Requires="a14">
               <p:sp>
                 <p:nvSpPr>
                   <p:cNvPr id="62" name="TextBox 61"/>
@@ -25047,7 +23913,7 @@
                 </p:txBody>
               </p:sp>
             </mc:Choice>
-            <mc:Fallback>
+            <mc:Fallback xmlns="">
               <p:sp>
                 <p:nvSpPr>
                   <p:cNvPr id="62" name="TextBox 61"/>
@@ -25122,8 +23988,8 @@
               </a:fontRef>
             </p:style>
           </p:cxnSp>
-          <mc:AlternateContent xmlns:mc="http://schemas.openxmlformats.org/markup-compatibility/2006">
-            <mc:Choice xmlns:a14="http://schemas.microsoft.com/office/drawing/2010/main" Requires="a14">
+          <mc:AlternateContent xmlns:mc="http://schemas.openxmlformats.org/markup-compatibility/2006" xmlns:a14="http://schemas.microsoft.com/office/drawing/2010/main">
+            <mc:Choice Requires="a14">
               <p:sp>
                 <p:nvSpPr>
                   <p:cNvPr id="64" name="TextBox 63"/>
@@ -25230,7 +24096,7 @@
                 </p:txBody>
               </p:sp>
             </mc:Choice>
-            <mc:Fallback>
+            <mc:Fallback xmlns="">
               <p:sp>
                 <p:nvSpPr>
                   <p:cNvPr id="64" name="TextBox 63"/>
@@ -25344,8 +24210,8 @@
             </a:fontRef>
           </p:style>
         </p:cxnSp>
-        <mc:AlternateContent xmlns:mc="http://schemas.openxmlformats.org/markup-compatibility/2006">
-          <mc:Choice xmlns:a14="http://schemas.microsoft.com/office/drawing/2010/main" Requires="a14">
+        <mc:AlternateContent xmlns:mc="http://schemas.openxmlformats.org/markup-compatibility/2006" xmlns:a14="http://schemas.microsoft.com/office/drawing/2010/main">
+          <mc:Choice Requires="a14">
             <p:sp>
               <p:nvSpPr>
                 <p:cNvPr id="83" name="TextBox 82"/>
@@ -25368,6 +24234,7 @@
                 </a:bodyPr>
                 <a:lstStyle/>
                 <a:p>
+                  <a:pPr/>
                   <a14:m>
                     <m:oMathPara xmlns:m="http://schemas.openxmlformats.org/officeDocument/2006/math">
                       <m:oMathParaPr>
@@ -25392,7 +24259,7 @@
               </p:txBody>
             </p:sp>
           </mc:Choice>
-          <mc:Fallback>
+          <mc:Fallback xmlns="">
             <p:sp>
               <p:nvSpPr>
                 <p:cNvPr id="83" name="TextBox 82"/>
@@ -25610,8 +24477,8 @@
                   </a:fontRef>
                 </p:style>
               </p:cxnSp>
-              <mc:AlternateContent xmlns:mc="http://schemas.openxmlformats.org/markup-compatibility/2006">
-                <mc:Choice xmlns:a14="http://schemas.microsoft.com/office/drawing/2010/main" Requires="a14">
+              <mc:AlternateContent xmlns:mc="http://schemas.openxmlformats.org/markup-compatibility/2006" xmlns:a14="http://schemas.microsoft.com/office/drawing/2010/main">
+                <mc:Choice Requires="a14">
                   <p:sp>
                     <p:nvSpPr>
                       <p:cNvPr id="11" name="TextBox 10"/>
@@ -25672,7 +24539,7 @@
                     </p:txBody>
                   </p:sp>
                 </mc:Choice>
-                <mc:Fallback>
+                <mc:Fallback xmlns="">
                   <p:sp>
                     <p:nvSpPr>
                       <p:cNvPr id="11" name="TextBox 10"/>
@@ -26108,8 +24975,8 @@
                 </p:style>
               </p:cxnSp>
             </p:grpSp>
-            <mc:AlternateContent xmlns:mc="http://schemas.openxmlformats.org/markup-compatibility/2006">
-              <mc:Choice xmlns:a14="http://schemas.microsoft.com/office/drawing/2010/main" Requires="a14">
+            <mc:AlternateContent xmlns:mc="http://schemas.openxmlformats.org/markup-compatibility/2006" xmlns:a14="http://schemas.microsoft.com/office/drawing/2010/main">
+              <mc:Choice Requires="a14">
                 <p:sp>
                   <p:nvSpPr>
                     <p:cNvPr id="27" name="TextBox 26"/>
@@ -26132,6 +24999,7 @@
                     </a:bodyPr>
                     <a:lstStyle/>
                     <a:p>
+                      <a:pPr/>
                       <a14:m>
                         <m:oMathPara xmlns:m="http://schemas.openxmlformats.org/officeDocument/2006/math">
                           <m:oMathParaPr>
@@ -26156,7 +25024,7 @@
                   </p:txBody>
                 </p:sp>
               </mc:Choice>
-              <mc:Fallback>
+              <mc:Fallback xmlns="">
                 <p:sp>
                   <p:nvSpPr>
                     <p:cNvPr id="27" name="TextBox 26"/>
@@ -26643,8 +25511,8 @@
               </a:fontRef>
             </p:style>
           </p:cxnSp>
-          <mc:AlternateContent xmlns:mc="http://schemas.openxmlformats.org/markup-compatibility/2006">
-            <mc:Choice xmlns:a14="http://schemas.microsoft.com/office/drawing/2010/main" Requires="a14">
+          <mc:AlternateContent xmlns:mc="http://schemas.openxmlformats.org/markup-compatibility/2006" xmlns:a14="http://schemas.microsoft.com/office/drawing/2010/main">
+            <mc:Choice Requires="a14">
               <p:sp>
                 <p:nvSpPr>
                   <p:cNvPr id="50" name="TextBox 49"/>
@@ -26705,7 +25573,7 @@
                 </p:txBody>
               </p:sp>
             </mc:Choice>
-            <mc:Fallback>
+            <mc:Fallback xmlns="">
               <p:sp>
                 <p:nvSpPr>
                   <p:cNvPr id="50" name="TextBox 49"/>
@@ -26905,8 +25773,8 @@
             </a:p>
           </p:txBody>
         </p:sp>
-        <mc:AlternateContent xmlns:mc="http://schemas.openxmlformats.org/markup-compatibility/2006">
-          <mc:Choice xmlns:a14="http://schemas.microsoft.com/office/drawing/2010/main" Requires="a14">
+        <mc:AlternateContent xmlns:mc="http://schemas.openxmlformats.org/markup-compatibility/2006" xmlns:a14="http://schemas.microsoft.com/office/drawing/2010/main">
+          <mc:Choice Requires="a14">
             <p:sp>
               <p:nvSpPr>
                 <p:cNvPr id="53" name="TextBox 52"/>
@@ -26929,6 +25797,7 @@
                 </a:bodyPr>
                 <a:lstStyle/>
                 <a:p>
+                  <a:pPr/>
                   <a14:m>
                     <m:oMathPara xmlns:m="http://schemas.openxmlformats.org/officeDocument/2006/math">
                       <m:oMathParaPr>
@@ -26953,7 +25822,7 @@
               </p:txBody>
             </p:sp>
           </mc:Choice>
-          <mc:Fallback>
+          <mc:Fallback xmlns="">
             <p:sp>
               <p:nvSpPr>
                 <p:cNvPr id="53" name="TextBox 52"/>
@@ -27089,8 +25958,8 @@
             </a:p>
           </p:txBody>
         </p:sp>
-        <mc:AlternateContent xmlns:mc="http://schemas.openxmlformats.org/markup-compatibility/2006">
-          <mc:Choice xmlns:a14="http://schemas.microsoft.com/office/drawing/2010/main" Requires="a14">
+        <mc:AlternateContent xmlns:mc="http://schemas.openxmlformats.org/markup-compatibility/2006" xmlns:a14="http://schemas.microsoft.com/office/drawing/2010/main">
+          <mc:Choice Requires="a14">
             <p:sp>
               <p:nvSpPr>
                 <p:cNvPr id="62" name="TextBox 61"/>
@@ -27151,7 +26020,7 @@
               </p:txBody>
             </p:sp>
           </mc:Choice>
-          <mc:Fallback>
+          <mc:Fallback xmlns="">
             <p:sp>
               <p:nvSpPr>
                 <p:cNvPr id="62" name="TextBox 61"/>
@@ -27190,8 +26059,8 @@
             </p:sp>
           </mc:Fallback>
         </mc:AlternateContent>
-        <mc:AlternateContent xmlns:mc="http://schemas.openxmlformats.org/markup-compatibility/2006">
-          <mc:Choice xmlns:a14="http://schemas.microsoft.com/office/drawing/2010/main" Requires="a14">
+        <mc:AlternateContent xmlns:mc="http://schemas.openxmlformats.org/markup-compatibility/2006" xmlns:a14="http://schemas.microsoft.com/office/drawing/2010/main">
+          <mc:Choice Requires="a14">
             <p:sp>
               <p:nvSpPr>
                 <p:cNvPr id="64" name="TextBox 63"/>
@@ -27252,7 +26121,7 @@
               </p:txBody>
             </p:sp>
           </mc:Choice>
-          <mc:Fallback>
+          <mc:Fallback xmlns="">
             <p:sp>
               <p:nvSpPr>
                 <p:cNvPr id="64" name="TextBox 63"/>
@@ -27412,8 +26281,8 @@
             </a:fontRef>
           </p:style>
         </p:cxnSp>
-        <mc:AlternateContent xmlns:mc="http://schemas.openxmlformats.org/markup-compatibility/2006">
-          <mc:Choice xmlns:a14="http://schemas.microsoft.com/office/drawing/2010/main" Requires="a14">
+        <mc:AlternateContent xmlns:mc="http://schemas.openxmlformats.org/markup-compatibility/2006" xmlns:a14="http://schemas.microsoft.com/office/drawing/2010/main">
+          <mc:Choice Requires="a14">
             <p:sp>
               <p:nvSpPr>
                 <p:cNvPr id="67" name="Rectangle 66"/>
@@ -27435,6 +26304,7 @@
                 </a:bodyPr>
                 <a:lstStyle/>
                 <a:p>
+                  <a:pPr/>
                   <a14:m>
                     <m:oMathPara xmlns:m="http://schemas.openxmlformats.org/officeDocument/2006/math">
                       <m:oMathParaPr>
@@ -27485,7 +26355,7 @@
               </p:txBody>
             </p:sp>
           </mc:Choice>
-          <mc:Fallback>
+          <mc:Fallback xmlns="">
             <p:sp>
               <p:nvSpPr>
                 <p:cNvPr id="67" name="Rectangle 66"/>
@@ -27524,8 +26394,8 @@
             </p:sp>
           </mc:Fallback>
         </mc:AlternateContent>
-        <mc:AlternateContent xmlns:mc="http://schemas.openxmlformats.org/markup-compatibility/2006">
-          <mc:Choice xmlns:a14="http://schemas.microsoft.com/office/drawing/2010/main" Requires="a14">
+        <mc:AlternateContent xmlns:mc="http://schemas.openxmlformats.org/markup-compatibility/2006" xmlns:a14="http://schemas.microsoft.com/office/drawing/2010/main">
+          <mc:Choice Requires="a14">
             <p:sp>
               <p:nvSpPr>
                 <p:cNvPr id="70" name="Rectangle 69"/>
@@ -27547,6 +26417,7 @@
                 </a:bodyPr>
                 <a:lstStyle/>
                 <a:p>
+                  <a:pPr/>
                   <a14:m>
                     <m:oMathPara xmlns:m="http://schemas.openxmlformats.org/officeDocument/2006/math">
                       <m:oMathParaPr>
@@ -27597,7 +26468,7 @@
               </p:txBody>
             </p:sp>
           </mc:Choice>
-          <mc:Fallback>
+          <mc:Fallback xmlns="">
             <p:sp>
               <p:nvSpPr>
                 <p:cNvPr id="70" name="Rectangle 69"/>
@@ -27805,8 +26676,8 @@
             </a:fontRef>
           </p:style>
         </p:cxnSp>
-        <mc:AlternateContent xmlns:mc="http://schemas.openxmlformats.org/markup-compatibility/2006">
-          <mc:Choice xmlns:a14="http://schemas.microsoft.com/office/drawing/2010/main" Requires="a14">
+        <mc:AlternateContent xmlns:mc="http://schemas.openxmlformats.org/markup-compatibility/2006" xmlns:a14="http://schemas.microsoft.com/office/drawing/2010/main">
+          <mc:Choice Requires="a14">
             <p:sp>
               <p:nvSpPr>
                 <p:cNvPr id="75" name="TextBox 74"/>
@@ -27829,6 +26700,7 @@
                 </a:bodyPr>
                 <a:lstStyle/>
                 <a:p>
+                  <a:pPr/>
                   <a14:m>
                     <m:oMathPara xmlns:m="http://schemas.openxmlformats.org/officeDocument/2006/math">
                       <m:oMathParaPr>
@@ -27853,7 +26725,7 @@
               </p:txBody>
             </p:sp>
           </mc:Choice>
-          <mc:Fallback>
+          <mc:Fallback xmlns="">
             <p:sp>
               <p:nvSpPr>
                 <p:cNvPr id="75" name="TextBox 74"/>
@@ -27929,8 +26801,8 @@
             </a:fontRef>
           </p:style>
         </p:cxnSp>
-        <mc:AlternateContent xmlns:mc="http://schemas.openxmlformats.org/markup-compatibility/2006">
-          <mc:Choice xmlns:a14="http://schemas.microsoft.com/office/drawing/2010/main" Requires="a14">
+        <mc:AlternateContent xmlns:mc="http://schemas.openxmlformats.org/markup-compatibility/2006" xmlns:a14="http://schemas.microsoft.com/office/drawing/2010/main">
+          <mc:Choice Requires="a14">
             <p:sp>
               <p:nvSpPr>
                 <p:cNvPr id="81" name="TextBox 80"/>
@@ -27953,6 +26825,7 @@
                 </a:bodyPr>
                 <a:lstStyle/>
                 <a:p>
+                  <a:pPr/>
                   <a14:m>
                     <m:oMathPara xmlns:m="http://schemas.openxmlformats.org/officeDocument/2006/math">
                       <m:oMathParaPr>
@@ -27983,7 +26856,7 @@
               </p:txBody>
             </p:sp>
           </mc:Choice>
-          <mc:Fallback>
+          <mc:Fallback xmlns="">
             <p:sp>
               <p:nvSpPr>
                 <p:cNvPr id="81" name="TextBox 80"/>
@@ -28059,8 +26932,8 @@
             </a:fontRef>
           </p:style>
         </p:cxnSp>
-        <mc:AlternateContent xmlns:mc="http://schemas.openxmlformats.org/markup-compatibility/2006">
-          <mc:Choice xmlns:a14="http://schemas.microsoft.com/office/drawing/2010/main" Requires="a14">
+        <mc:AlternateContent xmlns:mc="http://schemas.openxmlformats.org/markup-compatibility/2006" xmlns:a14="http://schemas.microsoft.com/office/drawing/2010/main">
+          <mc:Choice Requires="a14">
             <p:sp>
               <p:nvSpPr>
                 <p:cNvPr id="83" name="TextBox 82"/>
@@ -28083,6 +26956,7 @@
                 </a:bodyPr>
                 <a:lstStyle/>
                 <a:p>
+                  <a:pPr/>
                   <a14:m>
                     <m:oMathPara xmlns:m="http://schemas.openxmlformats.org/officeDocument/2006/math">
                       <m:oMathParaPr>
@@ -28113,7 +26987,7 @@
               </p:txBody>
             </p:sp>
           </mc:Choice>
-          <mc:Fallback>
+          <mc:Fallback xmlns="">
             <p:sp>
               <p:nvSpPr>
                 <p:cNvPr id="83" name="TextBox 82"/>
@@ -28189,8 +27063,8 @@
             </a:fontRef>
           </p:style>
         </p:cxnSp>
-        <mc:AlternateContent xmlns:mc="http://schemas.openxmlformats.org/markup-compatibility/2006">
-          <mc:Choice xmlns:a14="http://schemas.microsoft.com/office/drawing/2010/main" Requires="a14">
+        <mc:AlternateContent xmlns:mc="http://schemas.openxmlformats.org/markup-compatibility/2006" xmlns:a14="http://schemas.microsoft.com/office/drawing/2010/main">
+          <mc:Choice Requires="a14">
             <p:sp>
               <p:nvSpPr>
                 <p:cNvPr id="87" name="TextBox 86"/>
@@ -28213,6 +27087,7 @@
                 </a:bodyPr>
                 <a:lstStyle/>
                 <a:p>
+                  <a:pPr/>
                   <a14:m>
                     <m:oMathPara xmlns:m="http://schemas.openxmlformats.org/officeDocument/2006/math">
                       <m:oMathParaPr>
@@ -28243,7 +27118,7 @@
               </p:txBody>
             </p:sp>
           </mc:Choice>
-          <mc:Fallback>
+          <mc:Fallback xmlns="">
             <p:sp>
               <p:nvSpPr>
                 <p:cNvPr id="87" name="TextBox 86"/>
@@ -28318,8 +27193,8 @@
             </a:fontRef>
           </p:style>
         </p:cxnSp>
-        <mc:AlternateContent xmlns:mc="http://schemas.openxmlformats.org/markup-compatibility/2006">
-          <mc:Choice xmlns:a14="http://schemas.microsoft.com/office/drawing/2010/main" Requires="a14">
+        <mc:AlternateContent xmlns:mc="http://schemas.openxmlformats.org/markup-compatibility/2006" xmlns:a14="http://schemas.microsoft.com/office/drawing/2010/main">
+          <mc:Choice Requires="a14">
             <p:sp>
               <p:nvSpPr>
                 <p:cNvPr id="91" name="TextBox 90"/>
@@ -28342,6 +27217,7 @@
                 </a:bodyPr>
                 <a:lstStyle/>
                 <a:p>
+                  <a:pPr/>
                   <a14:m>
                     <m:oMathPara xmlns:m="http://schemas.openxmlformats.org/officeDocument/2006/math">
                       <m:oMathParaPr>
@@ -28372,7 +27248,7 @@
               </p:txBody>
             </p:sp>
           </mc:Choice>
-          <mc:Fallback>
+          <mc:Fallback xmlns="">
             <p:sp>
               <p:nvSpPr>
                 <p:cNvPr id="91" name="TextBox 90"/>
@@ -28503,10 +27379,6 @@
                 </a:rPr>
                 <a:t>+ + + + + + + + + + + + + + + + + </a:t>
               </a:r>
-              <a:endParaRPr lang="en-US" sz="2000" dirty="0" smtClean="0">
-                <a:latin typeface="Arial" panose="020B0604020202020204" pitchFamily="34" charset="0"/>
-                <a:cs typeface="Arial" panose="020B0604020202020204" pitchFamily="34" charset="0"/>
-              </a:endParaRPr>
             </a:p>
           </p:txBody>
         </p:sp>
@@ -28539,10 +27411,6 @@
                 </a:rPr>
                 <a:t>+ + + + + + + + + + + + + + + + + </a:t>
               </a:r>
-              <a:endParaRPr lang="en-US" sz="2000" dirty="0" smtClean="0">
-                <a:latin typeface="Arial" panose="020B0604020202020204" pitchFamily="34" charset="0"/>
-                <a:cs typeface="Arial" panose="020B0604020202020204" pitchFamily="34" charset="0"/>
-              </a:endParaRPr>
             </a:p>
           </p:txBody>
         </p:sp>
@@ -29331,8 +28199,8 @@
             </p:style>
           </p:cxnSp>
         </p:grpSp>
-        <mc:AlternateContent xmlns:mc="http://schemas.openxmlformats.org/markup-compatibility/2006">
-          <mc:Choice xmlns:a14="http://schemas.microsoft.com/office/drawing/2010/main" Requires="a14">
+        <mc:AlternateContent xmlns:mc="http://schemas.openxmlformats.org/markup-compatibility/2006" xmlns:a14="http://schemas.microsoft.com/office/drawing/2010/main">
+          <mc:Choice Requires="a14">
             <p:sp>
               <p:nvSpPr>
                 <p:cNvPr id="121" name="TextBox 120"/>
@@ -29393,7 +28261,7 @@
               </p:txBody>
             </p:sp>
           </mc:Choice>
-          <mc:Fallback>
+          <mc:Fallback xmlns="">
             <p:sp>
               <p:nvSpPr>
                 <p:cNvPr id="121" name="TextBox 120"/>
@@ -29468,8 +28336,8 @@
             </a:fontRef>
           </p:style>
         </p:cxnSp>
-        <mc:AlternateContent xmlns:mc="http://schemas.openxmlformats.org/markup-compatibility/2006">
-          <mc:Choice xmlns:a14="http://schemas.microsoft.com/office/drawing/2010/main" Requires="a14">
+        <mc:AlternateContent xmlns:mc="http://schemas.openxmlformats.org/markup-compatibility/2006" xmlns:a14="http://schemas.microsoft.com/office/drawing/2010/main">
+          <mc:Choice Requires="a14">
             <p:sp>
               <p:nvSpPr>
                 <p:cNvPr id="123" name="Rectangle 122"/>
@@ -29491,6 +28359,7 @@
                 </a:bodyPr>
                 <a:lstStyle/>
                 <a:p>
+                  <a:pPr/>
                   <a14:m>
                     <m:oMathPara xmlns:m="http://schemas.openxmlformats.org/officeDocument/2006/math">
                       <m:oMathParaPr>
@@ -29541,7 +28410,7 @@
               </p:txBody>
             </p:sp>
           </mc:Choice>
-          <mc:Fallback>
+          <mc:Fallback xmlns="">
             <p:sp>
               <p:nvSpPr>
                 <p:cNvPr id="123" name="Rectangle 122"/>
@@ -29580,8 +28449,8 @@
             </p:sp>
           </mc:Fallback>
         </mc:AlternateContent>
-        <mc:AlternateContent xmlns:mc="http://schemas.openxmlformats.org/markup-compatibility/2006">
-          <mc:Choice xmlns:a14="http://schemas.microsoft.com/office/drawing/2010/main" Requires="a14">
+        <mc:AlternateContent xmlns:mc="http://schemas.openxmlformats.org/markup-compatibility/2006" xmlns:a14="http://schemas.microsoft.com/office/drawing/2010/main">
+          <mc:Choice Requires="a14">
             <p:sp>
               <p:nvSpPr>
                 <p:cNvPr id="124" name="TextBox 123"/>
@@ -29604,6 +28473,7 @@
                 </a:bodyPr>
                 <a:lstStyle/>
                 <a:p>
+                  <a:pPr/>
                   <a14:m>
                     <m:oMathPara xmlns:m="http://schemas.openxmlformats.org/officeDocument/2006/math">
                       <m:oMathParaPr>
@@ -29649,7 +28519,7 @@
               </p:txBody>
             </p:sp>
           </mc:Choice>
-          <mc:Fallback>
+          <mc:Fallback xmlns="">
             <p:sp>
               <p:nvSpPr>
                 <p:cNvPr id="124" name="TextBox 123"/>
@@ -29688,8 +28558,8 @@
             </p:sp>
           </mc:Fallback>
         </mc:AlternateContent>
-        <mc:AlternateContent xmlns:mc="http://schemas.openxmlformats.org/markup-compatibility/2006">
-          <mc:Choice xmlns:a14="http://schemas.microsoft.com/office/drawing/2010/main" Requires="a14">
+        <mc:AlternateContent xmlns:mc="http://schemas.openxmlformats.org/markup-compatibility/2006" xmlns:a14="http://schemas.microsoft.com/office/drawing/2010/main">
+          <mc:Choice Requires="a14">
             <p:sp>
               <p:nvSpPr>
                 <p:cNvPr id="125" name="TextBox 124"/>
@@ -29712,6 +28582,7 @@
                 </a:bodyPr>
                 <a:lstStyle/>
                 <a:p>
+                  <a:pPr/>
                   <a14:m>
                     <m:oMathPara xmlns:m="http://schemas.openxmlformats.org/officeDocument/2006/math">
                       <m:oMathParaPr>
@@ -29757,7 +28628,7 @@
               </p:txBody>
             </p:sp>
           </mc:Choice>
-          <mc:Fallback>
+          <mc:Fallback xmlns="">
             <p:sp>
               <p:nvSpPr>
                 <p:cNvPr id="125" name="TextBox 124"/>
@@ -29833,8 +28704,8 @@
             </a:fontRef>
           </p:style>
         </p:cxnSp>
-        <mc:AlternateContent xmlns:mc="http://schemas.openxmlformats.org/markup-compatibility/2006">
-          <mc:Choice xmlns:a14="http://schemas.microsoft.com/office/drawing/2010/main" Requires="a14">
+        <mc:AlternateContent xmlns:mc="http://schemas.openxmlformats.org/markup-compatibility/2006" xmlns:a14="http://schemas.microsoft.com/office/drawing/2010/main">
+          <mc:Choice Requires="a14">
             <p:sp>
               <p:nvSpPr>
                 <p:cNvPr id="127" name="TextBox 126"/>
@@ -29857,6 +28728,7 @@
                 </a:bodyPr>
                 <a:lstStyle/>
                 <a:p>
+                  <a:pPr/>
                   <a14:m>
                     <m:oMathPara xmlns:m="http://schemas.openxmlformats.org/officeDocument/2006/math">
                       <m:oMathParaPr>
@@ -29881,7 +28753,7 @@
               </p:txBody>
             </p:sp>
           </mc:Choice>
-          <mc:Fallback>
+          <mc:Fallback xmlns="">
             <p:sp>
               <p:nvSpPr>
                 <p:cNvPr id="127" name="TextBox 126"/>
@@ -30258,8 +29130,8 @@
                   </a:p>
                 </p:txBody>
               </p:sp>
-              <mc:AlternateContent xmlns:mc="http://schemas.openxmlformats.org/markup-compatibility/2006">
-                <mc:Choice xmlns:a14="http://schemas.microsoft.com/office/drawing/2010/main" Requires="a14">
+              <mc:AlternateContent xmlns:mc="http://schemas.openxmlformats.org/markup-compatibility/2006" xmlns:a14="http://schemas.microsoft.com/office/drawing/2010/main">
+                <mc:Choice Requires="a14">
                   <p:sp>
                     <p:nvSpPr>
                       <p:cNvPr id="7" name="TextBox 6"/>
@@ -30282,6 +29154,7 @@
                       </a:bodyPr>
                       <a:lstStyle/>
                       <a:p>
+                        <a:pPr/>
                         <a14:m>
                           <m:oMathPara xmlns:m="http://schemas.openxmlformats.org/officeDocument/2006/math">
                             <m:oMathParaPr>
@@ -30313,7 +29186,7 @@
                     </p:txBody>
                   </p:sp>
                 </mc:Choice>
-                <mc:Fallback>
+                <mc:Fallback xmlns="">
                   <p:sp>
                     <p:nvSpPr>
                       <p:cNvPr id="7" name="TextBox 6"/>
@@ -30921,10 +29794,6 @@
                       </a:rPr>
                       <a:t>+</a:t>
                     </a:r>
-                    <a:endParaRPr lang="en-US" sz="2000" dirty="0" smtClean="0">
-                      <a:latin typeface="Arial" panose="020B0604020202020204" pitchFamily="34" charset="0"/>
-                      <a:cs typeface="Arial" panose="020B0604020202020204" pitchFamily="34" charset="0"/>
-                    </a:endParaRPr>
                   </a:p>
                 </p:txBody>
               </p:sp>
@@ -30957,10 +29826,6 @@
                       </a:rPr>
                       <a:t>+</a:t>
                     </a:r>
-                    <a:endParaRPr lang="en-US" sz="2000" dirty="0" smtClean="0">
-                      <a:latin typeface="Arial" panose="020B0604020202020204" pitchFamily="34" charset="0"/>
-                      <a:cs typeface="Arial" panose="020B0604020202020204" pitchFamily="34" charset="0"/>
-                    </a:endParaRPr>
                   </a:p>
                 </p:txBody>
               </p:sp>
@@ -30993,10 +29858,6 @@
                       </a:rPr>
                       <a:t>+</a:t>
                     </a:r>
-                    <a:endParaRPr lang="en-US" sz="2000" dirty="0" smtClean="0">
-                      <a:latin typeface="Arial" panose="020B0604020202020204" pitchFamily="34" charset="0"/>
-                      <a:cs typeface="Arial" panose="020B0604020202020204" pitchFamily="34" charset="0"/>
-                    </a:endParaRPr>
                   </a:p>
                 </p:txBody>
               </p:sp>
@@ -31029,10 +29890,6 @@
                       </a:rPr>
                       <a:t>+</a:t>
                     </a:r>
-                    <a:endParaRPr lang="en-US" sz="2000" dirty="0" smtClean="0">
-                      <a:latin typeface="Arial" panose="020B0604020202020204" pitchFamily="34" charset="0"/>
-                      <a:cs typeface="Arial" panose="020B0604020202020204" pitchFamily="34" charset="0"/>
-                    </a:endParaRPr>
                   </a:p>
                 </p:txBody>
               </p:sp>
@@ -31065,10 +29922,6 @@
                       </a:rPr>
                       <a:t>+</a:t>
                     </a:r>
-                    <a:endParaRPr lang="en-US" sz="2000" dirty="0" smtClean="0">
-                      <a:latin typeface="Arial" panose="020B0604020202020204" pitchFamily="34" charset="0"/>
-                      <a:cs typeface="Arial" panose="020B0604020202020204" pitchFamily="34" charset="0"/>
-                    </a:endParaRPr>
                   </a:p>
                 </p:txBody>
               </p:sp>
@@ -31101,10 +29954,6 @@
                       </a:rPr>
                       <a:t>+</a:t>
                     </a:r>
-                    <a:endParaRPr lang="en-US" sz="2000" dirty="0" smtClean="0">
-                      <a:latin typeface="Arial" panose="020B0604020202020204" pitchFamily="34" charset="0"/>
-                      <a:cs typeface="Arial" panose="020B0604020202020204" pitchFamily="34" charset="0"/>
-                    </a:endParaRPr>
                   </a:p>
                 </p:txBody>
               </p:sp>
@@ -31137,10 +29986,6 @@
                       </a:rPr>
                       <a:t>+</a:t>
                     </a:r>
-                    <a:endParaRPr lang="en-US" sz="2000" dirty="0" smtClean="0">
-                      <a:latin typeface="Arial" panose="020B0604020202020204" pitchFamily="34" charset="0"/>
-                      <a:cs typeface="Arial" panose="020B0604020202020204" pitchFamily="34" charset="0"/>
-                    </a:endParaRPr>
                   </a:p>
                 </p:txBody>
               </p:sp>
@@ -31173,10 +30018,6 @@
                       </a:rPr>
                       <a:t>+</a:t>
                     </a:r>
-                    <a:endParaRPr lang="en-US" sz="2000" dirty="0" smtClean="0">
-                      <a:latin typeface="Arial" panose="020B0604020202020204" pitchFamily="34" charset="0"/>
-                      <a:cs typeface="Arial" panose="020B0604020202020204" pitchFamily="34" charset="0"/>
-                    </a:endParaRPr>
                   </a:p>
                 </p:txBody>
               </p:sp>
@@ -31209,10 +30050,6 @@
                       </a:rPr>
                       <a:t>+</a:t>
                     </a:r>
-                    <a:endParaRPr lang="en-US" sz="2000" dirty="0" smtClean="0">
-                      <a:latin typeface="Arial" panose="020B0604020202020204" pitchFamily="34" charset="0"/>
-                      <a:cs typeface="Arial" panose="020B0604020202020204" pitchFamily="34" charset="0"/>
-                    </a:endParaRPr>
                   </a:p>
                 </p:txBody>
               </p:sp>
@@ -31245,10 +30082,6 @@
                       </a:rPr>
                       <a:t>+</a:t>
                     </a:r>
-                    <a:endParaRPr lang="en-US" sz="2000" dirty="0" smtClean="0">
-                      <a:latin typeface="Arial" panose="020B0604020202020204" pitchFamily="34" charset="0"/>
-                      <a:cs typeface="Arial" panose="020B0604020202020204" pitchFamily="34" charset="0"/>
-                    </a:endParaRPr>
                   </a:p>
                 </p:txBody>
               </p:sp>
@@ -31281,10 +30114,6 @@
                       </a:rPr>
                       <a:t>+</a:t>
                     </a:r>
-                    <a:endParaRPr lang="en-US" sz="2000" dirty="0" smtClean="0">
-                      <a:latin typeface="Arial" panose="020B0604020202020204" pitchFamily="34" charset="0"/>
-                      <a:cs typeface="Arial" panose="020B0604020202020204" pitchFamily="34" charset="0"/>
-                    </a:endParaRPr>
                   </a:p>
                 </p:txBody>
               </p:sp>
@@ -31317,10 +30146,6 @@
                       </a:rPr>
                       <a:t>+</a:t>
                     </a:r>
-                    <a:endParaRPr lang="en-US" sz="2000" dirty="0" smtClean="0">
-                      <a:latin typeface="Arial" panose="020B0604020202020204" pitchFamily="34" charset="0"/>
-                      <a:cs typeface="Arial" panose="020B0604020202020204" pitchFamily="34" charset="0"/>
-                    </a:endParaRPr>
                   </a:p>
                 </p:txBody>
               </p:sp>
@@ -31353,10 +30178,6 @@
                       </a:rPr>
                       <a:t>+</a:t>
                     </a:r>
-                    <a:endParaRPr lang="en-US" sz="2000" dirty="0" smtClean="0">
-                      <a:latin typeface="Arial" panose="020B0604020202020204" pitchFamily="34" charset="0"/>
-                      <a:cs typeface="Arial" panose="020B0604020202020204" pitchFamily="34" charset="0"/>
-                    </a:endParaRPr>
                   </a:p>
                 </p:txBody>
               </p:sp>
@@ -31389,10 +30210,6 @@
                       </a:rPr>
                       <a:t>+</a:t>
                     </a:r>
-                    <a:endParaRPr lang="en-US" sz="2000" dirty="0" smtClean="0">
-                      <a:latin typeface="Arial" panose="020B0604020202020204" pitchFamily="34" charset="0"/>
-                      <a:cs typeface="Arial" panose="020B0604020202020204" pitchFamily="34" charset="0"/>
-                    </a:endParaRPr>
                   </a:p>
                 </p:txBody>
               </p:sp>
@@ -31425,10 +30242,6 @@
                       </a:rPr>
                       <a:t>+</a:t>
                     </a:r>
-                    <a:endParaRPr lang="en-US" sz="2000" dirty="0" smtClean="0">
-                      <a:latin typeface="Arial" panose="020B0604020202020204" pitchFamily="34" charset="0"/>
-                      <a:cs typeface="Arial" panose="020B0604020202020204" pitchFamily="34" charset="0"/>
-                    </a:endParaRPr>
                   </a:p>
                 </p:txBody>
               </p:sp>
@@ -31461,10 +30274,6 @@
                       </a:rPr>
                       <a:t>+</a:t>
                     </a:r>
-                    <a:endParaRPr lang="en-US" sz="2000" dirty="0" smtClean="0">
-                      <a:latin typeface="Arial" panose="020B0604020202020204" pitchFamily="34" charset="0"/>
-                      <a:cs typeface="Arial" panose="020B0604020202020204" pitchFamily="34" charset="0"/>
-                    </a:endParaRPr>
                   </a:p>
                 </p:txBody>
               </p:sp>
@@ -31497,10 +30306,6 @@
                       </a:rPr>
                       <a:t>+</a:t>
                     </a:r>
-                    <a:endParaRPr lang="en-US" sz="2000" dirty="0" smtClean="0">
-                      <a:latin typeface="Arial" panose="020B0604020202020204" pitchFamily="34" charset="0"/>
-                      <a:cs typeface="Arial" panose="020B0604020202020204" pitchFamily="34" charset="0"/>
-                    </a:endParaRPr>
                   </a:p>
                 </p:txBody>
               </p:sp>
@@ -31533,10 +30338,6 @@
                       </a:rPr>
                       <a:t>+</a:t>
                     </a:r>
-                    <a:endParaRPr lang="en-US" sz="2000" dirty="0" smtClean="0">
-                      <a:latin typeface="Arial" panose="020B0604020202020204" pitchFamily="34" charset="0"/>
-                      <a:cs typeface="Arial" panose="020B0604020202020204" pitchFamily="34" charset="0"/>
-                    </a:endParaRPr>
                   </a:p>
                 </p:txBody>
               </p:sp>
@@ -31569,10 +30370,6 @@
                       </a:rPr>
                       <a:t>+</a:t>
                     </a:r>
-                    <a:endParaRPr lang="en-US" sz="2000" dirty="0" smtClean="0">
-                      <a:latin typeface="Arial" panose="020B0604020202020204" pitchFamily="34" charset="0"/>
-                      <a:cs typeface="Arial" panose="020B0604020202020204" pitchFamily="34" charset="0"/>
-                    </a:endParaRPr>
                   </a:p>
                 </p:txBody>
               </p:sp>
@@ -31605,10 +30402,6 @@
                       </a:rPr>
                       <a:t>+</a:t>
                     </a:r>
-                    <a:endParaRPr lang="en-US" sz="2000" dirty="0" smtClean="0">
-                      <a:latin typeface="Arial" panose="020B0604020202020204" pitchFamily="34" charset="0"/>
-                      <a:cs typeface="Arial" panose="020B0604020202020204" pitchFamily="34" charset="0"/>
-                    </a:endParaRPr>
                   </a:p>
                 </p:txBody>
               </p:sp>
@@ -31641,10 +30434,6 @@
                       </a:rPr>
                       <a:t>+</a:t>
                     </a:r>
-                    <a:endParaRPr lang="en-US" sz="2000" dirty="0" smtClean="0">
-                      <a:latin typeface="Arial" panose="020B0604020202020204" pitchFamily="34" charset="0"/>
-                      <a:cs typeface="Arial" panose="020B0604020202020204" pitchFamily="34" charset="0"/>
-                    </a:endParaRPr>
                   </a:p>
                 </p:txBody>
               </p:sp>
@@ -31731,6 +30520,128 @@
                     <p:spPr>
                       <a:xfrm>
                         <a:off x="5984376" y="1331974"/>
+                        <a:ext cx="355482" cy="345159"/>
+                      </a:xfrm>
+                      <a:prstGeom prst="rect">
+                        <a:avLst/>
+                      </a:prstGeom>
+                      <a:noFill/>
+                    </p:spPr>
+                    <p:txBody>
+                      <a:bodyPr wrap="none" lIns="0" tIns="0" rIns="0" bIns="0" rtlCol="0">
+                        <a:spAutoFit/>
+                      </a:bodyPr>
+                      <a:lstStyle/>
+                      <a:p>
+                        <a:pPr/>
+                        <a14:m>
+                          <m:oMathPara xmlns:m="http://schemas.openxmlformats.org/officeDocument/2006/math">
+                            <m:oMathParaPr>
+                              <m:jc m:val="centerGroup"/>
+                            </m:oMathParaPr>
+                            <m:oMath xmlns:m="http://schemas.openxmlformats.org/officeDocument/2006/math">
+                              <m:sSub>
+                                <m:sSubPr>
+                                  <m:ctrlPr>
+                                    <a:rPr lang="en-US" sz="2000" b="0" i="1" smtClean="0">
+                                      <a:latin typeface="Cambria Math" panose="02040503050406030204" pitchFamily="18" charset="0"/>
+                                      <a:cs typeface="Arial" panose="020B0604020202020204" pitchFamily="34" charset="0"/>
+                                    </a:rPr>
+                                  </m:ctrlPr>
+                                </m:sSubPr>
+                                <m:e>
+                                  <m:acc>
+                                    <m:accPr>
+                                      <m:chr m:val="⃗"/>
+                                      <m:ctrlPr>
+                                        <a:rPr lang="en-US" sz="2000" b="0" i="1" smtClean="0">
+                                          <a:latin typeface="Cambria Math" panose="02040503050406030204" pitchFamily="18" charset="0"/>
+                                          <a:cs typeface="Arial" panose="020B0604020202020204" pitchFamily="34" charset="0"/>
+                                        </a:rPr>
+                                      </m:ctrlPr>
+                                    </m:accPr>
+                                    <m:e>
+                                      <m:r>
+                                        <a:rPr lang="en-US" sz="2000" b="0" i="1" smtClean="0">
+                                          <a:latin typeface="Cambria Math" panose="02040503050406030204" pitchFamily="18" charset="0"/>
+                                          <a:cs typeface="Arial" panose="020B0604020202020204" pitchFamily="34" charset="0"/>
+                                        </a:rPr>
+                                        <m:t>𝐸</m:t>
+                                      </m:r>
+                                    </m:e>
+                                  </m:acc>
+                                </m:e>
+                                <m:sub>
+                                  <m:r>
+                                    <a:rPr lang="en-US" sz="2000" b="0" i="1" smtClean="0">
+                                      <a:latin typeface="Cambria Math" panose="02040503050406030204" pitchFamily="18" charset="0"/>
+                                      <a:cs typeface="Arial" panose="020B0604020202020204" pitchFamily="34" charset="0"/>
+                                    </a:rPr>
+                                    <m:t>𝜎</m:t>
+                                  </m:r>
+                                </m:sub>
+                              </m:sSub>
+                            </m:oMath>
+                          </m:oMathPara>
+                        </a14:m>
+                        <a:endParaRPr lang="en-US" sz="2000" dirty="0" smtClean="0">
+                          <a:latin typeface="Arial" panose="020B0604020202020204" pitchFamily="34" charset="0"/>
+                          <a:cs typeface="Arial" panose="020B0604020202020204" pitchFamily="34" charset="0"/>
+                        </a:endParaRPr>
+                      </a:p>
+                    </p:txBody>
+                  </p:sp>
+                </mc:Choice>
+                <mc:Fallback>
+                  <p:sp>
+                    <p:nvSpPr>
+                      <p:cNvPr id="49" name="TextBox 48"/>
+                      <p:cNvSpPr txBox="1">
+                        <a:spLocks noRot="1" noChangeAspect="1" noMove="1" noResize="1" noEditPoints="1" noAdjustHandles="1" noChangeArrowheads="1" noChangeShapeType="1" noTextEdit="1"/>
+                      </p:cNvSpPr>
+                      <p:nvPr/>
+                    </p:nvSpPr>
+                    <p:spPr>
+                      <a:xfrm>
+                        <a:off x="5984376" y="1331974"/>
+                        <a:ext cx="355482" cy="345159"/>
+                      </a:xfrm>
+                      <a:prstGeom prst="rect">
+                        <a:avLst/>
+                      </a:prstGeom>
+                      <a:blipFill>
+                        <a:blip r:embed="rId3"/>
+                        <a:stretch>
+                          <a:fillRect l="-15517" b="-14286"/>
+                        </a:stretch>
+                      </a:blipFill>
+                    </p:spPr>
+                    <p:txBody>
+                      <a:bodyPr/>
+                      <a:lstStyle/>
+                      <a:p>
+                        <a:r>
+                          <a:rPr lang="en-US">
+                            <a:noFill/>
+                          </a:rPr>
+                          <a:t> </a:t>
+                        </a:r>
+                      </a:p>
+                    </p:txBody>
+                  </p:sp>
+                </mc:Fallback>
+              </mc:AlternateContent>
+              <mc:AlternateContent xmlns:mc="http://schemas.openxmlformats.org/markup-compatibility/2006">
+                <mc:Choice xmlns:a14="http://schemas.microsoft.com/office/drawing/2010/main" Requires="a14">
+                  <p:sp>
+                    <p:nvSpPr>
+                      <p:cNvPr id="50" name="TextBox 49"/>
+                      <p:cNvSpPr txBox="1"/>
+                      <p:nvPr/>
+                    </p:nvSpPr>
+                    <p:spPr>
+                      <a:xfrm>
+                        <a:off x="6529953" y="1773613"/>
                         <a:ext cx="362535" cy="373949"/>
                       </a:xfrm>
                       <a:prstGeom prst="rect">
@@ -31744,6 +30655,7 @@
                       </a:bodyPr>
                       <a:lstStyle/>
                       <a:p>
+                        <a:pPr/>
                         <a14:m>
                           <m:oMathPara xmlns:m="http://schemas.openxmlformats.org/officeDocument/2006/math">
                             <m:oMathParaPr>
@@ -31805,127 +30717,6 @@
                 <mc:Fallback>
                   <p:sp>
                     <p:nvSpPr>
-                      <p:cNvPr id="49" name="TextBox 48"/>
-                      <p:cNvSpPr txBox="1">
-                        <a:spLocks noRot="1" noChangeAspect="1" noMove="1" noResize="1" noEditPoints="1" noAdjustHandles="1" noChangeArrowheads="1" noChangeShapeType="1" noTextEdit="1"/>
-                      </p:cNvSpPr>
-                      <p:nvPr/>
-                    </p:nvSpPr>
-                    <p:spPr>
-                      <a:xfrm>
-                        <a:off x="5984376" y="1331974"/>
-                        <a:ext cx="362535" cy="373949"/>
-                      </a:xfrm>
-                      <a:prstGeom prst="rect">
-                        <a:avLst/>
-                      </a:prstGeom>
-                      <a:blipFill>
-                        <a:blip r:embed="rId3"/>
-                        <a:stretch>
-                          <a:fillRect l="-15254" r="-10169" b="-22951"/>
-                        </a:stretch>
-                      </a:blipFill>
-                    </p:spPr>
-                    <p:txBody>
-                      <a:bodyPr/>
-                      <a:lstStyle/>
-                      <a:p>
-                        <a:r>
-                          <a:rPr lang="en-US">
-                            <a:noFill/>
-                          </a:rPr>
-                          <a:t> </a:t>
-                        </a:r>
-                      </a:p>
-                    </p:txBody>
-                  </p:sp>
-                </mc:Fallback>
-              </mc:AlternateContent>
-              <mc:AlternateContent xmlns:mc="http://schemas.openxmlformats.org/markup-compatibility/2006">
-                <mc:Choice xmlns:a14="http://schemas.microsoft.com/office/drawing/2010/main" Requires="a14">
-                  <p:sp>
-                    <p:nvSpPr>
-                      <p:cNvPr id="50" name="TextBox 49"/>
-                      <p:cNvSpPr txBox="1"/>
-                      <p:nvPr/>
-                    </p:nvSpPr>
-                    <p:spPr>
-                      <a:xfrm>
-                        <a:off x="6529953" y="1773613"/>
-                        <a:ext cx="355482" cy="345159"/>
-                      </a:xfrm>
-                      <a:prstGeom prst="rect">
-                        <a:avLst/>
-                      </a:prstGeom>
-                      <a:noFill/>
-                    </p:spPr>
-                    <p:txBody>
-                      <a:bodyPr wrap="none" lIns="0" tIns="0" rIns="0" bIns="0" rtlCol="0">
-                        <a:spAutoFit/>
-                      </a:bodyPr>
-                      <a:lstStyle/>
-                      <a:p>
-                        <a14:m>
-                          <m:oMathPara xmlns:m="http://schemas.openxmlformats.org/officeDocument/2006/math">
-                            <m:oMathParaPr>
-                              <m:jc m:val="centerGroup"/>
-                            </m:oMathParaPr>
-                            <m:oMath xmlns:m="http://schemas.openxmlformats.org/officeDocument/2006/math">
-                              <m:sSub>
-                                <m:sSubPr>
-                                  <m:ctrlPr>
-                                    <a:rPr lang="en-US" sz="2000" b="0" i="1" smtClean="0">
-                                      <a:latin typeface="Cambria Math" panose="02040503050406030204" pitchFamily="18" charset="0"/>
-                                      <a:cs typeface="Arial" panose="020B0604020202020204" pitchFamily="34" charset="0"/>
-                                    </a:rPr>
-                                  </m:ctrlPr>
-                                </m:sSubPr>
-                                <m:e>
-                                  <m:acc>
-                                    <m:accPr>
-                                      <m:chr m:val="⃗"/>
-                                      <m:ctrlPr>
-                                        <a:rPr lang="en-US" sz="2000" b="0" i="1" smtClean="0">
-                                          <a:latin typeface="Cambria Math" panose="02040503050406030204" pitchFamily="18" charset="0"/>
-                                          <a:cs typeface="Arial" panose="020B0604020202020204" pitchFamily="34" charset="0"/>
-                                        </a:rPr>
-                                      </m:ctrlPr>
-                                    </m:accPr>
-                                    <m:e>
-                                      <m:r>
-                                        <a:rPr lang="en-US" sz="2000" b="0" i="1" smtClean="0">
-                                          <a:latin typeface="Cambria Math" panose="02040503050406030204" pitchFamily="18" charset="0"/>
-                                          <a:cs typeface="Arial" panose="020B0604020202020204" pitchFamily="34" charset="0"/>
-                                        </a:rPr>
-                                        <m:t>𝐸</m:t>
-                                      </m:r>
-                                    </m:e>
-                                  </m:acc>
-                                </m:e>
-                                <m:sub>
-                                  <m:r>
-                                    <a:rPr lang="en-US" sz="2000" b="0" i="1" smtClean="0">
-                                      <a:latin typeface="Cambria Math" panose="02040503050406030204" pitchFamily="18" charset="0"/>
-                                      <a:cs typeface="Arial" panose="020B0604020202020204" pitchFamily="34" charset="0"/>
-                                    </a:rPr>
-                                    <m:t>𝜎</m:t>
-                                  </m:r>
-                                </m:sub>
-                              </m:sSub>
-                            </m:oMath>
-                          </m:oMathPara>
-                        </a14:m>
-                        <a:endParaRPr lang="en-US" sz="2000" dirty="0" smtClean="0">
-                          <a:latin typeface="Arial" panose="020B0604020202020204" pitchFamily="34" charset="0"/>
-                          <a:cs typeface="Arial" panose="020B0604020202020204" pitchFamily="34" charset="0"/>
-                        </a:endParaRPr>
-                      </a:p>
-                    </p:txBody>
-                  </p:sp>
-                </mc:Choice>
-                <mc:Fallback>
-                  <p:sp>
-                    <p:nvSpPr>
                       <p:cNvPr id="50" name="TextBox 49"/>
                       <p:cNvSpPr txBox="1">
                         <a:spLocks noRot="1" noChangeAspect="1" noMove="1" noResize="1" noEditPoints="1" noAdjustHandles="1" noChangeArrowheads="1" noChangeShapeType="1" noTextEdit="1"/>
@@ -31935,7 +30726,7 @@
                     <p:spPr>
                       <a:xfrm>
                         <a:off x="6529953" y="1773613"/>
-                        <a:ext cx="355482" cy="345159"/>
+                        <a:ext cx="362535" cy="373949"/>
                       </a:xfrm>
                       <a:prstGeom prst="rect">
                         <a:avLst/>
@@ -31943,7 +30734,7 @@
                       <a:blipFill>
                         <a:blip r:embed="rId4"/>
                         <a:stretch>
-                          <a:fillRect l="-13793" b="-12281"/>
+                          <a:fillRect l="-13333" r="-10000" b="-24590"/>
                         </a:stretch>
                       </a:blipFill>
                     </p:spPr>
@@ -32106,8 +30897,8 @@
               </a:p>
             </p:txBody>
           </p:sp>
-          <mc:AlternateContent xmlns:mc="http://schemas.openxmlformats.org/markup-compatibility/2006">
-            <mc:Choice xmlns:a14="http://schemas.microsoft.com/office/drawing/2010/main" Requires="a14">
+          <mc:AlternateContent xmlns:mc="http://schemas.openxmlformats.org/markup-compatibility/2006" xmlns:a14="http://schemas.microsoft.com/office/drawing/2010/main">
+            <mc:Choice Requires="a14">
               <p:sp>
                 <p:nvSpPr>
                   <p:cNvPr id="56" name="TextBox 55"/>
@@ -32130,6 +30921,7 @@
                   </a:bodyPr>
                   <a:lstStyle/>
                   <a:p>
+                    <a:pPr/>
                     <a14:m>
                       <m:oMathPara xmlns:m="http://schemas.openxmlformats.org/officeDocument/2006/math">
                         <m:oMathParaPr>
@@ -32187,7 +30979,7 @@
                 </p:txBody>
               </p:sp>
             </mc:Choice>
-            <mc:Fallback>
+            <mc:Fallback xmlns="">
               <p:sp>
                 <p:nvSpPr>
                   <p:cNvPr id="56" name="TextBox 55"/>
@@ -32226,8 +31018,8 @@
               </p:sp>
             </mc:Fallback>
           </mc:AlternateContent>
-          <mc:AlternateContent xmlns:mc="http://schemas.openxmlformats.org/markup-compatibility/2006">
-            <mc:Choice xmlns:a14="http://schemas.microsoft.com/office/drawing/2010/main" Requires="a14">
+          <mc:AlternateContent xmlns:mc="http://schemas.openxmlformats.org/markup-compatibility/2006" xmlns:a14="http://schemas.microsoft.com/office/drawing/2010/main">
+            <mc:Choice Requires="a14">
               <p:sp>
                 <p:nvSpPr>
                   <p:cNvPr id="57" name="TextBox 56"/>
@@ -32250,6 +31042,7 @@
                   </a:bodyPr>
                   <a:lstStyle/>
                   <a:p>
+                    <a:pPr/>
                     <a14:m>
                       <m:oMathPara xmlns:m="http://schemas.openxmlformats.org/officeDocument/2006/math">
                         <m:oMathParaPr>
@@ -32307,7 +31100,7 @@
                 </p:txBody>
               </p:sp>
             </mc:Choice>
-            <mc:Fallback>
+            <mc:Fallback xmlns="">
               <p:sp>
                 <p:nvSpPr>
                   <p:cNvPr id="57" name="TextBox 56"/>
@@ -32383,8 +31176,8 @@
             </a:fontRef>
           </p:style>
         </p:cxnSp>
-        <mc:AlternateContent xmlns:mc="http://schemas.openxmlformats.org/markup-compatibility/2006">
-          <mc:Choice xmlns:a14="http://schemas.microsoft.com/office/drawing/2010/main" Requires="a14">
+        <mc:AlternateContent xmlns:mc="http://schemas.openxmlformats.org/markup-compatibility/2006" xmlns:a14="http://schemas.microsoft.com/office/drawing/2010/main">
+          <mc:Choice Requires="a14">
             <p:sp>
               <p:nvSpPr>
                 <p:cNvPr id="61" name="TextBox 60"/>
@@ -32407,6 +31200,7 @@
                 </a:bodyPr>
                 <a:lstStyle/>
                 <a:p>
+                  <a:pPr/>
                   <a14:m>
                     <m:oMathPara xmlns:m="http://schemas.openxmlformats.org/officeDocument/2006/math">
                       <m:oMathParaPr>
@@ -32431,7 +31225,7 @@
               </p:txBody>
             </p:sp>
           </mc:Choice>
-          <mc:Fallback>
+          <mc:Fallback xmlns="">
             <p:sp>
               <p:nvSpPr>
                 <p:cNvPr id="61" name="TextBox 60"/>
